--- a/plots/schema_rsd.pptx
+++ b/plots/schema_rsd.pptx
@@ -261,7 +261,7 @@
           <a:p>
             <a:fld id="{F5550161-401F-A444-B590-DF81AD9B2494}" type="datetimeFigureOut">
               <a:rPr lang="en-GB" smtClean="0"/>
-              <a:t>10/04/2020</a:t>
+              <a:t>16/11/2020</a:t>
             </a:fld>
             <a:endParaRPr lang="en-GB"/>
           </a:p>
@@ -461,7 +461,7 @@
           <a:p>
             <a:fld id="{F5550161-401F-A444-B590-DF81AD9B2494}" type="datetimeFigureOut">
               <a:rPr lang="en-GB" smtClean="0"/>
-              <a:t>10/04/2020</a:t>
+              <a:t>16/11/2020</a:t>
             </a:fld>
             <a:endParaRPr lang="en-GB"/>
           </a:p>
@@ -671,7 +671,7 @@
           <a:p>
             <a:fld id="{F5550161-401F-A444-B590-DF81AD9B2494}" type="datetimeFigureOut">
               <a:rPr lang="en-GB" smtClean="0"/>
-              <a:t>10/04/2020</a:t>
+              <a:t>16/11/2020</a:t>
             </a:fld>
             <a:endParaRPr lang="en-GB"/>
           </a:p>
@@ -871,7 +871,7 @@
           <a:p>
             <a:fld id="{F5550161-401F-A444-B590-DF81AD9B2494}" type="datetimeFigureOut">
               <a:rPr lang="en-GB" smtClean="0"/>
-              <a:t>10/04/2020</a:t>
+              <a:t>16/11/2020</a:t>
             </a:fld>
             <a:endParaRPr lang="en-GB"/>
           </a:p>
@@ -1147,7 +1147,7 @@
           <a:p>
             <a:fld id="{F5550161-401F-A444-B590-DF81AD9B2494}" type="datetimeFigureOut">
               <a:rPr lang="en-GB" smtClean="0"/>
-              <a:t>10/04/2020</a:t>
+              <a:t>16/11/2020</a:t>
             </a:fld>
             <a:endParaRPr lang="en-GB"/>
           </a:p>
@@ -1415,7 +1415,7 @@
           <a:p>
             <a:fld id="{F5550161-401F-A444-B590-DF81AD9B2494}" type="datetimeFigureOut">
               <a:rPr lang="en-GB" smtClean="0"/>
-              <a:t>10/04/2020</a:t>
+              <a:t>16/11/2020</a:t>
             </a:fld>
             <a:endParaRPr lang="en-GB"/>
           </a:p>
@@ -1830,7 +1830,7 @@
           <a:p>
             <a:fld id="{F5550161-401F-A444-B590-DF81AD9B2494}" type="datetimeFigureOut">
               <a:rPr lang="en-GB" smtClean="0"/>
-              <a:t>10/04/2020</a:t>
+              <a:t>16/11/2020</a:t>
             </a:fld>
             <a:endParaRPr lang="en-GB"/>
           </a:p>
@@ -1972,7 +1972,7 @@
           <a:p>
             <a:fld id="{F5550161-401F-A444-B590-DF81AD9B2494}" type="datetimeFigureOut">
               <a:rPr lang="en-GB" smtClean="0"/>
-              <a:t>10/04/2020</a:t>
+              <a:t>16/11/2020</a:t>
             </a:fld>
             <a:endParaRPr lang="en-GB"/>
           </a:p>
@@ -2085,7 +2085,7 @@
           <a:p>
             <a:fld id="{F5550161-401F-A444-B590-DF81AD9B2494}" type="datetimeFigureOut">
               <a:rPr lang="en-GB" smtClean="0"/>
-              <a:t>10/04/2020</a:t>
+              <a:t>16/11/2020</a:t>
             </a:fld>
             <a:endParaRPr lang="en-GB"/>
           </a:p>
@@ -2398,7 +2398,7 @@
           <a:p>
             <a:fld id="{F5550161-401F-A444-B590-DF81AD9B2494}" type="datetimeFigureOut">
               <a:rPr lang="en-GB" smtClean="0"/>
-              <a:t>10/04/2020</a:t>
+              <a:t>16/11/2020</a:t>
             </a:fld>
             <a:endParaRPr lang="en-GB"/>
           </a:p>
@@ -2687,7 +2687,7 @@
           <a:p>
             <a:fld id="{F5550161-401F-A444-B590-DF81AD9B2494}" type="datetimeFigureOut">
               <a:rPr lang="en-GB" smtClean="0"/>
-              <a:t>10/04/2020</a:t>
+              <a:t>16/11/2020</a:t>
             </a:fld>
             <a:endParaRPr lang="en-GB"/>
           </a:p>
@@ -2930,7 +2930,7 @@
           <a:p>
             <a:fld id="{F5550161-401F-A444-B590-DF81AD9B2494}" type="datetimeFigureOut">
               <a:rPr lang="en-GB" smtClean="0"/>
-              <a:t>10/04/2020</a:t>
+              <a:t>16/11/2020</a:t>
             </a:fld>
             <a:endParaRPr lang="en-GB"/>
           </a:p>
@@ -3495,2454 +3495,6 @@
           </a:p>
         </p:txBody>
       </p:sp>
-      <p:sp>
-        <p:nvSpPr>
-          <p:cNvPr id="15" name="Oval 14">
-            <a:extLst>
-              <a:ext uri="{FF2B5EF4-FFF2-40B4-BE49-F238E27FC236}">
-                <a16:creationId xmlns:a16="http://schemas.microsoft.com/office/drawing/2014/main" id="{5F40E6F7-AD84-1F47-9CC9-9DF578CBC7DC}"/>
-              </a:ext>
-            </a:extLst>
-          </p:cNvPr>
-          <p:cNvSpPr/>
-          <p:nvPr/>
-        </p:nvSpPr>
-        <p:spPr>
-          <a:xfrm>
-            <a:off x="4051462" y="2812707"/>
-            <a:ext cx="248856" cy="150351"/>
-          </a:xfrm>
-          <a:prstGeom prst="ellipse">
-            <a:avLst/>
-          </a:prstGeom>
-          <a:noFill/>
-          <a:ln w="19050">
-            <a:solidFill>
-              <a:schemeClr val="tx1"/>
-            </a:solidFill>
-          </a:ln>
-        </p:spPr>
-        <p:style>
-          <a:lnRef idx="2">
-            <a:schemeClr val="accent1">
-              <a:shade val="50000"/>
-            </a:schemeClr>
-          </a:lnRef>
-          <a:fillRef idx="1">
-            <a:schemeClr val="accent1"/>
-          </a:fillRef>
-          <a:effectRef idx="0">
-            <a:schemeClr val="accent1"/>
-          </a:effectRef>
-          <a:fontRef idx="minor">
-            <a:schemeClr val="lt1"/>
-          </a:fontRef>
-        </p:style>
-        <p:txBody>
-          <a:bodyPr rtlCol="0" anchor="ctr"/>
-          <a:lstStyle/>
-          <a:p>
-            <a:pPr algn="ctr"/>
-            <a:endParaRPr lang="en-GB"/>
-          </a:p>
-        </p:txBody>
-      </p:sp>
-      <p:sp>
-        <p:nvSpPr>
-          <p:cNvPr id="16" name="Freeform 15">
-            <a:extLst>
-              <a:ext uri="{FF2B5EF4-FFF2-40B4-BE49-F238E27FC236}">
-                <a16:creationId xmlns:a16="http://schemas.microsoft.com/office/drawing/2014/main" id="{EC71E1C9-516B-4442-8EBD-3A0E61B951F2}"/>
-              </a:ext>
-            </a:extLst>
-          </p:cNvPr>
-          <p:cNvSpPr/>
-          <p:nvPr/>
-        </p:nvSpPr>
-        <p:spPr>
-          <a:xfrm>
-            <a:off x="3943672" y="2722601"/>
-            <a:ext cx="397411" cy="240457"/>
-          </a:xfrm>
-          <a:custGeom>
-            <a:avLst/>
-            <a:gdLst>
-              <a:gd name="connsiteX0" fmla="*/ 243405 w 397411"/>
-              <a:gd name="connsiteY0" fmla="*/ 240457 h 240457"/>
-              <a:gd name="connsiteX1" fmla="*/ 382064 w 397411"/>
-              <a:gd name="connsiteY1" fmla="*/ 187992 h 240457"/>
-              <a:gd name="connsiteX2" fmla="*/ 374569 w 397411"/>
-              <a:gd name="connsiteY2" fmla="*/ 79313 h 240457"/>
-              <a:gd name="connsiteX3" fmla="*/ 209678 w 397411"/>
-              <a:gd name="connsiteY3" fmla="*/ 615 h 240457"/>
-              <a:gd name="connsiteX4" fmla="*/ 3563 w 397411"/>
-              <a:gd name="connsiteY4" fmla="*/ 49333 h 240457"/>
-            </a:gdLst>
-            <a:ahLst/>
-            <a:cxnLst>
-              <a:cxn ang="0">
-                <a:pos x="connsiteX0" y="connsiteY0"/>
-              </a:cxn>
-              <a:cxn ang="0">
-                <a:pos x="connsiteX1" y="connsiteY1"/>
-              </a:cxn>
-              <a:cxn ang="0">
-                <a:pos x="connsiteX2" y="connsiteY2"/>
-              </a:cxn>
-              <a:cxn ang="0">
-                <a:pos x="connsiteX3" y="connsiteY3"/>
-              </a:cxn>
-              <a:cxn ang="0">
-                <a:pos x="connsiteX4" y="connsiteY4"/>
-              </a:cxn>
-            </a:cxnLst>
-            <a:rect l="l" t="t" r="r" b="b"/>
-            <a:pathLst>
-              <a:path w="397411" h="240457">
-                <a:moveTo>
-                  <a:pt x="243405" y="240457"/>
-                </a:moveTo>
-                <a:cubicBezTo>
-                  <a:pt x="301804" y="227653"/>
-                  <a:pt x="360203" y="214849"/>
-                  <a:pt x="382064" y="187992"/>
-                </a:cubicBezTo>
-                <a:cubicBezTo>
-                  <a:pt x="403925" y="161135"/>
-                  <a:pt x="403300" y="110542"/>
-                  <a:pt x="374569" y="79313"/>
-                </a:cubicBezTo>
-                <a:cubicBezTo>
-                  <a:pt x="345838" y="48083"/>
-                  <a:pt x="271512" y="5612"/>
-                  <a:pt x="209678" y="615"/>
-                </a:cubicBezTo>
-                <a:cubicBezTo>
-                  <a:pt x="147844" y="-4382"/>
-                  <a:pt x="-27042" y="21851"/>
-                  <a:pt x="3563" y="49333"/>
-                </a:cubicBezTo>
-              </a:path>
-            </a:pathLst>
-          </a:custGeom>
-          <a:noFill/>
-          <a:ln w="19050">
-            <a:solidFill>
-              <a:schemeClr val="tx1"/>
-            </a:solidFill>
-          </a:ln>
-        </p:spPr>
-        <p:style>
-          <a:lnRef idx="2">
-            <a:schemeClr val="accent1">
-              <a:shade val="50000"/>
-            </a:schemeClr>
-          </a:lnRef>
-          <a:fillRef idx="1">
-            <a:schemeClr val="accent1"/>
-          </a:fillRef>
-          <a:effectRef idx="0">
-            <a:schemeClr val="accent1"/>
-          </a:effectRef>
-          <a:fontRef idx="minor">
-            <a:schemeClr val="lt1"/>
-          </a:fontRef>
-        </p:style>
-        <p:txBody>
-          <a:bodyPr rtlCol="0" anchor="ctr"/>
-          <a:lstStyle/>
-          <a:p>
-            <a:pPr algn="ctr"/>
-            <a:endParaRPr lang="en-GB"/>
-          </a:p>
-        </p:txBody>
-      </p:sp>
-      <p:sp>
-        <p:nvSpPr>
-          <p:cNvPr id="17" name="Freeform 16">
-            <a:extLst>
-              <a:ext uri="{FF2B5EF4-FFF2-40B4-BE49-F238E27FC236}">
-                <a16:creationId xmlns:a16="http://schemas.microsoft.com/office/drawing/2014/main" id="{137BFF34-377F-D642-8ED3-3FAE68EFB1DF}"/>
-              </a:ext>
-            </a:extLst>
-          </p:cNvPr>
-          <p:cNvSpPr/>
-          <p:nvPr/>
-        </p:nvSpPr>
-        <p:spPr>
-          <a:xfrm rot="10800000">
-            <a:off x="4010693" y="2810833"/>
-            <a:ext cx="397411" cy="240457"/>
-          </a:xfrm>
-          <a:custGeom>
-            <a:avLst/>
-            <a:gdLst>
-              <a:gd name="connsiteX0" fmla="*/ 243405 w 397411"/>
-              <a:gd name="connsiteY0" fmla="*/ 240457 h 240457"/>
-              <a:gd name="connsiteX1" fmla="*/ 382064 w 397411"/>
-              <a:gd name="connsiteY1" fmla="*/ 187992 h 240457"/>
-              <a:gd name="connsiteX2" fmla="*/ 374569 w 397411"/>
-              <a:gd name="connsiteY2" fmla="*/ 79313 h 240457"/>
-              <a:gd name="connsiteX3" fmla="*/ 209678 w 397411"/>
-              <a:gd name="connsiteY3" fmla="*/ 615 h 240457"/>
-              <a:gd name="connsiteX4" fmla="*/ 3563 w 397411"/>
-              <a:gd name="connsiteY4" fmla="*/ 49333 h 240457"/>
-            </a:gdLst>
-            <a:ahLst/>
-            <a:cxnLst>
-              <a:cxn ang="0">
-                <a:pos x="connsiteX0" y="connsiteY0"/>
-              </a:cxn>
-              <a:cxn ang="0">
-                <a:pos x="connsiteX1" y="connsiteY1"/>
-              </a:cxn>
-              <a:cxn ang="0">
-                <a:pos x="connsiteX2" y="connsiteY2"/>
-              </a:cxn>
-              <a:cxn ang="0">
-                <a:pos x="connsiteX3" y="connsiteY3"/>
-              </a:cxn>
-              <a:cxn ang="0">
-                <a:pos x="connsiteX4" y="connsiteY4"/>
-              </a:cxn>
-            </a:cxnLst>
-            <a:rect l="l" t="t" r="r" b="b"/>
-            <a:pathLst>
-              <a:path w="397411" h="240457">
-                <a:moveTo>
-                  <a:pt x="243405" y="240457"/>
-                </a:moveTo>
-                <a:cubicBezTo>
-                  <a:pt x="301804" y="227653"/>
-                  <a:pt x="360203" y="214849"/>
-                  <a:pt x="382064" y="187992"/>
-                </a:cubicBezTo>
-                <a:cubicBezTo>
-                  <a:pt x="403925" y="161135"/>
-                  <a:pt x="403300" y="110542"/>
-                  <a:pt x="374569" y="79313"/>
-                </a:cubicBezTo>
-                <a:cubicBezTo>
-                  <a:pt x="345838" y="48083"/>
-                  <a:pt x="271512" y="5612"/>
-                  <a:pt x="209678" y="615"/>
-                </a:cubicBezTo>
-                <a:cubicBezTo>
-                  <a:pt x="147844" y="-4382"/>
-                  <a:pt x="-27042" y="21851"/>
-                  <a:pt x="3563" y="49333"/>
-                </a:cubicBezTo>
-              </a:path>
-            </a:pathLst>
-          </a:custGeom>
-          <a:noFill/>
-          <a:ln w="19050">
-            <a:solidFill>
-              <a:schemeClr val="tx1"/>
-            </a:solidFill>
-          </a:ln>
-        </p:spPr>
-        <p:style>
-          <a:lnRef idx="2">
-            <a:schemeClr val="accent1">
-              <a:shade val="50000"/>
-            </a:schemeClr>
-          </a:lnRef>
-          <a:fillRef idx="1">
-            <a:schemeClr val="accent1"/>
-          </a:fillRef>
-          <a:effectRef idx="0">
-            <a:schemeClr val="accent1"/>
-          </a:effectRef>
-          <a:fontRef idx="minor">
-            <a:schemeClr val="lt1"/>
-          </a:fontRef>
-        </p:style>
-        <p:txBody>
-          <a:bodyPr rtlCol="0" anchor="ctr"/>
-          <a:lstStyle/>
-          <a:p>
-            <a:pPr algn="ctr"/>
-            <a:endParaRPr lang="en-GB"/>
-          </a:p>
-        </p:txBody>
-      </p:sp>
-      <p:sp>
-        <p:nvSpPr>
-          <p:cNvPr id="28" name="Oval 27">
-            <a:extLst>
-              <a:ext uri="{FF2B5EF4-FFF2-40B4-BE49-F238E27FC236}">
-                <a16:creationId xmlns:a16="http://schemas.microsoft.com/office/drawing/2014/main" id="{7A59EB90-30FE-B943-8BE5-400AAFACDC22}"/>
-              </a:ext>
-            </a:extLst>
-          </p:cNvPr>
-          <p:cNvSpPr/>
-          <p:nvPr/>
-        </p:nvSpPr>
-        <p:spPr>
-          <a:xfrm>
-            <a:off x="3811992" y="2900939"/>
-            <a:ext cx="248856" cy="150351"/>
-          </a:xfrm>
-          <a:prstGeom prst="ellipse">
-            <a:avLst/>
-          </a:prstGeom>
-          <a:noFill/>
-          <a:ln w="19050">
-            <a:solidFill>
-              <a:schemeClr val="tx1"/>
-            </a:solidFill>
-          </a:ln>
-        </p:spPr>
-        <p:style>
-          <a:lnRef idx="2">
-            <a:schemeClr val="accent1">
-              <a:shade val="50000"/>
-            </a:schemeClr>
-          </a:lnRef>
-          <a:fillRef idx="1">
-            <a:schemeClr val="accent1"/>
-          </a:fillRef>
-          <a:effectRef idx="0">
-            <a:schemeClr val="accent1"/>
-          </a:effectRef>
-          <a:fontRef idx="minor">
-            <a:schemeClr val="lt1"/>
-          </a:fontRef>
-        </p:style>
-        <p:txBody>
-          <a:bodyPr rtlCol="0" anchor="ctr"/>
-          <a:lstStyle/>
-          <a:p>
-            <a:pPr algn="ctr"/>
-            <a:endParaRPr lang="en-GB"/>
-          </a:p>
-        </p:txBody>
-      </p:sp>
-      <p:sp>
-        <p:nvSpPr>
-          <p:cNvPr id="29" name="Freeform 28">
-            <a:extLst>
-              <a:ext uri="{FF2B5EF4-FFF2-40B4-BE49-F238E27FC236}">
-                <a16:creationId xmlns:a16="http://schemas.microsoft.com/office/drawing/2014/main" id="{9C071F00-7EE3-0D42-83D3-C3B51C6E5DEA}"/>
-              </a:ext>
-            </a:extLst>
-          </p:cNvPr>
-          <p:cNvSpPr/>
-          <p:nvPr/>
-        </p:nvSpPr>
-        <p:spPr>
-          <a:xfrm>
-            <a:off x="3704202" y="2810833"/>
-            <a:ext cx="397411" cy="240457"/>
-          </a:xfrm>
-          <a:custGeom>
-            <a:avLst/>
-            <a:gdLst>
-              <a:gd name="connsiteX0" fmla="*/ 243405 w 397411"/>
-              <a:gd name="connsiteY0" fmla="*/ 240457 h 240457"/>
-              <a:gd name="connsiteX1" fmla="*/ 382064 w 397411"/>
-              <a:gd name="connsiteY1" fmla="*/ 187992 h 240457"/>
-              <a:gd name="connsiteX2" fmla="*/ 374569 w 397411"/>
-              <a:gd name="connsiteY2" fmla="*/ 79313 h 240457"/>
-              <a:gd name="connsiteX3" fmla="*/ 209678 w 397411"/>
-              <a:gd name="connsiteY3" fmla="*/ 615 h 240457"/>
-              <a:gd name="connsiteX4" fmla="*/ 3563 w 397411"/>
-              <a:gd name="connsiteY4" fmla="*/ 49333 h 240457"/>
-            </a:gdLst>
-            <a:ahLst/>
-            <a:cxnLst>
-              <a:cxn ang="0">
-                <a:pos x="connsiteX0" y="connsiteY0"/>
-              </a:cxn>
-              <a:cxn ang="0">
-                <a:pos x="connsiteX1" y="connsiteY1"/>
-              </a:cxn>
-              <a:cxn ang="0">
-                <a:pos x="connsiteX2" y="connsiteY2"/>
-              </a:cxn>
-              <a:cxn ang="0">
-                <a:pos x="connsiteX3" y="connsiteY3"/>
-              </a:cxn>
-              <a:cxn ang="0">
-                <a:pos x="connsiteX4" y="connsiteY4"/>
-              </a:cxn>
-            </a:cxnLst>
-            <a:rect l="l" t="t" r="r" b="b"/>
-            <a:pathLst>
-              <a:path w="397411" h="240457">
-                <a:moveTo>
-                  <a:pt x="243405" y="240457"/>
-                </a:moveTo>
-                <a:cubicBezTo>
-                  <a:pt x="301804" y="227653"/>
-                  <a:pt x="360203" y="214849"/>
-                  <a:pt x="382064" y="187992"/>
-                </a:cubicBezTo>
-                <a:cubicBezTo>
-                  <a:pt x="403925" y="161135"/>
-                  <a:pt x="403300" y="110542"/>
-                  <a:pt x="374569" y="79313"/>
-                </a:cubicBezTo>
-                <a:cubicBezTo>
-                  <a:pt x="345838" y="48083"/>
-                  <a:pt x="271512" y="5612"/>
-                  <a:pt x="209678" y="615"/>
-                </a:cubicBezTo>
-                <a:cubicBezTo>
-                  <a:pt x="147844" y="-4382"/>
-                  <a:pt x="-27042" y="21851"/>
-                  <a:pt x="3563" y="49333"/>
-                </a:cubicBezTo>
-              </a:path>
-            </a:pathLst>
-          </a:custGeom>
-          <a:noFill/>
-          <a:ln w="19050">
-            <a:solidFill>
-              <a:schemeClr val="tx1"/>
-            </a:solidFill>
-          </a:ln>
-        </p:spPr>
-        <p:style>
-          <a:lnRef idx="2">
-            <a:schemeClr val="accent1">
-              <a:shade val="50000"/>
-            </a:schemeClr>
-          </a:lnRef>
-          <a:fillRef idx="1">
-            <a:schemeClr val="accent1"/>
-          </a:fillRef>
-          <a:effectRef idx="0">
-            <a:schemeClr val="accent1"/>
-          </a:effectRef>
-          <a:fontRef idx="minor">
-            <a:schemeClr val="lt1"/>
-          </a:fontRef>
-        </p:style>
-        <p:txBody>
-          <a:bodyPr rtlCol="0" anchor="ctr"/>
-          <a:lstStyle/>
-          <a:p>
-            <a:pPr algn="ctr"/>
-            <a:endParaRPr lang="en-GB"/>
-          </a:p>
-        </p:txBody>
-      </p:sp>
-      <p:sp>
-        <p:nvSpPr>
-          <p:cNvPr id="30" name="Freeform 29">
-            <a:extLst>
-              <a:ext uri="{FF2B5EF4-FFF2-40B4-BE49-F238E27FC236}">
-                <a16:creationId xmlns:a16="http://schemas.microsoft.com/office/drawing/2014/main" id="{E3A42E99-451F-9C45-86DF-38AF1B83ADA6}"/>
-              </a:ext>
-            </a:extLst>
-          </p:cNvPr>
-          <p:cNvSpPr/>
-          <p:nvPr/>
-        </p:nvSpPr>
-        <p:spPr>
-          <a:xfrm rot="10800000">
-            <a:off x="3771223" y="2899065"/>
-            <a:ext cx="397411" cy="240457"/>
-          </a:xfrm>
-          <a:custGeom>
-            <a:avLst/>
-            <a:gdLst>
-              <a:gd name="connsiteX0" fmla="*/ 243405 w 397411"/>
-              <a:gd name="connsiteY0" fmla="*/ 240457 h 240457"/>
-              <a:gd name="connsiteX1" fmla="*/ 382064 w 397411"/>
-              <a:gd name="connsiteY1" fmla="*/ 187992 h 240457"/>
-              <a:gd name="connsiteX2" fmla="*/ 374569 w 397411"/>
-              <a:gd name="connsiteY2" fmla="*/ 79313 h 240457"/>
-              <a:gd name="connsiteX3" fmla="*/ 209678 w 397411"/>
-              <a:gd name="connsiteY3" fmla="*/ 615 h 240457"/>
-              <a:gd name="connsiteX4" fmla="*/ 3563 w 397411"/>
-              <a:gd name="connsiteY4" fmla="*/ 49333 h 240457"/>
-            </a:gdLst>
-            <a:ahLst/>
-            <a:cxnLst>
-              <a:cxn ang="0">
-                <a:pos x="connsiteX0" y="connsiteY0"/>
-              </a:cxn>
-              <a:cxn ang="0">
-                <a:pos x="connsiteX1" y="connsiteY1"/>
-              </a:cxn>
-              <a:cxn ang="0">
-                <a:pos x="connsiteX2" y="connsiteY2"/>
-              </a:cxn>
-              <a:cxn ang="0">
-                <a:pos x="connsiteX3" y="connsiteY3"/>
-              </a:cxn>
-              <a:cxn ang="0">
-                <a:pos x="connsiteX4" y="connsiteY4"/>
-              </a:cxn>
-            </a:cxnLst>
-            <a:rect l="l" t="t" r="r" b="b"/>
-            <a:pathLst>
-              <a:path w="397411" h="240457">
-                <a:moveTo>
-                  <a:pt x="243405" y="240457"/>
-                </a:moveTo>
-                <a:cubicBezTo>
-                  <a:pt x="301804" y="227653"/>
-                  <a:pt x="360203" y="214849"/>
-                  <a:pt x="382064" y="187992"/>
-                </a:cubicBezTo>
-                <a:cubicBezTo>
-                  <a:pt x="403925" y="161135"/>
-                  <a:pt x="403300" y="110542"/>
-                  <a:pt x="374569" y="79313"/>
-                </a:cubicBezTo>
-                <a:cubicBezTo>
-                  <a:pt x="345838" y="48083"/>
-                  <a:pt x="271512" y="5612"/>
-                  <a:pt x="209678" y="615"/>
-                </a:cubicBezTo>
-                <a:cubicBezTo>
-                  <a:pt x="147844" y="-4382"/>
-                  <a:pt x="-27042" y="21851"/>
-                  <a:pt x="3563" y="49333"/>
-                </a:cubicBezTo>
-              </a:path>
-            </a:pathLst>
-          </a:custGeom>
-          <a:noFill/>
-          <a:ln w="19050">
-            <a:solidFill>
-              <a:schemeClr val="tx1"/>
-            </a:solidFill>
-          </a:ln>
-        </p:spPr>
-        <p:style>
-          <a:lnRef idx="2">
-            <a:schemeClr val="accent1">
-              <a:shade val="50000"/>
-            </a:schemeClr>
-          </a:lnRef>
-          <a:fillRef idx="1">
-            <a:schemeClr val="accent1"/>
-          </a:fillRef>
-          <a:effectRef idx="0">
-            <a:schemeClr val="accent1"/>
-          </a:effectRef>
-          <a:fontRef idx="minor">
-            <a:schemeClr val="lt1"/>
-          </a:fontRef>
-        </p:style>
-        <p:txBody>
-          <a:bodyPr rtlCol="0" anchor="ctr"/>
-          <a:lstStyle/>
-          <a:p>
-            <a:pPr algn="ctr"/>
-            <a:endParaRPr lang="en-GB"/>
-          </a:p>
-        </p:txBody>
-      </p:sp>
-      <p:sp>
-        <p:nvSpPr>
-          <p:cNvPr id="31" name="Oval 30">
-            <a:extLst>
-              <a:ext uri="{FF2B5EF4-FFF2-40B4-BE49-F238E27FC236}">
-                <a16:creationId xmlns:a16="http://schemas.microsoft.com/office/drawing/2014/main" id="{8EFE63C4-3948-E44E-9D5E-C054FBD8BC9F}"/>
-              </a:ext>
-            </a:extLst>
-          </p:cNvPr>
-          <p:cNvSpPr/>
-          <p:nvPr/>
-        </p:nvSpPr>
-        <p:spPr>
-          <a:xfrm>
-            <a:off x="4036953" y="3021168"/>
-            <a:ext cx="248856" cy="150351"/>
-          </a:xfrm>
-          <a:prstGeom prst="ellipse">
-            <a:avLst/>
-          </a:prstGeom>
-          <a:noFill/>
-          <a:ln w="19050">
-            <a:solidFill>
-              <a:schemeClr val="tx1"/>
-            </a:solidFill>
-          </a:ln>
-        </p:spPr>
-        <p:style>
-          <a:lnRef idx="2">
-            <a:schemeClr val="accent1">
-              <a:shade val="50000"/>
-            </a:schemeClr>
-          </a:lnRef>
-          <a:fillRef idx="1">
-            <a:schemeClr val="accent1"/>
-          </a:fillRef>
-          <a:effectRef idx="0">
-            <a:schemeClr val="accent1"/>
-          </a:effectRef>
-          <a:fontRef idx="minor">
-            <a:schemeClr val="lt1"/>
-          </a:fontRef>
-        </p:style>
-        <p:txBody>
-          <a:bodyPr rtlCol="0" anchor="ctr"/>
-          <a:lstStyle/>
-          <a:p>
-            <a:pPr algn="ctr"/>
-            <a:endParaRPr lang="en-GB"/>
-          </a:p>
-        </p:txBody>
-      </p:sp>
-      <p:sp>
-        <p:nvSpPr>
-          <p:cNvPr id="32" name="Freeform 31">
-            <a:extLst>
-              <a:ext uri="{FF2B5EF4-FFF2-40B4-BE49-F238E27FC236}">
-                <a16:creationId xmlns:a16="http://schemas.microsoft.com/office/drawing/2014/main" id="{B5F94A1D-C405-A542-BE23-5CE74DE6E2A2}"/>
-              </a:ext>
-            </a:extLst>
-          </p:cNvPr>
-          <p:cNvSpPr/>
-          <p:nvPr/>
-        </p:nvSpPr>
-        <p:spPr>
-          <a:xfrm>
-            <a:off x="3929163" y="2931062"/>
-            <a:ext cx="397411" cy="240457"/>
-          </a:xfrm>
-          <a:custGeom>
-            <a:avLst/>
-            <a:gdLst>
-              <a:gd name="connsiteX0" fmla="*/ 243405 w 397411"/>
-              <a:gd name="connsiteY0" fmla="*/ 240457 h 240457"/>
-              <a:gd name="connsiteX1" fmla="*/ 382064 w 397411"/>
-              <a:gd name="connsiteY1" fmla="*/ 187992 h 240457"/>
-              <a:gd name="connsiteX2" fmla="*/ 374569 w 397411"/>
-              <a:gd name="connsiteY2" fmla="*/ 79313 h 240457"/>
-              <a:gd name="connsiteX3" fmla="*/ 209678 w 397411"/>
-              <a:gd name="connsiteY3" fmla="*/ 615 h 240457"/>
-              <a:gd name="connsiteX4" fmla="*/ 3563 w 397411"/>
-              <a:gd name="connsiteY4" fmla="*/ 49333 h 240457"/>
-            </a:gdLst>
-            <a:ahLst/>
-            <a:cxnLst>
-              <a:cxn ang="0">
-                <a:pos x="connsiteX0" y="connsiteY0"/>
-              </a:cxn>
-              <a:cxn ang="0">
-                <a:pos x="connsiteX1" y="connsiteY1"/>
-              </a:cxn>
-              <a:cxn ang="0">
-                <a:pos x="connsiteX2" y="connsiteY2"/>
-              </a:cxn>
-              <a:cxn ang="0">
-                <a:pos x="connsiteX3" y="connsiteY3"/>
-              </a:cxn>
-              <a:cxn ang="0">
-                <a:pos x="connsiteX4" y="connsiteY4"/>
-              </a:cxn>
-            </a:cxnLst>
-            <a:rect l="l" t="t" r="r" b="b"/>
-            <a:pathLst>
-              <a:path w="397411" h="240457">
-                <a:moveTo>
-                  <a:pt x="243405" y="240457"/>
-                </a:moveTo>
-                <a:cubicBezTo>
-                  <a:pt x="301804" y="227653"/>
-                  <a:pt x="360203" y="214849"/>
-                  <a:pt x="382064" y="187992"/>
-                </a:cubicBezTo>
-                <a:cubicBezTo>
-                  <a:pt x="403925" y="161135"/>
-                  <a:pt x="403300" y="110542"/>
-                  <a:pt x="374569" y="79313"/>
-                </a:cubicBezTo>
-                <a:cubicBezTo>
-                  <a:pt x="345838" y="48083"/>
-                  <a:pt x="271512" y="5612"/>
-                  <a:pt x="209678" y="615"/>
-                </a:cubicBezTo>
-                <a:cubicBezTo>
-                  <a:pt x="147844" y="-4382"/>
-                  <a:pt x="-27042" y="21851"/>
-                  <a:pt x="3563" y="49333"/>
-                </a:cubicBezTo>
-              </a:path>
-            </a:pathLst>
-          </a:custGeom>
-          <a:noFill/>
-          <a:ln w="19050">
-            <a:solidFill>
-              <a:schemeClr val="tx1"/>
-            </a:solidFill>
-          </a:ln>
-        </p:spPr>
-        <p:style>
-          <a:lnRef idx="2">
-            <a:schemeClr val="accent1">
-              <a:shade val="50000"/>
-            </a:schemeClr>
-          </a:lnRef>
-          <a:fillRef idx="1">
-            <a:schemeClr val="accent1"/>
-          </a:fillRef>
-          <a:effectRef idx="0">
-            <a:schemeClr val="accent1"/>
-          </a:effectRef>
-          <a:fontRef idx="minor">
-            <a:schemeClr val="lt1"/>
-          </a:fontRef>
-        </p:style>
-        <p:txBody>
-          <a:bodyPr rtlCol="0" anchor="ctr"/>
-          <a:lstStyle/>
-          <a:p>
-            <a:pPr algn="ctr"/>
-            <a:endParaRPr lang="en-GB"/>
-          </a:p>
-        </p:txBody>
-      </p:sp>
-      <p:sp>
-        <p:nvSpPr>
-          <p:cNvPr id="33" name="Freeform 32">
-            <a:extLst>
-              <a:ext uri="{FF2B5EF4-FFF2-40B4-BE49-F238E27FC236}">
-                <a16:creationId xmlns:a16="http://schemas.microsoft.com/office/drawing/2014/main" id="{AF8FB864-0E57-2441-8109-5499C34DFCBB}"/>
-              </a:ext>
-            </a:extLst>
-          </p:cNvPr>
-          <p:cNvSpPr/>
-          <p:nvPr/>
-        </p:nvSpPr>
-        <p:spPr>
-          <a:xfrm rot="10800000">
-            <a:off x="3996184" y="3019294"/>
-            <a:ext cx="397411" cy="240457"/>
-          </a:xfrm>
-          <a:custGeom>
-            <a:avLst/>
-            <a:gdLst>
-              <a:gd name="connsiteX0" fmla="*/ 243405 w 397411"/>
-              <a:gd name="connsiteY0" fmla="*/ 240457 h 240457"/>
-              <a:gd name="connsiteX1" fmla="*/ 382064 w 397411"/>
-              <a:gd name="connsiteY1" fmla="*/ 187992 h 240457"/>
-              <a:gd name="connsiteX2" fmla="*/ 374569 w 397411"/>
-              <a:gd name="connsiteY2" fmla="*/ 79313 h 240457"/>
-              <a:gd name="connsiteX3" fmla="*/ 209678 w 397411"/>
-              <a:gd name="connsiteY3" fmla="*/ 615 h 240457"/>
-              <a:gd name="connsiteX4" fmla="*/ 3563 w 397411"/>
-              <a:gd name="connsiteY4" fmla="*/ 49333 h 240457"/>
-            </a:gdLst>
-            <a:ahLst/>
-            <a:cxnLst>
-              <a:cxn ang="0">
-                <a:pos x="connsiteX0" y="connsiteY0"/>
-              </a:cxn>
-              <a:cxn ang="0">
-                <a:pos x="connsiteX1" y="connsiteY1"/>
-              </a:cxn>
-              <a:cxn ang="0">
-                <a:pos x="connsiteX2" y="connsiteY2"/>
-              </a:cxn>
-              <a:cxn ang="0">
-                <a:pos x="connsiteX3" y="connsiteY3"/>
-              </a:cxn>
-              <a:cxn ang="0">
-                <a:pos x="connsiteX4" y="connsiteY4"/>
-              </a:cxn>
-            </a:cxnLst>
-            <a:rect l="l" t="t" r="r" b="b"/>
-            <a:pathLst>
-              <a:path w="397411" h="240457">
-                <a:moveTo>
-                  <a:pt x="243405" y="240457"/>
-                </a:moveTo>
-                <a:cubicBezTo>
-                  <a:pt x="301804" y="227653"/>
-                  <a:pt x="360203" y="214849"/>
-                  <a:pt x="382064" y="187992"/>
-                </a:cubicBezTo>
-                <a:cubicBezTo>
-                  <a:pt x="403925" y="161135"/>
-                  <a:pt x="403300" y="110542"/>
-                  <a:pt x="374569" y="79313"/>
-                </a:cubicBezTo>
-                <a:cubicBezTo>
-                  <a:pt x="345838" y="48083"/>
-                  <a:pt x="271512" y="5612"/>
-                  <a:pt x="209678" y="615"/>
-                </a:cubicBezTo>
-                <a:cubicBezTo>
-                  <a:pt x="147844" y="-4382"/>
-                  <a:pt x="-27042" y="21851"/>
-                  <a:pt x="3563" y="49333"/>
-                </a:cubicBezTo>
-              </a:path>
-            </a:pathLst>
-          </a:custGeom>
-          <a:noFill/>
-          <a:ln w="19050">
-            <a:solidFill>
-              <a:schemeClr val="tx1"/>
-            </a:solidFill>
-          </a:ln>
-        </p:spPr>
-        <p:style>
-          <a:lnRef idx="2">
-            <a:schemeClr val="accent1">
-              <a:shade val="50000"/>
-            </a:schemeClr>
-          </a:lnRef>
-          <a:fillRef idx="1">
-            <a:schemeClr val="accent1"/>
-          </a:fillRef>
-          <a:effectRef idx="0">
-            <a:schemeClr val="accent1"/>
-          </a:effectRef>
-          <a:fontRef idx="minor">
-            <a:schemeClr val="lt1"/>
-          </a:fontRef>
-        </p:style>
-        <p:txBody>
-          <a:bodyPr rtlCol="0" anchor="ctr"/>
-          <a:lstStyle/>
-          <a:p>
-            <a:pPr algn="ctr"/>
-            <a:endParaRPr lang="en-GB"/>
-          </a:p>
-        </p:txBody>
-      </p:sp>
-      <p:sp>
-        <p:nvSpPr>
-          <p:cNvPr id="34" name="Oval 33">
-            <a:extLst>
-              <a:ext uri="{FF2B5EF4-FFF2-40B4-BE49-F238E27FC236}">
-                <a16:creationId xmlns:a16="http://schemas.microsoft.com/office/drawing/2014/main" id="{48054847-1704-E149-8D40-816351FCE116}"/>
-              </a:ext>
-            </a:extLst>
-          </p:cNvPr>
-          <p:cNvSpPr/>
-          <p:nvPr/>
-        </p:nvSpPr>
-        <p:spPr>
-          <a:xfrm>
-            <a:off x="3861197" y="2647426"/>
-            <a:ext cx="248856" cy="150351"/>
-          </a:xfrm>
-          <a:prstGeom prst="ellipse">
-            <a:avLst/>
-          </a:prstGeom>
-          <a:noFill/>
-          <a:ln w="19050">
-            <a:solidFill>
-              <a:schemeClr val="tx1"/>
-            </a:solidFill>
-          </a:ln>
-        </p:spPr>
-        <p:style>
-          <a:lnRef idx="2">
-            <a:schemeClr val="accent1">
-              <a:shade val="50000"/>
-            </a:schemeClr>
-          </a:lnRef>
-          <a:fillRef idx="1">
-            <a:schemeClr val="accent1"/>
-          </a:fillRef>
-          <a:effectRef idx="0">
-            <a:schemeClr val="accent1"/>
-          </a:effectRef>
-          <a:fontRef idx="minor">
-            <a:schemeClr val="lt1"/>
-          </a:fontRef>
-        </p:style>
-        <p:txBody>
-          <a:bodyPr rtlCol="0" anchor="ctr"/>
-          <a:lstStyle/>
-          <a:p>
-            <a:pPr algn="ctr"/>
-            <a:endParaRPr lang="en-GB"/>
-          </a:p>
-        </p:txBody>
-      </p:sp>
-      <p:sp>
-        <p:nvSpPr>
-          <p:cNvPr id="35" name="Freeform 34">
-            <a:extLst>
-              <a:ext uri="{FF2B5EF4-FFF2-40B4-BE49-F238E27FC236}">
-                <a16:creationId xmlns:a16="http://schemas.microsoft.com/office/drawing/2014/main" id="{5AD2B8A1-3596-704F-990E-27ECB55B1640}"/>
-              </a:ext>
-            </a:extLst>
-          </p:cNvPr>
-          <p:cNvSpPr/>
-          <p:nvPr/>
-        </p:nvSpPr>
-        <p:spPr>
-          <a:xfrm>
-            <a:off x="3753407" y="2557320"/>
-            <a:ext cx="397411" cy="240457"/>
-          </a:xfrm>
-          <a:custGeom>
-            <a:avLst/>
-            <a:gdLst>
-              <a:gd name="connsiteX0" fmla="*/ 243405 w 397411"/>
-              <a:gd name="connsiteY0" fmla="*/ 240457 h 240457"/>
-              <a:gd name="connsiteX1" fmla="*/ 382064 w 397411"/>
-              <a:gd name="connsiteY1" fmla="*/ 187992 h 240457"/>
-              <a:gd name="connsiteX2" fmla="*/ 374569 w 397411"/>
-              <a:gd name="connsiteY2" fmla="*/ 79313 h 240457"/>
-              <a:gd name="connsiteX3" fmla="*/ 209678 w 397411"/>
-              <a:gd name="connsiteY3" fmla="*/ 615 h 240457"/>
-              <a:gd name="connsiteX4" fmla="*/ 3563 w 397411"/>
-              <a:gd name="connsiteY4" fmla="*/ 49333 h 240457"/>
-            </a:gdLst>
-            <a:ahLst/>
-            <a:cxnLst>
-              <a:cxn ang="0">
-                <a:pos x="connsiteX0" y="connsiteY0"/>
-              </a:cxn>
-              <a:cxn ang="0">
-                <a:pos x="connsiteX1" y="connsiteY1"/>
-              </a:cxn>
-              <a:cxn ang="0">
-                <a:pos x="connsiteX2" y="connsiteY2"/>
-              </a:cxn>
-              <a:cxn ang="0">
-                <a:pos x="connsiteX3" y="connsiteY3"/>
-              </a:cxn>
-              <a:cxn ang="0">
-                <a:pos x="connsiteX4" y="connsiteY4"/>
-              </a:cxn>
-            </a:cxnLst>
-            <a:rect l="l" t="t" r="r" b="b"/>
-            <a:pathLst>
-              <a:path w="397411" h="240457">
-                <a:moveTo>
-                  <a:pt x="243405" y="240457"/>
-                </a:moveTo>
-                <a:cubicBezTo>
-                  <a:pt x="301804" y="227653"/>
-                  <a:pt x="360203" y="214849"/>
-                  <a:pt x="382064" y="187992"/>
-                </a:cubicBezTo>
-                <a:cubicBezTo>
-                  <a:pt x="403925" y="161135"/>
-                  <a:pt x="403300" y="110542"/>
-                  <a:pt x="374569" y="79313"/>
-                </a:cubicBezTo>
-                <a:cubicBezTo>
-                  <a:pt x="345838" y="48083"/>
-                  <a:pt x="271512" y="5612"/>
-                  <a:pt x="209678" y="615"/>
-                </a:cubicBezTo>
-                <a:cubicBezTo>
-                  <a:pt x="147844" y="-4382"/>
-                  <a:pt x="-27042" y="21851"/>
-                  <a:pt x="3563" y="49333"/>
-                </a:cubicBezTo>
-              </a:path>
-            </a:pathLst>
-          </a:custGeom>
-          <a:noFill/>
-          <a:ln w="19050">
-            <a:solidFill>
-              <a:schemeClr val="tx1"/>
-            </a:solidFill>
-          </a:ln>
-        </p:spPr>
-        <p:style>
-          <a:lnRef idx="2">
-            <a:schemeClr val="accent1">
-              <a:shade val="50000"/>
-            </a:schemeClr>
-          </a:lnRef>
-          <a:fillRef idx="1">
-            <a:schemeClr val="accent1"/>
-          </a:fillRef>
-          <a:effectRef idx="0">
-            <a:schemeClr val="accent1"/>
-          </a:effectRef>
-          <a:fontRef idx="minor">
-            <a:schemeClr val="lt1"/>
-          </a:fontRef>
-        </p:style>
-        <p:txBody>
-          <a:bodyPr rtlCol="0" anchor="ctr"/>
-          <a:lstStyle/>
-          <a:p>
-            <a:pPr algn="ctr"/>
-            <a:endParaRPr lang="en-GB"/>
-          </a:p>
-        </p:txBody>
-      </p:sp>
-      <p:sp>
-        <p:nvSpPr>
-          <p:cNvPr id="36" name="Freeform 35">
-            <a:extLst>
-              <a:ext uri="{FF2B5EF4-FFF2-40B4-BE49-F238E27FC236}">
-                <a16:creationId xmlns:a16="http://schemas.microsoft.com/office/drawing/2014/main" id="{AB4ACBA1-6CC6-1F45-A591-D5B738923B22}"/>
-              </a:ext>
-            </a:extLst>
-          </p:cNvPr>
-          <p:cNvSpPr/>
-          <p:nvPr/>
-        </p:nvSpPr>
-        <p:spPr>
-          <a:xfrm rot="10800000">
-            <a:off x="3820428" y="2645552"/>
-            <a:ext cx="397411" cy="240457"/>
-          </a:xfrm>
-          <a:custGeom>
-            <a:avLst/>
-            <a:gdLst>
-              <a:gd name="connsiteX0" fmla="*/ 243405 w 397411"/>
-              <a:gd name="connsiteY0" fmla="*/ 240457 h 240457"/>
-              <a:gd name="connsiteX1" fmla="*/ 382064 w 397411"/>
-              <a:gd name="connsiteY1" fmla="*/ 187992 h 240457"/>
-              <a:gd name="connsiteX2" fmla="*/ 374569 w 397411"/>
-              <a:gd name="connsiteY2" fmla="*/ 79313 h 240457"/>
-              <a:gd name="connsiteX3" fmla="*/ 209678 w 397411"/>
-              <a:gd name="connsiteY3" fmla="*/ 615 h 240457"/>
-              <a:gd name="connsiteX4" fmla="*/ 3563 w 397411"/>
-              <a:gd name="connsiteY4" fmla="*/ 49333 h 240457"/>
-            </a:gdLst>
-            <a:ahLst/>
-            <a:cxnLst>
-              <a:cxn ang="0">
-                <a:pos x="connsiteX0" y="connsiteY0"/>
-              </a:cxn>
-              <a:cxn ang="0">
-                <a:pos x="connsiteX1" y="connsiteY1"/>
-              </a:cxn>
-              <a:cxn ang="0">
-                <a:pos x="connsiteX2" y="connsiteY2"/>
-              </a:cxn>
-              <a:cxn ang="0">
-                <a:pos x="connsiteX3" y="connsiteY3"/>
-              </a:cxn>
-              <a:cxn ang="0">
-                <a:pos x="connsiteX4" y="connsiteY4"/>
-              </a:cxn>
-            </a:cxnLst>
-            <a:rect l="l" t="t" r="r" b="b"/>
-            <a:pathLst>
-              <a:path w="397411" h="240457">
-                <a:moveTo>
-                  <a:pt x="243405" y="240457"/>
-                </a:moveTo>
-                <a:cubicBezTo>
-                  <a:pt x="301804" y="227653"/>
-                  <a:pt x="360203" y="214849"/>
-                  <a:pt x="382064" y="187992"/>
-                </a:cubicBezTo>
-                <a:cubicBezTo>
-                  <a:pt x="403925" y="161135"/>
-                  <a:pt x="403300" y="110542"/>
-                  <a:pt x="374569" y="79313"/>
-                </a:cubicBezTo>
-                <a:cubicBezTo>
-                  <a:pt x="345838" y="48083"/>
-                  <a:pt x="271512" y="5612"/>
-                  <a:pt x="209678" y="615"/>
-                </a:cubicBezTo>
-                <a:cubicBezTo>
-                  <a:pt x="147844" y="-4382"/>
-                  <a:pt x="-27042" y="21851"/>
-                  <a:pt x="3563" y="49333"/>
-                </a:cubicBezTo>
-              </a:path>
-            </a:pathLst>
-          </a:custGeom>
-          <a:noFill/>
-          <a:ln w="19050">
-            <a:solidFill>
-              <a:schemeClr val="tx1"/>
-            </a:solidFill>
-          </a:ln>
-        </p:spPr>
-        <p:style>
-          <a:lnRef idx="2">
-            <a:schemeClr val="accent1">
-              <a:shade val="50000"/>
-            </a:schemeClr>
-          </a:lnRef>
-          <a:fillRef idx="1">
-            <a:schemeClr val="accent1"/>
-          </a:fillRef>
-          <a:effectRef idx="0">
-            <a:schemeClr val="accent1"/>
-          </a:effectRef>
-          <a:fontRef idx="minor">
-            <a:schemeClr val="lt1"/>
-          </a:fontRef>
-        </p:style>
-        <p:txBody>
-          <a:bodyPr rtlCol="0" anchor="ctr"/>
-          <a:lstStyle/>
-          <a:p>
-            <a:pPr algn="ctr"/>
-            <a:endParaRPr lang="en-GB"/>
-          </a:p>
-        </p:txBody>
-      </p:sp>
-      <p:sp>
-        <p:nvSpPr>
-          <p:cNvPr id="37" name="Oval 36">
-            <a:extLst>
-              <a:ext uri="{FF2B5EF4-FFF2-40B4-BE49-F238E27FC236}">
-                <a16:creationId xmlns:a16="http://schemas.microsoft.com/office/drawing/2014/main" id="{772582FE-F672-0445-9871-9B2A5F0870D8}"/>
-              </a:ext>
-            </a:extLst>
-          </p:cNvPr>
-          <p:cNvSpPr/>
-          <p:nvPr/>
-        </p:nvSpPr>
-        <p:spPr>
-          <a:xfrm>
-            <a:off x="4299373" y="2737532"/>
-            <a:ext cx="248856" cy="150351"/>
-          </a:xfrm>
-          <a:prstGeom prst="ellipse">
-            <a:avLst/>
-          </a:prstGeom>
-          <a:noFill/>
-          <a:ln w="19050">
-            <a:solidFill>
-              <a:schemeClr val="tx1"/>
-            </a:solidFill>
-          </a:ln>
-        </p:spPr>
-        <p:style>
-          <a:lnRef idx="2">
-            <a:schemeClr val="accent1">
-              <a:shade val="50000"/>
-            </a:schemeClr>
-          </a:lnRef>
-          <a:fillRef idx="1">
-            <a:schemeClr val="accent1"/>
-          </a:fillRef>
-          <a:effectRef idx="0">
-            <a:schemeClr val="accent1"/>
-          </a:effectRef>
-          <a:fontRef idx="minor">
-            <a:schemeClr val="lt1"/>
-          </a:fontRef>
-        </p:style>
-        <p:txBody>
-          <a:bodyPr rtlCol="0" anchor="ctr"/>
-          <a:lstStyle/>
-          <a:p>
-            <a:pPr algn="ctr"/>
-            <a:endParaRPr lang="en-GB"/>
-          </a:p>
-        </p:txBody>
-      </p:sp>
-      <p:sp>
-        <p:nvSpPr>
-          <p:cNvPr id="38" name="Freeform 37">
-            <a:extLst>
-              <a:ext uri="{FF2B5EF4-FFF2-40B4-BE49-F238E27FC236}">
-                <a16:creationId xmlns:a16="http://schemas.microsoft.com/office/drawing/2014/main" id="{A6C6387B-A35C-3547-9D2D-137B52948813}"/>
-              </a:ext>
-            </a:extLst>
-          </p:cNvPr>
-          <p:cNvSpPr/>
-          <p:nvPr/>
-        </p:nvSpPr>
-        <p:spPr>
-          <a:xfrm>
-            <a:off x="4191583" y="2647426"/>
-            <a:ext cx="397411" cy="240457"/>
-          </a:xfrm>
-          <a:custGeom>
-            <a:avLst/>
-            <a:gdLst>
-              <a:gd name="connsiteX0" fmla="*/ 243405 w 397411"/>
-              <a:gd name="connsiteY0" fmla="*/ 240457 h 240457"/>
-              <a:gd name="connsiteX1" fmla="*/ 382064 w 397411"/>
-              <a:gd name="connsiteY1" fmla="*/ 187992 h 240457"/>
-              <a:gd name="connsiteX2" fmla="*/ 374569 w 397411"/>
-              <a:gd name="connsiteY2" fmla="*/ 79313 h 240457"/>
-              <a:gd name="connsiteX3" fmla="*/ 209678 w 397411"/>
-              <a:gd name="connsiteY3" fmla="*/ 615 h 240457"/>
-              <a:gd name="connsiteX4" fmla="*/ 3563 w 397411"/>
-              <a:gd name="connsiteY4" fmla="*/ 49333 h 240457"/>
-            </a:gdLst>
-            <a:ahLst/>
-            <a:cxnLst>
-              <a:cxn ang="0">
-                <a:pos x="connsiteX0" y="connsiteY0"/>
-              </a:cxn>
-              <a:cxn ang="0">
-                <a:pos x="connsiteX1" y="connsiteY1"/>
-              </a:cxn>
-              <a:cxn ang="0">
-                <a:pos x="connsiteX2" y="connsiteY2"/>
-              </a:cxn>
-              <a:cxn ang="0">
-                <a:pos x="connsiteX3" y="connsiteY3"/>
-              </a:cxn>
-              <a:cxn ang="0">
-                <a:pos x="connsiteX4" y="connsiteY4"/>
-              </a:cxn>
-            </a:cxnLst>
-            <a:rect l="l" t="t" r="r" b="b"/>
-            <a:pathLst>
-              <a:path w="397411" h="240457">
-                <a:moveTo>
-                  <a:pt x="243405" y="240457"/>
-                </a:moveTo>
-                <a:cubicBezTo>
-                  <a:pt x="301804" y="227653"/>
-                  <a:pt x="360203" y="214849"/>
-                  <a:pt x="382064" y="187992"/>
-                </a:cubicBezTo>
-                <a:cubicBezTo>
-                  <a:pt x="403925" y="161135"/>
-                  <a:pt x="403300" y="110542"/>
-                  <a:pt x="374569" y="79313"/>
-                </a:cubicBezTo>
-                <a:cubicBezTo>
-                  <a:pt x="345838" y="48083"/>
-                  <a:pt x="271512" y="5612"/>
-                  <a:pt x="209678" y="615"/>
-                </a:cubicBezTo>
-                <a:cubicBezTo>
-                  <a:pt x="147844" y="-4382"/>
-                  <a:pt x="-27042" y="21851"/>
-                  <a:pt x="3563" y="49333"/>
-                </a:cubicBezTo>
-              </a:path>
-            </a:pathLst>
-          </a:custGeom>
-          <a:noFill/>
-          <a:ln w="19050">
-            <a:solidFill>
-              <a:schemeClr val="tx1"/>
-            </a:solidFill>
-          </a:ln>
-        </p:spPr>
-        <p:style>
-          <a:lnRef idx="2">
-            <a:schemeClr val="accent1">
-              <a:shade val="50000"/>
-            </a:schemeClr>
-          </a:lnRef>
-          <a:fillRef idx="1">
-            <a:schemeClr val="accent1"/>
-          </a:fillRef>
-          <a:effectRef idx="0">
-            <a:schemeClr val="accent1"/>
-          </a:effectRef>
-          <a:fontRef idx="minor">
-            <a:schemeClr val="lt1"/>
-          </a:fontRef>
-        </p:style>
-        <p:txBody>
-          <a:bodyPr rtlCol="0" anchor="ctr"/>
-          <a:lstStyle/>
-          <a:p>
-            <a:pPr algn="ctr"/>
-            <a:endParaRPr lang="en-GB"/>
-          </a:p>
-        </p:txBody>
-      </p:sp>
-      <p:sp>
-        <p:nvSpPr>
-          <p:cNvPr id="39" name="Freeform 38">
-            <a:extLst>
-              <a:ext uri="{FF2B5EF4-FFF2-40B4-BE49-F238E27FC236}">
-                <a16:creationId xmlns:a16="http://schemas.microsoft.com/office/drawing/2014/main" id="{1B0A9836-BC32-EA42-9155-9B3836FA0780}"/>
-              </a:ext>
-            </a:extLst>
-          </p:cNvPr>
-          <p:cNvSpPr/>
-          <p:nvPr/>
-        </p:nvSpPr>
-        <p:spPr>
-          <a:xfrm rot="10800000">
-            <a:off x="4258604" y="2735658"/>
-            <a:ext cx="397411" cy="240457"/>
-          </a:xfrm>
-          <a:custGeom>
-            <a:avLst/>
-            <a:gdLst>
-              <a:gd name="connsiteX0" fmla="*/ 243405 w 397411"/>
-              <a:gd name="connsiteY0" fmla="*/ 240457 h 240457"/>
-              <a:gd name="connsiteX1" fmla="*/ 382064 w 397411"/>
-              <a:gd name="connsiteY1" fmla="*/ 187992 h 240457"/>
-              <a:gd name="connsiteX2" fmla="*/ 374569 w 397411"/>
-              <a:gd name="connsiteY2" fmla="*/ 79313 h 240457"/>
-              <a:gd name="connsiteX3" fmla="*/ 209678 w 397411"/>
-              <a:gd name="connsiteY3" fmla="*/ 615 h 240457"/>
-              <a:gd name="connsiteX4" fmla="*/ 3563 w 397411"/>
-              <a:gd name="connsiteY4" fmla="*/ 49333 h 240457"/>
-            </a:gdLst>
-            <a:ahLst/>
-            <a:cxnLst>
-              <a:cxn ang="0">
-                <a:pos x="connsiteX0" y="connsiteY0"/>
-              </a:cxn>
-              <a:cxn ang="0">
-                <a:pos x="connsiteX1" y="connsiteY1"/>
-              </a:cxn>
-              <a:cxn ang="0">
-                <a:pos x="connsiteX2" y="connsiteY2"/>
-              </a:cxn>
-              <a:cxn ang="0">
-                <a:pos x="connsiteX3" y="connsiteY3"/>
-              </a:cxn>
-              <a:cxn ang="0">
-                <a:pos x="connsiteX4" y="connsiteY4"/>
-              </a:cxn>
-            </a:cxnLst>
-            <a:rect l="l" t="t" r="r" b="b"/>
-            <a:pathLst>
-              <a:path w="397411" h="240457">
-                <a:moveTo>
-                  <a:pt x="243405" y="240457"/>
-                </a:moveTo>
-                <a:cubicBezTo>
-                  <a:pt x="301804" y="227653"/>
-                  <a:pt x="360203" y="214849"/>
-                  <a:pt x="382064" y="187992"/>
-                </a:cubicBezTo>
-                <a:cubicBezTo>
-                  <a:pt x="403925" y="161135"/>
-                  <a:pt x="403300" y="110542"/>
-                  <a:pt x="374569" y="79313"/>
-                </a:cubicBezTo>
-                <a:cubicBezTo>
-                  <a:pt x="345838" y="48083"/>
-                  <a:pt x="271512" y="5612"/>
-                  <a:pt x="209678" y="615"/>
-                </a:cubicBezTo>
-                <a:cubicBezTo>
-                  <a:pt x="147844" y="-4382"/>
-                  <a:pt x="-27042" y="21851"/>
-                  <a:pt x="3563" y="49333"/>
-                </a:cubicBezTo>
-              </a:path>
-            </a:pathLst>
-          </a:custGeom>
-          <a:noFill/>
-          <a:ln w="19050">
-            <a:solidFill>
-              <a:schemeClr val="tx1"/>
-            </a:solidFill>
-          </a:ln>
-        </p:spPr>
-        <p:style>
-          <a:lnRef idx="2">
-            <a:schemeClr val="accent1">
-              <a:shade val="50000"/>
-            </a:schemeClr>
-          </a:lnRef>
-          <a:fillRef idx="1">
-            <a:schemeClr val="accent1"/>
-          </a:fillRef>
-          <a:effectRef idx="0">
-            <a:schemeClr val="accent1"/>
-          </a:effectRef>
-          <a:fontRef idx="minor">
-            <a:schemeClr val="lt1"/>
-          </a:fontRef>
-        </p:style>
-        <p:txBody>
-          <a:bodyPr rtlCol="0" anchor="ctr"/>
-          <a:lstStyle/>
-          <a:p>
-            <a:pPr algn="ctr"/>
-            <a:endParaRPr lang="en-GB"/>
-          </a:p>
-        </p:txBody>
-      </p:sp>
-      <p:sp>
-        <p:nvSpPr>
-          <p:cNvPr id="40" name="Oval 39">
-            <a:extLst>
-              <a:ext uri="{FF2B5EF4-FFF2-40B4-BE49-F238E27FC236}">
-                <a16:creationId xmlns:a16="http://schemas.microsoft.com/office/drawing/2014/main" id="{C6CE4133-AD02-6E44-A2D2-2B31EAE317C9}"/>
-              </a:ext>
-            </a:extLst>
-          </p:cNvPr>
-          <p:cNvSpPr/>
-          <p:nvPr/>
-        </p:nvSpPr>
-        <p:spPr>
-          <a:xfrm>
-            <a:off x="4044206" y="998055"/>
-            <a:ext cx="248856" cy="150351"/>
-          </a:xfrm>
-          <a:prstGeom prst="ellipse">
-            <a:avLst/>
-          </a:prstGeom>
-          <a:noFill/>
-          <a:ln w="19050">
-            <a:solidFill>
-              <a:schemeClr val="tx1"/>
-            </a:solidFill>
-          </a:ln>
-        </p:spPr>
-        <p:style>
-          <a:lnRef idx="2">
-            <a:schemeClr val="accent1">
-              <a:shade val="50000"/>
-            </a:schemeClr>
-          </a:lnRef>
-          <a:fillRef idx="1">
-            <a:schemeClr val="accent1"/>
-          </a:fillRef>
-          <a:effectRef idx="0">
-            <a:schemeClr val="accent1"/>
-          </a:effectRef>
-          <a:fontRef idx="minor">
-            <a:schemeClr val="lt1"/>
-          </a:fontRef>
-        </p:style>
-        <p:txBody>
-          <a:bodyPr rtlCol="0" anchor="ctr"/>
-          <a:lstStyle/>
-          <a:p>
-            <a:pPr algn="ctr"/>
-            <a:endParaRPr lang="en-GB"/>
-          </a:p>
-        </p:txBody>
-      </p:sp>
-      <p:sp>
-        <p:nvSpPr>
-          <p:cNvPr id="41" name="Freeform 40">
-            <a:extLst>
-              <a:ext uri="{FF2B5EF4-FFF2-40B4-BE49-F238E27FC236}">
-                <a16:creationId xmlns:a16="http://schemas.microsoft.com/office/drawing/2014/main" id="{41BF23F9-2666-CA48-923D-7924C96D8D82}"/>
-              </a:ext>
-            </a:extLst>
-          </p:cNvPr>
-          <p:cNvSpPr/>
-          <p:nvPr/>
-        </p:nvSpPr>
-        <p:spPr>
-          <a:xfrm>
-            <a:off x="3936416" y="907949"/>
-            <a:ext cx="397411" cy="240457"/>
-          </a:xfrm>
-          <a:custGeom>
-            <a:avLst/>
-            <a:gdLst>
-              <a:gd name="connsiteX0" fmla="*/ 243405 w 397411"/>
-              <a:gd name="connsiteY0" fmla="*/ 240457 h 240457"/>
-              <a:gd name="connsiteX1" fmla="*/ 382064 w 397411"/>
-              <a:gd name="connsiteY1" fmla="*/ 187992 h 240457"/>
-              <a:gd name="connsiteX2" fmla="*/ 374569 w 397411"/>
-              <a:gd name="connsiteY2" fmla="*/ 79313 h 240457"/>
-              <a:gd name="connsiteX3" fmla="*/ 209678 w 397411"/>
-              <a:gd name="connsiteY3" fmla="*/ 615 h 240457"/>
-              <a:gd name="connsiteX4" fmla="*/ 3563 w 397411"/>
-              <a:gd name="connsiteY4" fmla="*/ 49333 h 240457"/>
-            </a:gdLst>
-            <a:ahLst/>
-            <a:cxnLst>
-              <a:cxn ang="0">
-                <a:pos x="connsiteX0" y="connsiteY0"/>
-              </a:cxn>
-              <a:cxn ang="0">
-                <a:pos x="connsiteX1" y="connsiteY1"/>
-              </a:cxn>
-              <a:cxn ang="0">
-                <a:pos x="connsiteX2" y="connsiteY2"/>
-              </a:cxn>
-              <a:cxn ang="0">
-                <a:pos x="connsiteX3" y="connsiteY3"/>
-              </a:cxn>
-              <a:cxn ang="0">
-                <a:pos x="connsiteX4" y="connsiteY4"/>
-              </a:cxn>
-            </a:cxnLst>
-            <a:rect l="l" t="t" r="r" b="b"/>
-            <a:pathLst>
-              <a:path w="397411" h="240457">
-                <a:moveTo>
-                  <a:pt x="243405" y="240457"/>
-                </a:moveTo>
-                <a:cubicBezTo>
-                  <a:pt x="301804" y="227653"/>
-                  <a:pt x="360203" y="214849"/>
-                  <a:pt x="382064" y="187992"/>
-                </a:cubicBezTo>
-                <a:cubicBezTo>
-                  <a:pt x="403925" y="161135"/>
-                  <a:pt x="403300" y="110542"/>
-                  <a:pt x="374569" y="79313"/>
-                </a:cubicBezTo>
-                <a:cubicBezTo>
-                  <a:pt x="345838" y="48083"/>
-                  <a:pt x="271512" y="5612"/>
-                  <a:pt x="209678" y="615"/>
-                </a:cubicBezTo>
-                <a:cubicBezTo>
-                  <a:pt x="147844" y="-4382"/>
-                  <a:pt x="-27042" y="21851"/>
-                  <a:pt x="3563" y="49333"/>
-                </a:cubicBezTo>
-              </a:path>
-            </a:pathLst>
-          </a:custGeom>
-          <a:noFill/>
-          <a:ln w="19050">
-            <a:solidFill>
-              <a:schemeClr val="tx1"/>
-            </a:solidFill>
-          </a:ln>
-        </p:spPr>
-        <p:style>
-          <a:lnRef idx="2">
-            <a:schemeClr val="accent1">
-              <a:shade val="50000"/>
-            </a:schemeClr>
-          </a:lnRef>
-          <a:fillRef idx="1">
-            <a:schemeClr val="accent1"/>
-          </a:fillRef>
-          <a:effectRef idx="0">
-            <a:schemeClr val="accent1"/>
-          </a:effectRef>
-          <a:fontRef idx="minor">
-            <a:schemeClr val="lt1"/>
-          </a:fontRef>
-        </p:style>
-        <p:txBody>
-          <a:bodyPr rtlCol="0" anchor="ctr"/>
-          <a:lstStyle/>
-          <a:p>
-            <a:pPr algn="ctr"/>
-            <a:endParaRPr lang="en-GB"/>
-          </a:p>
-        </p:txBody>
-      </p:sp>
-      <p:sp>
-        <p:nvSpPr>
-          <p:cNvPr id="42" name="Freeform 41">
-            <a:extLst>
-              <a:ext uri="{FF2B5EF4-FFF2-40B4-BE49-F238E27FC236}">
-                <a16:creationId xmlns:a16="http://schemas.microsoft.com/office/drawing/2014/main" id="{9F3A5763-92F9-D744-8AA0-FA0CE8E7BE31}"/>
-              </a:ext>
-            </a:extLst>
-          </p:cNvPr>
-          <p:cNvSpPr/>
-          <p:nvPr/>
-        </p:nvSpPr>
-        <p:spPr>
-          <a:xfrm rot="10800000">
-            <a:off x="4003437" y="996181"/>
-            <a:ext cx="397411" cy="240457"/>
-          </a:xfrm>
-          <a:custGeom>
-            <a:avLst/>
-            <a:gdLst>
-              <a:gd name="connsiteX0" fmla="*/ 243405 w 397411"/>
-              <a:gd name="connsiteY0" fmla="*/ 240457 h 240457"/>
-              <a:gd name="connsiteX1" fmla="*/ 382064 w 397411"/>
-              <a:gd name="connsiteY1" fmla="*/ 187992 h 240457"/>
-              <a:gd name="connsiteX2" fmla="*/ 374569 w 397411"/>
-              <a:gd name="connsiteY2" fmla="*/ 79313 h 240457"/>
-              <a:gd name="connsiteX3" fmla="*/ 209678 w 397411"/>
-              <a:gd name="connsiteY3" fmla="*/ 615 h 240457"/>
-              <a:gd name="connsiteX4" fmla="*/ 3563 w 397411"/>
-              <a:gd name="connsiteY4" fmla="*/ 49333 h 240457"/>
-            </a:gdLst>
-            <a:ahLst/>
-            <a:cxnLst>
-              <a:cxn ang="0">
-                <a:pos x="connsiteX0" y="connsiteY0"/>
-              </a:cxn>
-              <a:cxn ang="0">
-                <a:pos x="connsiteX1" y="connsiteY1"/>
-              </a:cxn>
-              <a:cxn ang="0">
-                <a:pos x="connsiteX2" y="connsiteY2"/>
-              </a:cxn>
-              <a:cxn ang="0">
-                <a:pos x="connsiteX3" y="connsiteY3"/>
-              </a:cxn>
-              <a:cxn ang="0">
-                <a:pos x="connsiteX4" y="connsiteY4"/>
-              </a:cxn>
-            </a:cxnLst>
-            <a:rect l="l" t="t" r="r" b="b"/>
-            <a:pathLst>
-              <a:path w="397411" h="240457">
-                <a:moveTo>
-                  <a:pt x="243405" y="240457"/>
-                </a:moveTo>
-                <a:cubicBezTo>
-                  <a:pt x="301804" y="227653"/>
-                  <a:pt x="360203" y="214849"/>
-                  <a:pt x="382064" y="187992"/>
-                </a:cubicBezTo>
-                <a:cubicBezTo>
-                  <a:pt x="403925" y="161135"/>
-                  <a:pt x="403300" y="110542"/>
-                  <a:pt x="374569" y="79313"/>
-                </a:cubicBezTo>
-                <a:cubicBezTo>
-                  <a:pt x="345838" y="48083"/>
-                  <a:pt x="271512" y="5612"/>
-                  <a:pt x="209678" y="615"/>
-                </a:cubicBezTo>
-                <a:cubicBezTo>
-                  <a:pt x="147844" y="-4382"/>
-                  <a:pt x="-27042" y="21851"/>
-                  <a:pt x="3563" y="49333"/>
-                </a:cubicBezTo>
-              </a:path>
-            </a:pathLst>
-          </a:custGeom>
-          <a:noFill/>
-          <a:ln w="19050">
-            <a:solidFill>
-              <a:schemeClr val="tx1"/>
-            </a:solidFill>
-          </a:ln>
-        </p:spPr>
-        <p:style>
-          <a:lnRef idx="2">
-            <a:schemeClr val="accent1">
-              <a:shade val="50000"/>
-            </a:schemeClr>
-          </a:lnRef>
-          <a:fillRef idx="1">
-            <a:schemeClr val="accent1"/>
-          </a:fillRef>
-          <a:effectRef idx="0">
-            <a:schemeClr val="accent1"/>
-          </a:effectRef>
-          <a:fontRef idx="minor">
-            <a:schemeClr val="lt1"/>
-          </a:fontRef>
-        </p:style>
-        <p:txBody>
-          <a:bodyPr rtlCol="0" anchor="ctr"/>
-          <a:lstStyle/>
-          <a:p>
-            <a:pPr algn="ctr"/>
-            <a:endParaRPr lang="en-GB"/>
-          </a:p>
-        </p:txBody>
-      </p:sp>
-      <p:sp>
-        <p:nvSpPr>
-          <p:cNvPr id="43" name="Oval 42">
-            <a:extLst>
-              <a:ext uri="{FF2B5EF4-FFF2-40B4-BE49-F238E27FC236}">
-                <a16:creationId xmlns:a16="http://schemas.microsoft.com/office/drawing/2014/main" id="{86440006-C99B-7E47-831A-53587B3B7766}"/>
-              </a:ext>
-            </a:extLst>
-          </p:cNvPr>
-          <p:cNvSpPr/>
-          <p:nvPr/>
-        </p:nvSpPr>
-        <p:spPr>
-          <a:xfrm>
-            <a:off x="4036953" y="4663121"/>
-            <a:ext cx="248856" cy="150351"/>
-          </a:xfrm>
-          <a:prstGeom prst="ellipse">
-            <a:avLst/>
-          </a:prstGeom>
-          <a:noFill/>
-          <a:ln w="19050">
-            <a:solidFill>
-              <a:schemeClr val="tx1"/>
-            </a:solidFill>
-          </a:ln>
-        </p:spPr>
-        <p:style>
-          <a:lnRef idx="2">
-            <a:schemeClr val="accent1">
-              <a:shade val="50000"/>
-            </a:schemeClr>
-          </a:lnRef>
-          <a:fillRef idx="1">
-            <a:schemeClr val="accent1"/>
-          </a:fillRef>
-          <a:effectRef idx="0">
-            <a:schemeClr val="accent1"/>
-          </a:effectRef>
-          <a:fontRef idx="minor">
-            <a:schemeClr val="lt1"/>
-          </a:fontRef>
-        </p:style>
-        <p:txBody>
-          <a:bodyPr rtlCol="0" anchor="ctr"/>
-          <a:lstStyle/>
-          <a:p>
-            <a:pPr algn="ctr"/>
-            <a:endParaRPr lang="en-GB"/>
-          </a:p>
-        </p:txBody>
-      </p:sp>
-      <p:sp>
-        <p:nvSpPr>
-          <p:cNvPr id="44" name="Freeform 43">
-            <a:extLst>
-              <a:ext uri="{FF2B5EF4-FFF2-40B4-BE49-F238E27FC236}">
-                <a16:creationId xmlns:a16="http://schemas.microsoft.com/office/drawing/2014/main" id="{28390CDD-0B13-F64E-B333-E8157CDD76ED}"/>
-              </a:ext>
-            </a:extLst>
-          </p:cNvPr>
-          <p:cNvSpPr/>
-          <p:nvPr/>
-        </p:nvSpPr>
-        <p:spPr>
-          <a:xfrm>
-            <a:off x="3929163" y="4573015"/>
-            <a:ext cx="397411" cy="240457"/>
-          </a:xfrm>
-          <a:custGeom>
-            <a:avLst/>
-            <a:gdLst>
-              <a:gd name="connsiteX0" fmla="*/ 243405 w 397411"/>
-              <a:gd name="connsiteY0" fmla="*/ 240457 h 240457"/>
-              <a:gd name="connsiteX1" fmla="*/ 382064 w 397411"/>
-              <a:gd name="connsiteY1" fmla="*/ 187992 h 240457"/>
-              <a:gd name="connsiteX2" fmla="*/ 374569 w 397411"/>
-              <a:gd name="connsiteY2" fmla="*/ 79313 h 240457"/>
-              <a:gd name="connsiteX3" fmla="*/ 209678 w 397411"/>
-              <a:gd name="connsiteY3" fmla="*/ 615 h 240457"/>
-              <a:gd name="connsiteX4" fmla="*/ 3563 w 397411"/>
-              <a:gd name="connsiteY4" fmla="*/ 49333 h 240457"/>
-            </a:gdLst>
-            <a:ahLst/>
-            <a:cxnLst>
-              <a:cxn ang="0">
-                <a:pos x="connsiteX0" y="connsiteY0"/>
-              </a:cxn>
-              <a:cxn ang="0">
-                <a:pos x="connsiteX1" y="connsiteY1"/>
-              </a:cxn>
-              <a:cxn ang="0">
-                <a:pos x="connsiteX2" y="connsiteY2"/>
-              </a:cxn>
-              <a:cxn ang="0">
-                <a:pos x="connsiteX3" y="connsiteY3"/>
-              </a:cxn>
-              <a:cxn ang="0">
-                <a:pos x="connsiteX4" y="connsiteY4"/>
-              </a:cxn>
-            </a:cxnLst>
-            <a:rect l="l" t="t" r="r" b="b"/>
-            <a:pathLst>
-              <a:path w="397411" h="240457">
-                <a:moveTo>
-                  <a:pt x="243405" y="240457"/>
-                </a:moveTo>
-                <a:cubicBezTo>
-                  <a:pt x="301804" y="227653"/>
-                  <a:pt x="360203" y="214849"/>
-                  <a:pt x="382064" y="187992"/>
-                </a:cubicBezTo>
-                <a:cubicBezTo>
-                  <a:pt x="403925" y="161135"/>
-                  <a:pt x="403300" y="110542"/>
-                  <a:pt x="374569" y="79313"/>
-                </a:cubicBezTo>
-                <a:cubicBezTo>
-                  <a:pt x="345838" y="48083"/>
-                  <a:pt x="271512" y="5612"/>
-                  <a:pt x="209678" y="615"/>
-                </a:cubicBezTo>
-                <a:cubicBezTo>
-                  <a:pt x="147844" y="-4382"/>
-                  <a:pt x="-27042" y="21851"/>
-                  <a:pt x="3563" y="49333"/>
-                </a:cubicBezTo>
-              </a:path>
-            </a:pathLst>
-          </a:custGeom>
-          <a:noFill/>
-          <a:ln w="19050">
-            <a:solidFill>
-              <a:schemeClr val="tx1"/>
-            </a:solidFill>
-          </a:ln>
-        </p:spPr>
-        <p:style>
-          <a:lnRef idx="2">
-            <a:schemeClr val="accent1">
-              <a:shade val="50000"/>
-            </a:schemeClr>
-          </a:lnRef>
-          <a:fillRef idx="1">
-            <a:schemeClr val="accent1"/>
-          </a:fillRef>
-          <a:effectRef idx="0">
-            <a:schemeClr val="accent1"/>
-          </a:effectRef>
-          <a:fontRef idx="minor">
-            <a:schemeClr val="lt1"/>
-          </a:fontRef>
-        </p:style>
-        <p:txBody>
-          <a:bodyPr rtlCol="0" anchor="ctr"/>
-          <a:lstStyle/>
-          <a:p>
-            <a:pPr algn="ctr"/>
-            <a:endParaRPr lang="en-GB"/>
-          </a:p>
-        </p:txBody>
-      </p:sp>
-      <p:sp>
-        <p:nvSpPr>
-          <p:cNvPr id="45" name="Freeform 44">
-            <a:extLst>
-              <a:ext uri="{FF2B5EF4-FFF2-40B4-BE49-F238E27FC236}">
-                <a16:creationId xmlns:a16="http://schemas.microsoft.com/office/drawing/2014/main" id="{270F64DF-D695-9545-8881-23C2628641E1}"/>
-              </a:ext>
-            </a:extLst>
-          </p:cNvPr>
-          <p:cNvSpPr/>
-          <p:nvPr/>
-        </p:nvSpPr>
-        <p:spPr>
-          <a:xfrm rot="10800000">
-            <a:off x="3996184" y="4661247"/>
-            <a:ext cx="397411" cy="240457"/>
-          </a:xfrm>
-          <a:custGeom>
-            <a:avLst/>
-            <a:gdLst>
-              <a:gd name="connsiteX0" fmla="*/ 243405 w 397411"/>
-              <a:gd name="connsiteY0" fmla="*/ 240457 h 240457"/>
-              <a:gd name="connsiteX1" fmla="*/ 382064 w 397411"/>
-              <a:gd name="connsiteY1" fmla="*/ 187992 h 240457"/>
-              <a:gd name="connsiteX2" fmla="*/ 374569 w 397411"/>
-              <a:gd name="connsiteY2" fmla="*/ 79313 h 240457"/>
-              <a:gd name="connsiteX3" fmla="*/ 209678 w 397411"/>
-              <a:gd name="connsiteY3" fmla="*/ 615 h 240457"/>
-              <a:gd name="connsiteX4" fmla="*/ 3563 w 397411"/>
-              <a:gd name="connsiteY4" fmla="*/ 49333 h 240457"/>
-            </a:gdLst>
-            <a:ahLst/>
-            <a:cxnLst>
-              <a:cxn ang="0">
-                <a:pos x="connsiteX0" y="connsiteY0"/>
-              </a:cxn>
-              <a:cxn ang="0">
-                <a:pos x="connsiteX1" y="connsiteY1"/>
-              </a:cxn>
-              <a:cxn ang="0">
-                <a:pos x="connsiteX2" y="connsiteY2"/>
-              </a:cxn>
-              <a:cxn ang="0">
-                <a:pos x="connsiteX3" y="connsiteY3"/>
-              </a:cxn>
-              <a:cxn ang="0">
-                <a:pos x="connsiteX4" y="connsiteY4"/>
-              </a:cxn>
-            </a:cxnLst>
-            <a:rect l="l" t="t" r="r" b="b"/>
-            <a:pathLst>
-              <a:path w="397411" h="240457">
-                <a:moveTo>
-                  <a:pt x="243405" y="240457"/>
-                </a:moveTo>
-                <a:cubicBezTo>
-                  <a:pt x="301804" y="227653"/>
-                  <a:pt x="360203" y="214849"/>
-                  <a:pt x="382064" y="187992"/>
-                </a:cubicBezTo>
-                <a:cubicBezTo>
-                  <a:pt x="403925" y="161135"/>
-                  <a:pt x="403300" y="110542"/>
-                  <a:pt x="374569" y="79313"/>
-                </a:cubicBezTo>
-                <a:cubicBezTo>
-                  <a:pt x="345838" y="48083"/>
-                  <a:pt x="271512" y="5612"/>
-                  <a:pt x="209678" y="615"/>
-                </a:cubicBezTo>
-                <a:cubicBezTo>
-                  <a:pt x="147844" y="-4382"/>
-                  <a:pt x="-27042" y="21851"/>
-                  <a:pt x="3563" y="49333"/>
-                </a:cubicBezTo>
-              </a:path>
-            </a:pathLst>
-          </a:custGeom>
-          <a:noFill/>
-          <a:ln w="19050">
-            <a:solidFill>
-              <a:schemeClr val="tx1"/>
-            </a:solidFill>
-          </a:ln>
-        </p:spPr>
-        <p:style>
-          <a:lnRef idx="2">
-            <a:schemeClr val="accent1">
-              <a:shade val="50000"/>
-            </a:schemeClr>
-          </a:lnRef>
-          <a:fillRef idx="1">
-            <a:schemeClr val="accent1"/>
-          </a:fillRef>
-          <a:effectRef idx="0">
-            <a:schemeClr val="accent1"/>
-          </a:effectRef>
-          <a:fontRef idx="minor">
-            <a:schemeClr val="lt1"/>
-          </a:fontRef>
-        </p:style>
-        <p:txBody>
-          <a:bodyPr rtlCol="0" anchor="ctr"/>
-          <a:lstStyle/>
-          <a:p>
-            <a:pPr algn="ctr"/>
-            <a:endParaRPr lang="en-GB"/>
-          </a:p>
-        </p:txBody>
-      </p:sp>
-      <p:sp>
-        <p:nvSpPr>
-          <p:cNvPr id="46" name="Oval 45">
-            <a:extLst>
-              <a:ext uri="{FF2B5EF4-FFF2-40B4-BE49-F238E27FC236}">
-                <a16:creationId xmlns:a16="http://schemas.microsoft.com/office/drawing/2014/main" id="{E59ACF9A-EFE7-BF45-83CD-FBD7689D8808}"/>
-              </a:ext>
-            </a:extLst>
-          </p:cNvPr>
-          <p:cNvSpPr/>
-          <p:nvPr/>
-        </p:nvSpPr>
-        <p:spPr>
-          <a:xfrm>
-            <a:off x="2218766" y="2812707"/>
-            <a:ext cx="248856" cy="150351"/>
-          </a:xfrm>
-          <a:prstGeom prst="ellipse">
-            <a:avLst/>
-          </a:prstGeom>
-          <a:noFill/>
-          <a:ln w="19050">
-            <a:solidFill>
-              <a:schemeClr val="tx1"/>
-            </a:solidFill>
-          </a:ln>
-        </p:spPr>
-        <p:style>
-          <a:lnRef idx="2">
-            <a:schemeClr val="accent1">
-              <a:shade val="50000"/>
-            </a:schemeClr>
-          </a:lnRef>
-          <a:fillRef idx="1">
-            <a:schemeClr val="accent1"/>
-          </a:fillRef>
-          <a:effectRef idx="0">
-            <a:schemeClr val="accent1"/>
-          </a:effectRef>
-          <a:fontRef idx="minor">
-            <a:schemeClr val="lt1"/>
-          </a:fontRef>
-        </p:style>
-        <p:txBody>
-          <a:bodyPr rtlCol="0" anchor="ctr"/>
-          <a:lstStyle/>
-          <a:p>
-            <a:pPr algn="ctr"/>
-            <a:endParaRPr lang="en-GB"/>
-          </a:p>
-        </p:txBody>
-      </p:sp>
-      <p:sp>
-        <p:nvSpPr>
-          <p:cNvPr id="47" name="Freeform 46">
-            <a:extLst>
-              <a:ext uri="{FF2B5EF4-FFF2-40B4-BE49-F238E27FC236}">
-                <a16:creationId xmlns:a16="http://schemas.microsoft.com/office/drawing/2014/main" id="{31D0CB91-2035-104C-9FFD-E96FE02E833A}"/>
-              </a:ext>
-            </a:extLst>
-          </p:cNvPr>
-          <p:cNvSpPr/>
-          <p:nvPr/>
-        </p:nvSpPr>
-        <p:spPr>
-          <a:xfrm>
-            <a:off x="2110976" y="2722601"/>
-            <a:ext cx="397411" cy="240457"/>
-          </a:xfrm>
-          <a:custGeom>
-            <a:avLst/>
-            <a:gdLst>
-              <a:gd name="connsiteX0" fmla="*/ 243405 w 397411"/>
-              <a:gd name="connsiteY0" fmla="*/ 240457 h 240457"/>
-              <a:gd name="connsiteX1" fmla="*/ 382064 w 397411"/>
-              <a:gd name="connsiteY1" fmla="*/ 187992 h 240457"/>
-              <a:gd name="connsiteX2" fmla="*/ 374569 w 397411"/>
-              <a:gd name="connsiteY2" fmla="*/ 79313 h 240457"/>
-              <a:gd name="connsiteX3" fmla="*/ 209678 w 397411"/>
-              <a:gd name="connsiteY3" fmla="*/ 615 h 240457"/>
-              <a:gd name="connsiteX4" fmla="*/ 3563 w 397411"/>
-              <a:gd name="connsiteY4" fmla="*/ 49333 h 240457"/>
-            </a:gdLst>
-            <a:ahLst/>
-            <a:cxnLst>
-              <a:cxn ang="0">
-                <a:pos x="connsiteX0" y="connsiteY0"/>
-              </a:cxn>
-              <a:cxn ang="0">
-                <a:pos x="connsiteX1" y="connsiteY1"/>
-              </a:cxn>
-              <a:cxn ang="0">
-                <a:pos x="connsiteX2" y="connsiteY2"/>
-              </a:cxn>
-              <a:cxn ang="0">
-                <a:pos x="connsiteX3" y="connsiteY3"/>
-              </a:cxn>
-              <a:cxn ang="0">
-                <a:pos x="connsiteX4" y="connsiteY4"/>
-              </a:cxn>
-            </a:cxnLst>
-            <a:rect l="l" t="t" r="r" b="b"/>
-            <a:pathLst>
-              <a:path w="397411" h="240457">
-                <a:moveTo>
-                  <a:pt x="243405" y="240457"/>
-                </a:moveTo>
-                <a:cubicBezTo>
-                  <a:pt x="301804" y="227653"/>
-                  <a:pt x="360203" y="214849"/>
-                  <a:pt x="382064" y="187992"/>
-                </a:cubicBezTo>
-                <a:cubicBezTo>
-                  <a:pt x="403925" y="161135"/>
-                  <a:pt x="403300" y="110542"/>
-                  <a:pt x="374569" y="79313"/>
-                </a:cubicBezTo>
-                <a:cubicBezTo>
-                  <a:pt x="345838" y="48083"/>
-                  <a:pt x="271512" y="5612"/>
-                  <a:pt x="209678" y="615"/>
-                </a:cubicBezTo>
-                <a:cubicBezTo>
-                  <a:pt x="147844" y="-4382"/>
-                  <a:pt x="-27042" y="21851"/>
-                  <a:pt x="3563" y="49333"/>
-                </a:cubicBezTo>
-              </a:path>
-            </a:pathLst>
-          </a:custGeom>
-          <a:noFill/>
-          <a:ln w="19050">
-            <a:solidFill>
-              <a:schemeClr val="tx1"/>
-            </a:solidFill>
-          </a:ln>
-        </p:spPr>
-        <p:style>
-          <a:lnRef idx="2">
-            <a:schemeClr val="accent1">
-              <a:shade val="50000"/>
-            </a:schemeClr>
-          </a:lnRef>
-          <a:fillRef idx="1">
-            <a:schemeClr val="accent1"/>
-          </a:fillRef>
-          <a:effectRef idx="0">
-            <a:schemeClr val="accent1"/>
-          </a:effectRef>
-          <a:fontRef idx="minor">
-            <a:schemeClr val="lt1"/>
-          </a:fontRef>
-        </p:style>
-        <p:txBody>
-          <a:bodyPr rtlCol="0" anchor="ctr"/>
-          <a:lstStyle/>
-          <a:p>
-            <a:pPr algn="ctr"/>
-            <a:endParaRPr lang="en-GB"/>
-          </a:p>
-        </p:txBody>
-      </p:sp>
-      <p:sp>
-        <p:nvSpPr>
-          <p:cNvPr id="48" name="Freeform 47">
-            <a:extLst>
-              <a:ext uri="{FF2B5EF4-FFF2-40B4-BE49-F238E27FC236}">
-                <a16:creationId xmlns:a16="http://schemas.microsoft.com/office/drawing/2014/main" id="{32DDC1CD-0399-B64D-A710-93A0DC1F7087}"/>
-              </a:ext>
-            </a:extLst>
-          </p:cNvPr>
-          <p:cNvSpPr/>
-          <p:nvPr/>
-        </p:nvSpPr>
-        <p:spPr>
-          <a:xfrm rot="10800000">
-            <a:off x="2177997" y="2810833"/>
-            <a:ext cx="397411" cy="240457"/>
-          </a:xfrm>
-          <a:custGeom>
-            <a:avLst/>
-            <a:gdLst>
-              <a:gd name="connsiteX0" fmla="*/ 243405 w 397411"/>
-              <a:gd name="connsiteY0" fmla="*/ 240457 h 240457"/>
-              <a:gd name="connsiteX1" fmla="*/ 382064 w 397411"/>
-              <a:gd name="connsiteY1" fmla="*/ 187992 h 240457"/>
-              <a:gd name="connsiteX2" fmla="*/ 374569 w 397411"/>
-              <a:gd name="connsiteY2" fmla="*/ 79313 h 240457"/>
-              <a:gd name="connsiteX3" fmla="*/ 209678 w 397411"/>
-              <a:gd name="connsiteY3" fmla="*/ 615 h 240457"/>
-              <a:gd name="connsiteX4" fmla="*/ 3563 w 397411"/>
-              <a:gd name="connsiteY4" fmla="*/ 49333 h 240457"/>
-            </a:gdLst>
-            <a:ahLst/>
-            <a:cxnLst>
-              <a:cxn ang="0">
-                <a:pos x="connsiteX0" y="connsiteY0"/>
-              </a:cxn>
-              <a:cxn ang="0">
-                <a:pos x="connsiteX1" y="connsiteY1"/>
-              </a:cxn>
-              <a:cxn ang="0">
-                <a:pos x="connsiteX2" y="connsiteY2"/>
-              </a:cxn>
-              <a:cxn ang="0">
-                <a:pos x="connsiteX3" y="connsiteY3"/>
-              </a:cxn>
-              <a:cxn ang="0">
-                <a:pos x="connsiteX4" y="connsiteY4"/>
-              </a:cxn>
-            </a:cxnLst>
-            <a:rect l="l" t="t" r="r" b="b"/>
-            <a:pathLst>
-              <a:path w="397411" h="240457">
-                <a:moveTo>
-                  <a:pt x="243405" y="240457"/>
-                </a:moveTo>
-                <a:cubicBezTo>
-                  <a:pt x="301804" y="227653"/>
-                  <a:pt x="360203" y="214849"/>
-                  <a:pt x="382064" y="187992"/>
-                </a:cubicBezTo>
-                <a:cubicBezTo>
-                  <a:pt x="403925" y="161135"/>
-                  <a:pt x="403300" y="110542"/>
-                  <a:pt x="374569" y="79313"/>
-                </a:cubicBezTo>
-                <a:cubicBezTo>
-                  <a:pt x="345838" y="48083"/>
-                  <a:pt x="271512" y="5612"/>
-                  <a:pt x="209678" y="615"/>
-                </a:cubicBezTo>
-                <a:cubicBezTo>
-                  <a:pt x="147844" y="-4382"/>
-                  <a:pt x="-27042" y="21851"/>
-                  <a:pt x="3563" y="49333"/>
-                </a:cubicBezTo>
-              </a:path>
-            </a:pathLst>
-          </a:custGeom>
-          <a:noFill/>
-          <a:ln w="19050">
-            <a:solidFill>
-              <a:schemeClr val="tx1"/>
-            </a:solidFill>
-          </a:ln>
-        </p:spPr>
-        <p:style>
-          <a:lnRef idx="2">
-            <a:schemeClr val="accent1">
-              <a:shade val="50000"/>
-            </a:schemeClr>
-          </a:lnRef>
-          <a:fillRef idx="1">
-            <a:schemeClr val="accent1"/>
-          </a:fillRef>
-          <a:effectRef idx="0">
-            <a:schemeClr val="accent1"/>
-          </a:effectRef>
-          <a:fontRef idx="minor">
-            <a:schemeClr val="lt1"/>
-          </a:fontRef>
-        </p:style>
-        <p:txBody>
-          <a:bodyPr rtlCol="0" anchor="ctr"/>
-          <a:lstStyle/>
-          <a:p>
-            <a:pPr algn="ctr"/>
-            <a:endParaRPr lang="en-GB"/>
-          </a:p>
-        </p:txBody>
-      </p:sp>
-      <p:sp>
-        <p:nvSpPr>
-          <p:cNvPr id="49" name="Oval 48">
-            <a:extLst>
-              <a:ext uri="{FF2B5EF4-FFF2-40B4-BE49-F238E27FC236}">
-                <a16:creationId xmlns:a16="http://schemas.microsoft.com/office/drawing/2014/main" id="{DF147026-7ECA-5046-834B-BEC20411C508}"/>
-              </a:ext>
-            </a:extLst>
-          </p:cNvPr>
-          <p:cNvSpPr/>
-          <p:nvPr/>
-        </p:nvSpPr>
-        <p:spPr>
-          <a:xfrm>
-            <a:off x="5872217" y="2812707"/>
-            <a:ext cx="248856" cy="150351"/>
-          </a:xfrm>
-          <a:prstGeom prst="ellipse">
-            <a:avLst/>
-          </a:prstGeom>
-          <a:noFill/>
-          <a:ln w="19050">
-            <a:solidFill>
-              <a:schemeClr val="tx1"/>
-            </a:solidFill>
-          </a:ln>
-        </p:spPr>
-        <p:style>
-          <a:lnRef idx="2">
-            <a:schemeClr val="accent1">
-              <a:shade val="50000"/>
-            </a:schemeClr>
-          </a:lnRef>
-          <a:fillRef idx="1">
-            <a:schemeClr val="accent1"/>
-          </a:fillRef>
-          <a:effectRef idx="0">
-            <a:schemeClr val="accent1"/>
-          </a:effectRef>
-          <a:fontRef idx="minor">
-            <a:schemeClr val="lt1"/>
-          </a:fontRef>
-        </p:style>
-        <p:txBody>
-          <a:bodyPr rtlCol="0" anchor="ctr"/>
-          <a:lstStyle/>
-          <a:p>
-            <a:pPr algn="ctr"/>
-            <a:endParaRPr lang="en-GB"/>
-          </a:p>
-        </p:txBody>
-      </p:sp>
-      <p:sp>
-        <p:nvSpPr>
-          <p:cNvPr id="50" name="Freeform 49">
-            <a:extLst>
-              <a:ext uri="{FF2B5EF4-FFF2-40B4-BE49-F238E27FC236}">
-                <a16:creationId xmlns:a16="http://schemas.microsoft.com/office/drawing/2014/main" id="{60D798AF-CC5F-4546-8339-2948A1CC9C08}"/>
-              </a:ext>
-            </a:extLst>
-          </p:cNvPr>
-          <p:cNvSpPr/>
-          <p:nvPr/>
-        </p:nvSpPr>
-        <p:spPr>
-          <a:xfrm>
-            <a:off x="5764427" y="2722601"/>
-            <a:ext cx="397411" cy="240457"/>
-          </a:xfrm>
-          <a:custGeom>
-            <a:avLst/>
-            <a:gdLst>
-              <a:gd name="connsiteX0" fmla="*/ 243405 w 397411"/>
-              <a:gd name="connsiteY0" fmla="*/ 240457 h 240457"/>
-              <a:gd name="connsiteX1" fmla="*/ 382064 w 397411"/>
-              <a:gd name="connsiteY1" fmla="*/ 187992 h 240457"/>
-              <a:gd name="connsiteX2" fmla="*/ 374569 w 397411"/>
-              <a:gd name="connsiteY2" fmla="*/ 79313 h 240457"/>
-              <a:gd name="connsiteX3" fmla="*/ 209678 w 397411"/>
-              <a:gd name="connsiteY3" fmla="*/ 615 h 240457"/>
-              <a:gd name="connsiteX4" fmla="*/ 3563 w 397411"/>
-              <a:gd name="connsiteY4" fmla="*/ 49333 h 240457"/>
-            </a:gdLst>
-            <a:ahLst/>
-            <a:cxnLst>
-              <a:cxn ang="0">
-                <a:pos x="connsiteX0" y="connsiteY0"/>
-              </a:cxn>
-              <a:cxn ang="0">
-                <a:pos x="connsiteX1" y="connsiteY1"/>
-              </a:cxn>
-              <a:cxn ang="0">
-                <a:pos x="connsiteX2" y="connsiteY2"/>
-              </a:cxn>
-              <a:cxn ang="0">
-                <a:pos x="connsiteX3" y="connsiteY3"/>
-              </a:cxn>
-              <a:cxn ang="0">
-                <a:pos x="connsiteX4" y="connsiteY4"/>
-              </a:cxn>
-            </a:cxnLst>
-            <a:rect l="l" t="t" r="r" b="b"/>
-            <a:pathLst>
-              <a:path w="397411" h="240457">
-                <a:moveTo>
-                  <a:pt x="243405" y="240457"/>
-                </a:moveTo>
-                <a:cubicBezTo>
-                  <a:pt x="301804" y="227653"/>
-                  <a:pt x="360203" y="214849"/>
-                  <a:pt x="382064" y="187992"/>
-                </a:cubicBezTo>
-                <a:cubicBezTo>
-                  <a:pt x="403925" y="161135"/>
-                  <a:pt x="403300" y="110542"/>
-                  <a:pt x="374569" y="79313"/>
-                </a:cubicBezTo>
-                <a:cubicBezTo>
-                  <a:pt x="345838" y="48083"/>
-                  <a:pt x="271512" y="5612"/>
-                  <a:pt x="209678" y="615"/>
-                </a:cubicBezTo>
-                <a:cubicBezTo>
-                  <a:pt x="147844" y="-4382"/>
-                  <a:pt x="-27042" y="21851"/>
-                  <a:pt x="3563" y="49333"/>
-                </a:cubicBezTo>
-              </a:path>
-            </a:pathLst>
-          </a:custGeom>
-          <a:noFill/>
-          <a:ln w="19050">
-            <a:solidFill>
-              <a:schemeClr val="tx1"/>
-            </a:solidFill>
-          </a:ln>
-        </p:spPr>
-        <p:style>
-          <a:lnRef idx="2">
-            <a:schemeClr val="accent1">
-              <a:shade val="50000"/>
-            </a:schemeClr>
-          </a:lnRef>
-          <a:fillRef idx="1">
-            <a:schemeClr val="accent1"/>
-          </a:fillRef>
-          <a:effectRef idx="0">
-            <a:schemeClr val="accent1"/>
-          </a:effectRef>
-          <a:fontRef idx="minor">
-            <a:schemeClr val="lt1"/>
-          </a:fontRef>
-        </p:style>
-        <p:txBody>
-          <a:bodyPr rtlCol="0" anchor="ctr"/>
-          <a:lstStyle/>
-          <a:p>
-            <a:pPr algn="ctr"/>
-            <a:endParaRPr lang="en-GB"/>
-          </a:p>
-        </p:txBody>
-      </p:sp>
-      <p:sp>
-        <p:nvSpPr>
-          <p:cNvPr id="51" name="Freeform 50">
-            <a:extLst>
-              <a:ext uri="{FF2B5EF4-FFF2-40B4-BE49-F238E27FC236}">
-                <a16:creationId xmlns:a16="http://schemas.microsoft.com/office/drawing/2014/main" id="{18695867-28D9-2B44-B388-3C7F2C084FF3}"/>
-              </a:ext>
-            </a:extLst>
-          </p:cNvPr>
-          <p:cNvSpPr/>
-          <p:nvPr/>
-        </p:nvSpPr>
-        <p:spPr>
-          <a:xfrm rot="10800000">
-            <a:off x="5831448" y="2810833"/>
-            <a:ext cx="397411" cy="240457"/>
-          </a:xfrm>
-          <a:custGeom>
-            <a:avLst/>
-            <a:gdLst>
-              <a:gd name="connsiteX0" fmla="*/ 243405 w 397411"/>
-              <a:gd name="connsiteY0" fmla="*/ 240457 h 240457"/>
-              <a:gd name="connsiteX1" fmla="*/ 382064 w 397411"/>
-              <a:gd name="connsiteY1" fmla="*/ 187992 h 240457"/>
-              <a:gd name="connsiteX2" fmla="*/ 374569 w 397411"/>
-              <a:gd name="connsiteY2" fmla="*/ 79313 h 240457"/>
-              <a:gd name="connsiteX3" fmla="*/ 209678 w 397411"/>
-              <a:gd name="connsiteY3" fmla="*/ 615 h 240457"/>
-              <a:gd name="connsiteX4" fmla="*/ 3563 w 397411"/>
-              <a:gd name="connsiteY4" fmla="*/ 49333 h 240457"/>
-            </a:gdLst>
-            <a:ahLst/>
-            <a:cxnLst>
-              <a:cxn ang="0">
-                <a:pos x="connsiteX0" y="connsiteY0"/>
-              </a:cxn>
-              <a:cxn ang="0">
-                <a:pos x="connsiteX1" y="connsiteY1"/>
-              </a:cxn>
-              <a:cxn ang="0">
-                <a:pos x="connsiteX2" y="connsiteY2"/>
-              </a:cxn>
-              <a:cxn ang="0">
-                <a:pos x="connsiteX3" y="connsiteY3"/>
-              </a:cxn>
-              <a:cxn ang="0">
-                <a:pos x="connsiteX4" y="connsiteY4"/>
-              </a:cxn>
-            </a:cxnLst>
-            <a:rect l="l" t="t" r="r" b="b"/>
-            <a:pathLst>
-              <a:path w="397411" h="240457">
-                <a:moveTo>
-                  <a:pt x="243405" y="240457"/>
-                </a:moveTo>
-                <a:cubicBezTo>
-                  <a:pt x="301804" y="227653"/>
-                  <a:pt x="360203" y="214849"/>
-                  <a:pt x="382064" y="187992"/>
-                </a:cubicBezTo>
-                <a:cubicBezTo>
-                  <a:pt x="403925" y="161135"/>
-                  <a:pt x="403300" y="110542"/>
-                  <a:pt x="374569" y="79313"/>
-                </a:cubicBezTo>
-                <a:cubicBezTo>
-                  <a:pt x="345838" y="48083"/>
-                  <a:pt x="271512" y="5612"/>
-                  <a:pt x="209678" y="615"/>
-                </a:cubicBezTo>
-                <a:cubicBezTo>
-                  <a:pt x="147844" y="-4382"/>
-                  <a:pt x="-27042" y="21851"/>
-                  <a:pt x="3563" y="49333"/>
-                </a:cubicBezTo>
-              </a:path>
-            </a:pathLst>
-          </a:custGeom>
-          <a:noFill/>
-          <a:ln w="19050">
-            <a:solidFill>
-              <a:schemeClr val="tx1"/>
-            </a:solidFill>
-          </a:ln>
-        </p:spPr>
-        <p:style>
-          <a:lnRef idx="2">
-            <a:schemeClr val="accent1">
-              <a:shade val="50000"/>
-            </a:schemeClr>
-          </a:lnRef>
-          <a:fillRef idx="1">
-            <a:schemeClr val="accent1"/>
-          </a:fillRef>
-          <a:effectRef idx="0">
-            <a:schemeClr val="accent1"/>
-          </a:effectRef>
-          <a:fontRef idx="minor">
-            <a:schemeClr val="lt1"/>
-          </a:fontRef>
-        </p:style>
-        <p:txBody>
-          <a:bodyPr rtlCol="0" anchor="ctr"/>
-          <a:lstStyle/>
-          <a:p>
-            <a:pPr algn="ctr"/>
-            <a:endParaRPr lang="en-GB"/>
-          </a:p>
-        </p:txBody>
-      </p:sp>
       <p:cxnSp>
         <p:nvCxnSpPr>
           <p:cNvPr id="4" name="Straight Arrow Connector 3">
@@ -6163,6 +3715,2936 @@
           </a:fontRef>
         </p:style>
       </p:cxnSp>
+      <p:grpSp>
+        <p:nvGrpSpPr>
+          <p:cNvPr id="52" name="Group 51">
+            <a:extLst>
+              <a:ext uri="{FF2B5EF4-FFF2-40B4-BE49-F238E27FC236}">
+                <a16:creationId xmlns:a16="http://schemas.microsoft.com/office/drawing/2014/main" id="{351B7F1C-6225-3F42-A094-F6C24D972C40}"/>
+              </a:ext>
+            </a:extLst>
+          </p:cNvPr>
+          <p:cNvGrpSpPr/>
+          <p:nvPr/>
+        </p:nvGrpSpPr>
+        <p:grpSpPr>
+          <a:xfrm>
+            <a:off x="3969928" y="914859"/>
+            <a:ext cx="464432" cy="328689"/>
+            <a:chOff x="3329061" y="3246341"/>
+            <a:chExt cx="464432" cy="328689"/>
+          </a:xfrm>
+        </p:grpSpPr>
+        <p:sp>
+          <p:nvSpPr>
+            <p:cNvPr id="53" name="Oval 52">
+              <a:extLst>
+                <a:ext uri="{FF2B5EF4-FFF2-40B4-BE49-F238E27FC236}">
+                  <a16:creationId xmlns:a16="http://schemas.microsoft.com/office/drawing/2014/main" id="{D468062E-BE7F-0D47-8E30-A3CED427F74B}"/>
+                </a:ext>
+              </a:extLst>
+            </p:cNvPr>
+            <p:cNvSpPr/>
+            <p:nvPr/>
+          </p:nvSpPr>
+          <p:spPr>
+            <a:xfrm>
+              <a:off x="3426966" y="3336447"/>
+              <a:ext cx="248856" cy="150351"/>
+            </a:xfrm>
+            <a:prstGeom prst="ellipse">
+              <a:avLst/>
+            </a:prstGeom>
+            <a:noFill/>
+            <a:ln w="25400">
+              <a:solidFill>
+                <a:schemeClr val="accent2"/>
+              </a:solidFill>
+            </a:ln>
+          </p:spPr>
+          <p:style>
+            <a:lnRef idx="2">
+              <a:schemeClr val="accent1">
+                <a:shade val="50000"/>
+              </a:schemeClr>
+            </a:lnRef>
+            <a:fillRef idx="1">
+              <a:schemeClr val="accent1"/>
+            </a:fillRef>
+            <a:effectRef idx="0">
+              <a:schemeClr val="accent1"/>
+            </a:effectRef>
+            <a:fontRef idx="minor">
+              <a:schemeClr val="lt1"/>
+            </a:fontRef>
+          </p:style>
+          <p:txBody>
+            <a:bodyPr rtlCol="0" anchor="ctr"/>
+            <a:lstStyle/>
+            <a:p>
+              <a:pPr algn="ctr"/>
+              <a:endParaRPr lang="en-GB"/>
+            </a:p>
+          </p:txBody>
+        </p:sp>
+        <p:sp>
+          <p:nvSpPr>
+            <p:cNvPr id="54" name="Freeform 53">
+              <a:extLst>
+                <a:ext uri="{FF2B5EF4-FFF2-40B4-BE49-F238E27FC236}">
+                  <a16:creationId xmlns:a16="http://schemas.microsoft.com/office/drawing/2014/main" id="{10C7290A-2B28-0B4C-86B7-0CFC55EAB9A4}"/>
+                </a:ext>
+              </a:extLst>
+            </p:cNvPr>
+            <p:cNvSpPr/>
+            <p:nvPr/>
+          </p:nvSpPr>
+          <p:spPr>
+            <a:xfrm>
+              <a:off x="3329061" y="3246341"/>
+              <a:ext cx="397411" cy="240457"/>
+            </a:xfrm>
+            <a:custGeom>
+              <a:avLst/>
+              <a:gdLst>
+                <a:gd name="connsiteX0" fmla="*/ 243405 w 397411"/>
+                <a:gd name="connsiteY0" fmla="*/ 240457 h 240457"/>
+                <a:gd name="connsiteX1" fmla="*/ 382064 w 397411"/>
+                <a:gd name="connsiteY1" fmla="*/ 187992 h 240457"/>
+                <a:gd name="connsiteX2" fmla="*/ 374569 w 397411"/>
+                <a:gd name="connsiteY2" fmla="*/ 79313 h 240457"/>
+                <a:gd name="connsiteX3" fmla="*/ 209678 w 397411"/>
+                <a:gd name="connsiteY3" fmla="*/ 615 h 240457"/>
+                <a:gd name="connsiteX4" fmla="*/ 3563 w 397411"/>
+                <a:gd name="connsiteY4" fmla="*/ 49333 h 240457"/>
+              </a:gdLst>
+              <a:ahLst/>
+              <a:cxnLst>
+                <a:cxn ang="0">
+                  <a:pos x="connsiteX0" y="connsiteY0"/>
+                </a:cxn>
+                <a:cxn ang="0">
+                  <a:pos x="connsiteX1" y="connsiteY1"/>
+                </a:cxn>
+                <a:cxn ang="0">
+                  <a:pos x="connsiteX2" y="connsiteY2"/>
+                </a:cxn>
+                <a:cxn ang="0">
+                  <a:pos x="connsiteX3" y="connsiteY3"/>
+                </a:cxn>
+                <a:cxn ang="0">
+                  <a:pos x="connsiteX4" y="connsiteY4"/>
+                </a:cxn>
+              </a:cxnLst>
+              <a:rect l="l" t="t" r="r" b="b"/>
+              <a:pathLst>
+                <a:path w="397411" h="240457">
+                  <a:moveTo>
+                    <a:pt x="243405" y="240457"/>
+                  </a:moveTo>
+                  <a:cubicBezTo>
+                    <a:pt x="301804" y="227653"/>
+                    <a:pt x="360203" y="214849"/>
+                    <a:pt x="382064" y="187992"/>
+                  </a:cubicBezTo>
+                  <a:cubicBezTo>
+                    <a:pt x="403925" y="161135"/>
+                    <a:pt x="403300" y="110542"/>
+                    <a:pt x="374569" y="79313"/>
+                  </a:cubicBezTo>
+                  <a:cubicBezTo>
+                    <a:pt x="345838" y="48083"/>
+                    <a:pt x="271512" y="5612"/>
+                    <a:pt x="209678" y="615"/>
+                  </a:cubicBezTo>
+                  <a:cubicBezTo>
+                    <a:pt x="147844" y="-4382"/>
+                    <a:pt x="-27042" y="21851"/>
+                    <a:pt x="3563" y="49333"/>
+                  </a:cubicBezTo>
+                </a:path>
+              </a:pathLst>
+            </a:custGeom>
+            <a:noFill/>
+            <a:ln w="25400">
+              <a:solidFill>
+                <a:schemeClr val="accent2"/>
+              </a:solidFill>
+            </a:ln>
+          </p:spPr>
+          <p:style>
+            <a:lnRef idx="2">
+              <a:schemeClr val="accent1">
+                <a:shade val="50000"/>
+              </a:schemeClr>
+            </a:lnRef>
+            <a:fillRef idx="1">
+              <a:schemeClr val="accent1"/>
+            </a:fillRef>
+            <a:effectRef idx="0">
+              <a:schemeClr val="accent1"/>
+            </a:effectRef>
+            <a:fontRef idx="minor">
+              <a:schemeClr val="lt1"/>
+            </a:fontRef>
+          </p:style>
+          <p:txBody>
+            <a:bodyPr rtlCol="0" anchor="ctr"/>
+            <a:lstStyle/>
+            <a:p>
+              <a:pPr algn="ctr"/>
+              <a:endParaRPr lang="en-GB"/>
+            </a:p>
+          </p:txBody>
+        </p:sp>
+        <p:sp>
+          <p:nvSpPr>
+            <p:cNvPr id="55" name="Freeform 54">
+              <a:extLst>
+                <a:ext uri="{FF2B5EF4-FFF2-40B4-BE49-F238E27FC236}">
+                  <a16:creationId xmlns:a16="http://schemas.microsoft.com/office/drawing/2014/main" id="{52B84AD6-7FF2-2D48-9E6F-AA3609985869}"/>
+                </a:ext>
+              </a:extLst>
+            </p:cNvPr>
+            <p:cNvSpPr/>
+            <p:nvPr/>
+          </p:nvSpPr>
+          <p:spPr>
+            <a:xfrm rot="10800000">
+              <a:off x="3396082" y="3334573"/>
+              <a:ext cx="397411" cy="240457"/>
+            </a:xfrm>
+            <a:custGeom>
+              <a:avLst/>
+              <a:gdLst>
+                <a:gd name="connsiteX0" fmla="*/ 243405 w 397411"/>
+                <a:gd name="connsiteY0" fmla="*/ 240457 h 240457"/>
+                <a:gd name="connsiteX1" fmla="*/ 382064 w 397411"/>
+                <a:gd name="connsiteY1" fmla="*/ 187992 h 240457"/>
+                <a:gd name="connsiteX2" fmla="*/ 374569 w 397411"/>
+                <a:gd name="connsiteY2" fmla="*/ 79313 h 240457"/>
+                <a:gd name="connsiteX3" fmla="*/ 209678 w 397411"/>
+                <a:gd name="connsiteY3" fmla="*/ 615 h 240457"/>
+                <a:gd name="connsiteX4" fmla="*/ 3563 w 397411"/>
+                <a:gd name="connsiteY4" fmla="*/ 49333 h 240457"/>
+              </a:gdLst>
+              <a:ahLst/>
+              <a:cxnLst>
+                <a:cxn ang="0">
+                  <a:pos x="connsiteX0" y="connsiteY0"/>
+                </a:cxn>
+                <a:cxn ang="0">
+                  <a:pos x="connsiteX1" y="connsiteY1"/>
+                </a:cxn>
+                <a:cxn ang="0">
+                  <a:pos x="connsiteX2" y="connsiteY2"/>
+                </a:cxn>
+                <a:cxn ang="0">
+                  <a:pos x="connsiteX3" y="connsiteY3"/>
+                </a:cxn>
+                <a:cxn ang="0">
+                  <a:pos x="connsiteX4" y="connsiteY4"/>
+                </a:cxn>
+              </a:cxnLst>
+              <a:rect l="l" t="t" r="r" b="b"/>
+              <a:pathLst>
+                <a:path w="397411" h="240457">
+                  <a:moveTo>
+                    <a:pt x="243405" y="240457"/>
+                  </a:moveTo>
+                  <a:cubicBezTo>
+                    <a:pt x="301804" y="227653"/>
+                    <a:pt x="360203" y="214849"/>
+                    <a:pt x="382064" y="187992"/>
+                  </a:cubicBezTo>
+                  <a:cubicBezTo>
+                    <a:pt x="403925" y="161135"/>
+                    <a:pt x="403300" y="110542"/>
+                    <a:pt x="374569" y="79313"/>
+                  </a:cubicBezTo>
+                  <a:cubicBezTo>
+                    <a:pt x="345838" y="48083"/>
+                    <a:pt x="271512" y="5612"/>
+                    <a:pt x="209678" y="615"/>
+                  </a:cubicBezTo>
+                  <a:cubicBezTo>
+                    <a:pt x="147844" y="-4382"/>
+                    <a:pt x="-27042" y="21851"/>
+                    <a:pt x="3563" y="49333"/>
+                  </a:cubicBezTo>
+                </a:path>
+              </a:pathLst>
+            </a:custGeom>
+            <a:noFill/>
+            <a:ln w="25400">
+              <a:solidFill>
+                <a:schemeClr val="accent2"/>
+              </a:solidFill>
+            </a:ln>
+          </p:spPr>
+          <p:style>
+            <a:lnRef idx="2">
+              <a:schemeClr val="accent1">
+                <a:shade val="50000"/>
+              </a:schemeClr>
+            </a:lnRef>
+            <a:fillRef idx="1">
+              <a:schemeClr val="accent1"/>
+            </a:fillRef>
+            <a:effectRef idx="0">
+              <a:schemeClr val="accent1"/>
+            </a:effectRef>
+            <a:fontRef idx="minor">
+              <a:schemeClr val="lt1"/>
+            </a:fontRef>
+          </p:style>
+          <p:txBody>
+            <a:bodyPr rtlCol="0" anchor="ctr"/>
+            <a:lstStyle/>
+            <a:p>
+              <a:pPr algn="ctr"/>
+              <a:endParaRPr lang="en-GB"/>
+            </a:p>
+          </p:txBody>
+        </p:sp>
+      </p:grpSp>
+      <p:grpSp>
+        <p:nvGrpSpPr>
+          <p:cNvPr id="56" name="Group 55">
+            <a:extLst>
+              <a:ext uri="{FF2B5EF4-FFF2-40B4-BE49-F238E27FC236}">
+                <a16:creationId xmlns:a16="http://schemas.microsoft.com/office/drawing/2014/main" id="{7BDC5EB5-3883-B344-B30C-8E58DB8C4F4F}"/>
+              </a:ext>
+            </a:extLst>
+          </p:cNvPr>
+          <p:cNvGrpSpPr/>
+          <p:nvPr/>
+        </p:nvGrpSpPr>
+        <p:grpSpPr>
+          <a:xfrm>
+            <a:off x="3937818" y="4581572"/>
+            <a:ext cx="464432" cy="328689"/>
+            <a:chOff x="3329061" y="3246341"/>
+            <a:chExt cx="464432" cy="328689"/>
+          </a:xfrm>
+        </p:grpSpPr>
+        <p:sp>
+          <p:nvSpPr>
+            <p:cNvPr id="57" name="Oval 56">
+              <a:extLst>
+                <a:ext uri="{FF2B5EF4-FFF2-40B4-BE49-F238E27FC236}">
+                  <a16:creationId xmlns:a16="http://schemas.microsoft.com/office/drawing/2014/main" id="{A68EF2A7-BED0-EE4A-8073-150E3508D5A5}"/>
+                </a:ext>
+              </a:extLst>
+            </p:cNvPr>
+            <p:cNvSpPr/>
+            <p:nvPr/>
+          </p:nvSpPr>
+          <p:spPr>
+            <a:xfrm>
+              <a:off x="3426966" y="3336447"/>
+              <a:ext cx="248856" cy="150351"/>
+            </a:xfrm>
+            <a:prstGeom prst="ellipse">
+              <a:avLst/>
+            </a:prstGeom>
+            <a:noFill/>
+            <a:ln w="25400">
+              <a:solidFill>
+                <a:schemeClr val="accent2"/>
+              </a:solidFill>
+            </a:ln>
+          </p:spPr>
+          <p:style>
+            <a:lnRef idx="2">
+              <a:schemeClr val="accent1">
+                <a:shade val="50000"/>
+              </a:schemeClr>
+            </a:lnRef>
+            <a:fillRef idx="1">
+              <a:schemeClr val="accent1"/>
+            </a:fillRef>
+            <a:effectRef idx="0">
+              <a:schemeClr val="accent1"/>
+            </a:effectRef>
+            <a:fontRef idx="minor">
+              <a:schemeClr val="lt1"/>
+            </a:fontRef>
+          </p:style>
+          <p:txBody>
+            <a:bodyPr rtlCol="0" anchor="ctr"/>
+            <a:lstStyle/>
+            <a:p>
+              <a:pPr algn="ctr"/>
+              <a:endParaRPr lang="en-GB"/>
+            </a:p>
+          </p:txBody>
+        </p:sp>
+        <p:sp>
+          <p:nvSpPr>
+            <p:cNvPr id="58" name="Freeform 57">
+              <a:extLst>
+                <a:ext uri="{FF2B5EF4-FFF2-40B4-BE49-F238E27FC236}">
+                  <a16:creationId xmlns:a16="http://schemas.microsoft.com/office/drawing/2014/main" id="{F4705183-947A-AB42-9E27-1F26D065C2CD}"/>
+                </a:ext>
+              </a:extLst>
+            </p:cNvPr>
+            <p:cNvSpPr/>
+            <p:nvPr/>
+          </p:nvSpPr>
+          <p:spPr>
+            <a:xfrm>
+              <a:off x="3329061" y="3246341"/>
+              <a:ext cx="397411" cy="240457"/>
+            </a:xfrm>
+            <a:custGeom>
+              <a:avLst/>
+              <a:gdLst>
+                <a:gd name="connsiteX0" fmla="*/ 243405 w 397411"/>
+                <a:gd name="connsiteY0" fmla="*/ 240457 h 240457"/>
+                <a:gd name="connsiteX1" fmla="*/ 382064 w 397411"/>
+                <a:gd name="connsiteY1" fmla="*/ 187992 h 240457"/>
+                <a:gd name="connsiteX2" fmla="*/ 374569 w 397411"/>
+                <a:gd name="connsiteY2" fmla="*/ 79313 h 240457"/>
+                <a:gd name="connsiteX3" fmla="*/ 209678 w 397411"/>
+                <a:gd name="connsiteY3" fmla="*/ 615 h 240457"/>
+                <a:gd name="connsiteX4" fmla="*/ 3563 w 397411"/>
+                <a:gd name="connsiteY4" fmla="*/ 49333 h 240457"/>
+              </a:gdLst>
+              <a:ahLst/>
+              <a:cxnLst>
+                <a:cxn ang="0">
+                  <a:pos x="connsiteX0" y="connsiteY0"/>
+                </a:cxn>
+                <a:cxn ang="0">
+                  <a:pos x="connsiteX1" y="connsiteY1"/>
+                </a:cxn>
+                <a:cxn ang="0">
+                  <a:pos x="connsiteX2" y="connsiteY2"/>
+                </a:cxn>
+                <a:cxn ang="0">
+                  <a:pos x="connsiteX3" y="connsiteY3"/>
+                </a:cxn>
+                <a:cxn ang="0">
+                  <a:pos x="connsiteX4" y="connsiteY4"/>
+                </a:cxn>
+              </a:cxnLst>
+              <a:rect l="l" t="t" r="r" b="b"/>
+              <a:pathLst>
+                <a:path w="397411" h="240457">
+                  <a:moveTo>
+                    <a:pt x="243405" y="240457"/>
+                  </a:moveTo>
+                  <a:cubicBezTo>
+                    <a:pt x="301804" y="227653"/>
+                    <a:pt x="360203" y="214849"/>
+                    <a:pt x="382064" y="187992"/>
+                  </a:cubicBezTo>
+                  <a:cubicBezTo>
+                    <a:pt x="403925" y="161135"/>
+                    <a:pt x="403300" y="110542"/>
+                    <a:pt x="374569" y="79313"/>
+                  </a:cubicBezTo>
+                  <a:cubicBezTo>
+                    <a:pt x="345838" y="48083"/>
+                    <a:pt x="271512" y="5612"/>
+                    <a:pt x="209678" y="615"/>
+                  </a:cubicBezTo>
+                  <a:cubicBezTo>
+                    <a:pt x="147844" y="-4382"/>
+                    <a:pt x="-27042" y="21851"/>
+                    <a:pt x="3563" y="49333"/>
+                  </a:cubicBezTo>
+                </a:path>
+              </a:pathLst>
+            </a:custGeom>
+            <a:noFill/>
+            <a:ln w="25400">
+              <a:solidFill>
+                <a:schemeClr val="accent2"/>
+              </a:solidFill>
+            </a:ln>
+          </p:spPr>
+          <p:style>
+            <a:lnRef idx="2">
+              <a:schemeClr val="accent1">
+                <a:shade val="50000"/>
+              </a:schemeClr>
+            </a:lnRef>
+            <a:fillRef idx="1">
+              <a:schemeClr val="accent1"/>
+            </a:fillRef>
+            <a:effectRef idx="0">
+              <a:schemeClr val="accent1"/>
+            </a:effectRef>
+            <a:fontRef idx="minor">
+              <a:schemeClr val="lt1"/>
+            </a:fontRef>
+          </p:style>
+          <p:txBody>
+            <a:bodyPr rtlCol="0" anchor="ctr"/>
+            <a:lstStyle/>
+            <a:p>
+              <a:pPr algn="ctr"/>
+              <a:endParaRPr lang="en-GB"/>
+            </a:p>
+          </p:txBody>
+        </p:sp>
+        <p:sp>
+          <p:nvSpPr>
+            <p:cNvPr id="59" name="Freeform 58">
+              <a:extLst>
+                <a:ext uri="{FF2B5EF4-FFF2-40B4-BE49-F238E27FC236}">
+                  <a16:creationId xmlns:a16="http://schemas.microsoft.com/office/drawing/2014/main" id="{D931CCA3-B49E-B34D-8808-2D8FB6DF18B9}"/>
+                </a:ext>
+              </a:extLst>
+            </p:cNvPr>
+            <p:cNvSpPr/>
+            <p:nvPr/>
+          </p:nvSpPr>
+          <p:spPr>
+            <a:xfrm rot="10800000">
+              <a:off x="3396082" y="3334573"/>
+              <a:ext cx="397411" cy="240457"/>
+            </a:xfrm>
+            <a:custGeom>
+              <a:avLst/>
+              <a:gdLst>
+                <a:gd name="connsiteX0" fmla="*/ 243405 w 397411"/>
+                <a:gd name="connsiteY0" fmla="*/ 240457 h 240457"/>
+                <a:gd name="connsiteX1" fmla="*/ 382064 w 397411"/>
+                <a:gd name="connsiteY1" fmla="*/ 187992 h 240457"/>
+                <a:gd name="connsiteX2" fmla="*/ 374569 w 397411"/>
+                <a:gd name="connsiteY2" fmla="*/ 79313 h 240457"/>
+                <a:gd name="connsiteX3" fmla="*/ 209678 w 397411"/>
+                <a:gd name="connsiteY3" fmla="*/ 615 h 240457"/>
+                <a:gd name="connsiteX4" fmla="*/ 3563 w 397411"/>
+                <a:gd name="connsiteY4" fmla="*/ 49333 h 240457"/>
+              </a:gdLst>
+              <a:ahLst/>
+              <a:cxnLst>
+                <a:cxn ang="0">
+                  <a:pos x="connsiteX0" y="connsiteY0"/>
+                </a:cxn>
+                <a:cxn ang="0">
+                  <a:pos x="connsiteX1" y="connsiteY1"/>
+                </a:cxn>
+                <a:cxn ang="0">
+                  <a:pos x="connsiteX2" y="connsiteY2"/>
+                </a:cxn>
+                <a:cxn ang="0">
+                  <a:pos x="connsiteX3" y="connsiteY3"/>
+                </a:cxn>
+                <a:cxn ang="0">
+                  <a:pos x="connsiteX4" y="connsiteY4"/>
+                </a:cxn>
+              </a:cxnLst>
+              <a:rect l="l" t="t" r="r" b="b"/>
+              <a:pathLst>
+                <a:path w="397411" h="240457">
+                  <a:moveTo>
+                    <a:pt x="243405" y="240457"/>
+                  </a:moveTo>
+                  <a:cubicBezTo>
+                    <a:pt x="301804" y="227653"/>
+                    <a:pt x="360203" y="214849"/>
+                    <a:pt x="382064" y="187992"/>
+                  </a:cubicBezTo>
+                  <a:cubicBezTo>
+                    <a:pt x="403925" y="161135"/>
+                    <a:pt x="403300" y="110542"/>
+                    <a:pt x="374569" y="79313"/>
+                  </a:cubicBezTo>
+                  <a:cubicBezTo>
+                    <a:pt x="345838" y="48083"/>
+                    <a:pt x="271512" y="5612"/>
+                    <a:pt x="209678" y="615"/>
+                  </a:cubicBezTo>
+                  <a:cubicBezTo>
+                    <a:pt x="147844" y="-4382"/>
+                    <a:pt x="-27042" y="21851"/>
+                    <a:pt x="3563" y="49333"/>
+                  </a:cubicBezTo>
+                </a:path>
+              </a:pathLst>
+            </a:custGeom>
+            <a:noFill/>
+            <a:ln w="25400">
+              <a:solidFill>
+                <a:schemeClr val="accent2"/>
+              </a:solidFill>
+            </a:ln>
+          </p:spPr>
+          <p:style>
+            <a:lnRef idx="2">
+              <a:schemeClr val="accent1">
+                <a:shade val="50000"/>
+              </a:schemeClr>
+            </a:lnRef>
+            <a:fillRef idx="1">
+              <a:schemeClr val="accent1"/>
+            </a:fillRef>
+            <a:effectRef idx="0">
+              <a:schemeClr val="accent1"/>
+            </a:effectRef>
+            <a:fontRef idx="minor">
+              <a:schemeClr val="lt1"/>
+            </a:fontRef>
+          </p:style>
+          <p:txBody>
+            <a:bodyPr rtlCol="0" anchor="ctr"/>
+            <a:lstStyle/>
+            <a:p>
+              <a:pPr algn="ctr"/>
+              <a:endParaRPr lang="en-GB"/>
+            </a:p>
+          </p:txBody>
+        </p:sp>
+      </p:grpSp>
+      <p:grpSp>
+        <p:nvGrpSpPr>
+          <p:cNvPr id="60" name="Group 59">
+            <a:extLst>
+              <a:ext uri="{FF2B5EF4-FFF2-40B4-BE49-F238E27FC236}">
+                <a16:creationId xmlns:a16="http://schemas.microsoft.com/office/drawing/2014/main" id="{20189A85-7671-394F-9611-8EEBAA47942A}"/>
+              </a:ext>
+            </a:extLst>
+          </p:cNvPr>
+          <p:cNvGrpSpPr/>
+          <p:nvPr/>
+        </p:nvGrpSpPr>
+        <p:grpSpPr>
+          <a:xfrm>
+            <a:off x="2098835" y="2737686"/>
+            <a:ext cx="464432" cy="328689"/>
+            <a:chOff x="3329061" y="3246341"/>
+            <a:chExt cx="464432" cy="328689"/>
+          </a:xfrm>
+        </p:grpSpPr>
+        <p:sp>
+          <p:nvSpPr>
+            <p:cNvPr id="61" name="Oval 60">
+              <a:extLst>
+                <a:ext uri="{FF2B5EF4-FFF2-40B4-BE49-F238E27FC236}">
+                  <a16:creationId xmlns:a16="http://schemas.microsoft.com/office/drawing/2014/main" id="{794BF2C7-BB27-2F4D-B202-6BF6DF9FED39}"/>
+                </a:ext>
+              </a:extLst>
+            </p:cNvPr>
+            <p:cNvSpPr/>
+            <p:nvPr/>
+          </p:nvSpPr>
+          <p:spPr>
+            <a:xfrm>
+              <a:off x="3426966" y="3336447"/>
+              <a:ext cx="248856" cy="150351"/>
+            </a:xfrm>
+            <a:prstGeom prst="ellipse">
+              <a:avLst/>
+            </a:prstGeom>
+            <a:noFill/>
+            <a:ln w="25400">
+              <a:solidFill>
+                <a:schemeClr val="accent2"/>
+              </a:solidFill>
+            </a:ln>
+          </p:spPr>
+          <p:style>
+            <a:lnRef idx="2">
+              <a:schemeClr val="accent1">
+                <a:shade val="50000"/>
+              </a:schemeClr>
+            </a:lnRef>
+            <a:fillRef idx="1">
+              <a:schemeClr val="accent1"/>
+            </a:fillRef>
+            <a:effectRef idx="0">
+              <a:schemeClr val="accent1"/>
+            </a:effectRef>
+            <a:fontRef idx="minor">
+              <a:schemeClr val="lt1"/>
+            </a:fontRef>
+          </p:style>
+          <p:txBody>
+            <a:bodyPr rtlCol="0" anchor="ctr"/>
+            <a:lstStyle/>
+            <a:p>
+              <a:pPr algn="ctr"/>
+              <a:endParaRPr lang="en-GB"/>
+            </a:p>
+          </p:txBody>
+        </p:sp>
+        <p:sp>
+          <p:nvSpPr>
+            <p:cNvPr id="62" name="Freeform 61">
+              <a:extLst>
+                <a:ext uri="{FF2B5EF4-FFF2-40B4-BE49-F238E27FC236}">
+                  <a16:creationId xmlns:a16="http://schemas.microsoft.com/office/drawing/2014/main" id="{11EAC27A-51B8-A548-AC0E-349B841EC0DE}"/>
+                </a:ext>
+              </a:extLst>
+            </p:cNvPr>
+            <p:cNvSpPr/>
+            <p:nvPr/>
+          </p:nvSpPr>
+          <p:spPr>
+            <a:xfrm>
+              <a:off x="3329061" y="3246341"/>
+              <a:ext cx="397411" cy="240457"/>
+            </a:xfrm>
+            <a:custGeom>
+              <a:avLst/>
+              <a:gdLst>
+                <a:gd name="connsiteX0" fmla="*/ 243405 w 397411"/>
+                <a:gd name="connsiteY0" fmla="*/ 240457 h 240457"/>
+                <a:gd name="connsiteX1" fmla="*/ 382064 w 397411"/>
+                <a:gd name="connsiteY1" fmla="*/ 187992 h 240457"/>
+                <a:gd name="connsiteX2" fmla="*/ 374569 w 397411"/>
+                <a:gd name="connsiteY2" fmla="*/ 79313 h 240457"/>
+                <a:gd name="connsiteX3" fmla="*/ 209678 w 397411"/>
+                <a:gd name="connsiteY3" fmla="*/ 615 h 240457"/>
+                <a:gd name="connsiteX4" fmla="*/ 3563 w 397411"/>
+                <a:gd name="connsiteY4" fmla="*/ 49333 h 240457"/>
+              </a:gdLst>
+              <a:ahLst/>
+              <a:cxnLst>
+                <a:cxn ang="0">
+                  <a:pos x="connsiteX0" y="connsiteY0"/>
+                </a:cxn>
+                <a:cxn ang="0">
+                  <a:pos x="connsiteX1" y="connsiteY1"/>
+                </a:cxn>
+                <a:cxn ang="0">
+                  <a:pos x="connsiteX2" y="connsiteY2"/>
+                </a:cxn>
+                <a:cxn ang="0">
+                  <a:pos x="connsiteX3" y="connsiteY3"/>
+                </a:cxn>
+                <a:cxn ang="0">
+                  <a:pos x="connsiteX4" y="connsiteY4"/>
+                </a:cxn>
+              </a:cxnLst>
+              <a:rect l="l" t="t" r="r" b="b"/>
+              <a:pathLst>
+                <a:path w="397411" h="240457">
+                  <a:moveTo>
+                    <a:pt x="243405" y="240457"/>
+                  </a:moveTo>
+                  <a:cubicBezTo>
+                    <a:pt x="301804" y="227653"/>
+                    <a:pt x="360203" y="214849"/>
+                    <a:pt x="382064" y="187992"/>
+                  </a:cubicBezTo>
+                  <a:cubicBezTo>
+                    <a:pt x="403925" y="161135"/>
+                    <a:pt x="403300" y="110542"/>
+                    <a:pt x="374569" y="79313"/>
+                  </a:cubicBezTo>
+                  <a:cubicBezTo>
+                    <a:pt x="345838" y="48083"/>
+                    <a:pt x="271512" y="5612"/>
+                    <a:pt x="209678" y="615"/>
+                  </a:cubicBezTo>
+                  <a:cubicBezTo>
+                    <a:pt x="147844" y="-4382"/>
+                    <a:pt x="-27042" y="21851"/>
+                    <a:pt x="3563" y="49333"/>
+                  </a:cubicBezTo>
+                </a:path>
+              </a:pathLst>
+            </a:custGeom>
+            <a:noFill/>
+            <a:ln w="25400">
+              <a:solidFill>
+                <a:schemeClr val="accent2"/>
+              </a:solidFill>
+            </a:ln>
+          </p:spPr>
+          <p:style>
+            <a:lnRef idx="2">
+              <a:schemeClr val="accent1">
+                <a:shade val="50000"/>
+              </a:schemeClr>
+            </a:lnRef>
+            <a:fillRef idx="1">
+              <a:schemeClr val="accent1"/>
+            </a:fillRef>
+            <a:effectRef idx="0">
+              <a:schemeClr val="accent1"/>
+            </a:effectRef>
+            <a:fontRef idx="minor">
+              <a:schemeClr val="lt1"/>
+            </a:fontRef>
+          </p:style>
+          <p:txBody>
+            <a:bodyPr rtlCol="0" anchor="ctr"/>
+            <a:lstStyle/>
+            <a:p>
+              <a:pPr algn="ctr"/>
+              <a:endParaRPr lang="en-GB"/>
+            </a:p>
+          </p:txBody>
+        </p:sp>
+        <p:sp>
+          <p:nvSpPr>
+            <p:cNvPr id="63" name="Freeform 62">
+              <a:extLst>
+                <a:ext uri="{FF2B5EF4-FFF2-40B4-BE49-F238E27FC236}">
+                  <a16:creationId xmlns:a16="http://schemas.microsoft.com/office/drawing/2014/main" id="{A12418E9-49D8-BF47-A457-225041F4E8E3}"/>
+                </a:ext>
+              </a:extLst>
+            </p:cNvPr>
+            <p:cNvSpPr/>
+            <p:nvPr/>
+          </p:nvSpPr>
+          <p:spPr>
+            <a:xfrm rot="10800000">
+              <a:off x="3396082" y="3334573"/>
+              <a:ext cx="397411" cy="240457"/>
+            </a:xfrm>
+            <a:custGeom>
+              <a:avLst/>
+              <a:gdLst>
+                <a:gd name="connsiteX0" fmla="*/ 243405 w 397411"/>
+                <a:gd name="connsiteY0" fmla="*/ 240457 h 240457"/>
+                <a:gd name="connsiteX1" fmla="*/ 382064 w 397411"/>
+                <a:gd name="connsiteY1" fmla="*/ 187992 h 240457"/>
+                <a:gd name="connsiteX2" fmla="*/ 374569 w 397411"/>
+                <a:gd name="connsiteY2" fmla="*/ 79313 h 240457"/>
+                <a:gd name="connsiteX3" fmla="*/ 209678 w 397411"/>
+                <a:gd name="connsiteY3" fmla="*/ 615 h 240457"/>
+                <a:gd name="connsiteX4" fmla="*/ 3563 w 397411"/>
+                <a:gd name="connsiteY4" fmla="*/ 49333 h 240457"/>
+              </a:gdLst>
+              <a:ahLst/>
+              <a:cxnLst>
+                <a:cxn ang="0">
+                  <a:pos x="connsiteX0" y="connsiteY0"/>
+                </a:cxn>
+                <a:cxn ang="0">
+                  <a:pos x="connsiteX1" y="connsiteY1"/>
+                </a:cxn>
+                <a:cxn ang="0">
+                  <a:pos x="connsiteX2" y="connsiteY2"/>
+                </a:cxn>
+                <a:cxn ang="0">
+                  <a:pos x="connsiteX3" y="connsiteY3"/>
+                </a:cxn>
+                <a:cxn ang="0">
+                  <a:pos x="connsiteX4" y="connsiteY4"/>
+                </a:cxn>
+              </a:cxnLst>
+              <a:rect l="l" t="t" r="r" b="b"/>
+              <a:pathLst>
+                <a:path w="397411" h="240457">
+                  <a:moveTo>
+                    <a:pt x="243405" y="240457"/>
+                  </a:moveTo>
+                  <a:cubicBezTo>
+                    <a:pt x="301804" y="227653"/>
+                    <a:pt x="360203" y="214849"/>
+                    <a:pt x="382064" y="187992"/>
+                  </a:cubicBezTo>
+                  <a:cubicBezTo>
+                    <a:pt x="403925" y="161135"/>
+                    <a:pt x="403300" y="110542"/>
+                    <a:pt x="374569" y="79313"/>
+                  </a:cubicBezTo>
+                  <a:cubicBezTo>
+                    <a:pt x="345838" y="48083"/>
+                    <a:pt x="271512" y="5612"/>
+                    <a:pt x="209678" y="615"/>
+                  </a:cubicBezTo>
+                  <a:cubicBezTo>
+                    <a:pt x="147844" y="-4382"/>
+                    <a:pt x="-27042" y="21851"/>
+                    <a:pt x="3563" y="49333"/>
+                  </a:cubicBezTo>
+                </a:path>
+              </a:pathLst>
+            </a:custGeom>
+            <a:noFill/>
+            <a:ln w="25400">
+              <a:solidFill>
+                <a:schemeClr val="accent2"/>
+              </a:solidFill>
+            </a:ln>
+          </p:spPr>
+          <p:style>
+            <a:lnRef idx="2">
+              <a:schemeClr val="accent1">
+                <a:shade val="50000"/>
+              </a:schemeClr>
+            </a:lnRef>
+            <a:fillRef idx="1">
+              <a:schemeClr val="accent1"/>
+            </a:fillRef>
+            <a:effectRef idx="0">
+              <a:schemeClr val="accent1"/>
+            </a:effectRef>
+            <a:fontRef idx="minor">
+              <a:schemeClr val="lt1"/>
+            </a:fontRef>
+          </p:style>
+          <p:txBody>
+            <a:bodyPr rtlCol="0" anchor="ctr"/>
+            <a:lstStyle/>
+            <a:p>
+              <a:pPr algn="ctr"/>
+              <a:endParaRPr lang="en-GB"/>
+            </a:p>
+          </p:txBody>
+        </p:sp>
+      </p:grpSp>
+      <p:grpSp>
+        <p:nvGrpSpPr>
+          <p:cNvPr id="64" name="Group 63">
+            <a:extLst>
+              <a:ext uri="{FF2B5EF4-FFF2-40B4-BE49-F238E27FC236}">
+                <a16:creationId xmlns:a16="http://schemas.microsoft.com/office/drawing/2014/main" id="{91757226-2598-C648-9C4C-A15308340777}"/>
+              </a:ext>
+            </a:extLst>
+          </p:cNvPr>
+          <p:cNvGrpSpPr/>
+          <p:nvPr/>
+        </p:nvGrpSpPr>
+        <p:grpSpPr>
+          <a:xfrm>
+            <a:off x="5777558" y="2737687"/>
+            <a:ext cx="464432" cy="328689"/>
+            <a:chOff x="3329061" y="3246341"/>
+            <a:chExt cx="464432" cy="328689"/>
+          </a:xfrm>
+        </p:grpSpPr>
+        <p:sp>
+          <p:nvSpPr>
+            <p:cNvPr id="65" name="Oval 64">
+              <a:extLst>
+                <a:ext uri="{FF2B5EF4-FFF2-40B4-BE49-F238E27FC236}">
+                  <a16:creationId xmlns:a16="http://schemas.microsoft.com/office/drawing/2014/main" id="{74620D9B-8791-7645-88C2-32F0D2AE1E80}"/>
+                </a:ext>
+              </a:extLst>
+            </p:cNvPr>
+            <p:cNvSpPr/>
+            <p:nvPr/>
+          </p:nvSpPr>
+          <p:spPr>
+            <a:xfrm>
+              <a:off x="3426966" y="3336447"/>
+              <a:ext cx="248856" cy="150351"/>
+            </a:xfrm>
+            <a:prstGeom prst="ellipse">
+              <a:avLst/>
+            </a:prstGeom>
+            <a:noFill/>
+            <a:ln w="25400">
+              <a:solidFill>
+                <a:schemeClr val="accent2"/>
+              </a:solidFill>
+            </a:ln>
+          </p:spPr>
+          <p:style>
+            <a:lnRef idx="2">
+              <a:schemeClr val="accent1">
+                <a:shade val="50000"/>
+              </a:schemeClr>
+            </a:lnRef>
+            <a:fillRef idx="1">
+              <a:schemeClr val="accent1"/>
+            </a:fillRef>
+            <a:effectRef idx="0">
+              <a:schemeClr val="accent1"/>
+            </a:effectRef>
+            <a:fontRef idx="minor">
+              <a:schemeClr val="lt1"/>
+            </a:fontRef>
+          </p:style>
+          <p:txBody>
+            <a:bodyPr rtlCol="0" anchor="ctr"/>
+            <a:lstStyle/>
+            <a:p>
+              <a:pPr algn="ctr"/>
+              <a:endParaRPr lang="en-GB"/>
+            </a:p>
+          </p:txBody>
+        </p:sp>
+        <p:sp>
+          <p:nvSpPr>
+            <p:cNvPr id="66" name="Freeform 65">
+              <a:extLst>
+                <a:ext uri="{FF2B5EF4-FFF2-40B4-BE49-F238E27FC236}">
+                  <a16:creationId xmlns:a16="http://schemas.microsoft.com/office/drawing/2014/main" id="{3A6C2392-F777-E646-A4C4-C7E645D5E0D6}"/>
+                </a:ext>
+              </a:extLst>
+            </p:cNvPr>
+            <p:cNvSpPr/>
+            <p:nvPr/>
+          </p:nvSpPr>
+          <p:spPr>
+            <a:xfrm>
+              <a:off x="3329061" y="3246341"/>
+              <a:ext cx="397411" cy="240457"/>
+            </a:xfrm>
+            <a:custGeom>
+              <a:avLst/>
+              <a:gdLst>
+                <a:gd name="connsiteX0" fmla="*/ 243405 w 397411"/>
+                <a:gd name="connsiteY0" fmla="*/ 240457 h 240457"/>
+                <a:gd name="connsiteX1" fmla="*/ 382064 w 397411"/>
+                <a:gd name="connsiteY1" fmla="*/ 187992 h 240457"/>
+                <a:gd name="connsiteX2" fmla="*/ 374569 w 397411"/>
+                <a:gd name="connsiteY2" fmla="*/ 79313 h 240457"/>
+                <a:gd name="connsiteX3" fmla="*/ 209678 w 397411"/>
+                <a:gd name="connsiteY3" fmla="*/ 615 h 240457"/>
+                <a:gd name="connsiteX4" fmla="*/ 3563 w 397411"/>
+                <a:gd name="connsiteY4" fmla="*/ 49333 h 240457"/>
+              </a:gdLst>
+              <a:ahLst/>
+              <a:cxnLst>
+                <a:cxn ang="0">
+                  <a:pos x="connsiteX0" y="connsiteY0"/>
+                </a:cxn>
+                <a:cxn ang="0">
+                  <a:pos x="connsiteX1" y="connsiteY1"/>
+                </a:cxn>
+                <a:cxn ang="0">
+                  <a:pos x="connsiteX2" y="connsiteY2"/>
+                </a:cxn>
+                <a:cxn ang="0">
+                  <a:pos x="connsiteX3" y="connsiteY3"/>
+                </a:cxn>
+                <a:cxn ang="0">
+                  <a:pos x="connsiteX4" y="connsiteY4"/>
+                </a:cxn>
+              </a:cxnLst>
+              <a:rect l="l" t="t" r="r" b="b"/>
+              <a:pathLst>
+                <a:path w="397411" h="240457">
+                  <a:moveTo>
+                    <a:pt x="243405" y="240457"/>
+                  </a:moveTo>
+                  <a:cubicBezTo>
+                    <a:pt x="301804" y="227653"/>
+                    <a:pt x="360203" y="214849"/>
+                    <a:pt x="382064" y="187992"/>
+                  </a:cubicBezTo>
+                  <a:cubicBezTo>
+                    <a:pt x="403925" y="161135"/>
+                    <a:pt x="403300" y="110542"/>
+                    <a:pt x="374569" y="79313"/>
+                  </a:cubicBezTo>
+                  <a:cubicBezTo>
+                    <a:pt x="345838" y="48083"/>
+                    <a:pt x="271512" y="5612"/>
+                    <a:pt x="209678" y="615"/>
+                  </a:cubicBezTo>
+                  <a:cubicBezTo>
+                    <a:pt x="147844" y="-4382"/>
+                    <a:pt x="-27042" y="21851"/>
+                    <a:pt x="3563" y="49333"/>
+                  </a:cubicBezTo>
+                </a:path>
+              </a:pathLst>
+            </a:custGeom>
+            <a:noFill/>
+            <a:ln w="25400">
+              <a:solidFill>
+                <a:schemeClr val="accent2"/>
+              </a:solidFill>
+            </a:ln>
+          </p:spPr>
+          <p:style>
+            <a:lnRef idx="2">
+              <a:schemeClr val="accent1">
+                <a:shade val="50000"/>
+              </a:schemeClr>
+            </a:lnRef>
+            <a:fillRef idx="1">
+              <a:schemeClr val="accent1"/>
+            </a:fillRef>
+            <a:effectRef idx="0">
+              <a:schemeClr val="accent1"/>
+            </a:effectRef>
+            <a:fontRef idx="minor">
+              <a:schemeClr val="lt1"/>
+            </a:fontRef>
+          </p:style>
+          <p:txBody>
+            <a:bodyPr rtlCol="0" anchor="ctr"/>
+            <a:lstStyle/>
+            <a:p>
+              <a:pPr algn="ctr"/>
+              <a:endParaRPr lang="en-GB"/>
+            </a:p>
+          </p:txBody>
+        </p:sp>
+        <p:sp>
+          <p:nvSpPr>
+            <p:cNvPr id="67" name="Freeform 66">
+              <a:extLst>
+                <a:ext uri="{FF2B5EF4-FFF2-40B4-BE49-F238E27FC236}">
+                  <a16:creationId xmlns:a16="http://schemas.microsoft.com/office/drawing/2014/main" id="{35148722-B230-C249-9BCF-BD52F9F62966}"/>
+                </a:ext>
+              </a:extLst>
+            </p:cNvPr>
+            <p:cNvSpPr/>
+            <p:nvPr/>
+          </p:nvSpPr>
+          <p:spPr>
+            <a:xfrm rot="10800000">
+              <a:off x="3396082" y="3334573"/>
+              <a:ext cx="397411" cy="240457"/>
+            </a:xfrm>
+            <a:custGeom>
+              <a:avLst/>
+              <a:gdLst>
+                <a:gd name="connsiteX0" fmla="*/ 243405 w 397411"/>
+                <a:gd name="connsiteY0" fmla="*/ 240457 h 240457"/>
+                <a:gd name="connsiteX1" fmla="*/ 382064 w 397411"/>
+                <a:gd name="connsiteY1" fmla="*/ 187992 h 240457"/>
+                <a:gd name="connsiteX2" fmla="*/ 374569 w 397411"/>
+                <a:gd name="connsiteY2" fmla="*/ 79313 h 240457"/>
+                <a:gd name="connsiteX3" fmla="*/ 209678 w 397411"/>
+                <a:gd name="connsiteY3" fmla="*/ 615 h 240457"/>
+                <a:gd name="connsiteX4" fmla="*/ 3563 w 397411"/>
+                <a:gd name="connsiteY4" fmla="*/ 49333 h 240457"/>
+              </a:gdLst>
+              <a:ahLst/>
+              <a:cxnLst>
+                <a:cxn ang="0">
+                  <a:pos x="connsiteX0" y="connsiteY0"/>
+                </a:cxn>
+                <a:cxn ang="0">
+                  <a:pos x="connsiteX1" y="connsiteY1"/>
+                </a:cxn>
+                <a:cxn ang="0">
+                  <a:pos x="connsiteX2" y="connsiteY2"/>
+                </a:cxn>
+                <a:cxn ang="0">
+                  <a:pos x="connsiteX3" y="connsiteY3"/>
+                </a:cxn>
+                <a:cxn ang="0">
+                  <a:pos x="connsiteX4" y="connsiteY4"/>
+                </a:cxn>
+              </a:cxnLst>
+              <a:rect l="l" t="t" r="r" b="b"/>
+              <a:pathLst>
+                <a:path w="397411" h="240457">
+                  <a:moveTo>
+                    <a:pt x="243405" y="240457"/>
+                  </a:moveTo>
+                  <a:cubicBezTo>
+                    <a:pt x="301804" y="227653"/>
+                    <a:pt x="360203" y="214849"/>
+                    <a:pt x="382064" y="187992"/>
+                  </a:cubicBezTo>
+                  <a:cubicBezTo>
+                    <a:pt x="403925" y="161135"/>
+                    <a:pt x="403300" y="110542"/>
+                    <a:pt x="374569" y="79313"/>
+                  </a:cubicBezTo>
+                  <a:cubicBezTo>
+                    <a:pt x="345838" y="48083"/>
+                    <a:pt x="271512" y="5612"/>
+                    <a:pt x="209678" y="615"/>
+                  </a:cubicBezTo>
+                  <a:cubicBezTo>
+                    <a:pt x="147844" y="-4382"/>
+                    <a:pt x="-27042" y="21851"/>
+                    <a:pt x="3563" y="49333"/>
+                  </a:cubicBezTo>
+                </a:path>
+              </a:pathLst>
+            </a:custGeom>
+            <a:noFill/>
+            <a:ln w="25400">
+              <a:solidFill>
+                <a:schemeClr val="accent2"/>
+              </a:solidFill>
+            </a:ln>
+          </p:spPr>
+          <p:style>
+            <a:lnRef idx="2">
+              <a:schemeClr val="accent1">
+                <a:shade val="50000"/>
+              </a:schemeClr>
+            </a:lnRef>
+            <a:fillRef idx="1">
+              <a:schemeClr val="accent1"/>
+            </a:fillRef>
+            <a:effectRef idx="0">
+              <a:schemeClr val="accent1"/>
+            </a:effectRef>
+            <a:fontRef idx="minor">
+              <a:schemeClr val="lt1"/>
+            </a:fontRef>
+          </p:style>
+          <p:txBody>
+            <a:bodyPr rtlCol="0" anchor="ctr"/>
+            <a:lstStyle/>
+            <a:p>
+              <a:pPr algn="ctr"/>
+              <a:endParaRPr lang="en-GB"/>
+            </a:p>
+          </p:txBody>
+        </p:sp>
+      </p:grpSp>
+      <p:grpSp>
+        <p:nvGrpSpPr>
+          <p:cNvPr id="70" name="Group 69">
+            <a:extLst>
+              <a:ext uri="{FF2B5EF4-FFF2-40B4-BE49-F238E27FC236}">
+                <a16:creationId xmlns:a16="http://schemas.microsoft.com/office/drawing/2014/main" id="{8600D182-FE7A-944A-B035-653AE0F9A893}"/>
+              </a:ext>
+            </a:extLst>
+          </p:cNvPr>
+          <p:cNvGrpSpPr/>
+          <p:nvPr/>
+        </p:nvGrpSpPr>
+        <p:grpSpPr>
+          <a:xfrm>
+            <a:off x="3710512" y="2524999"/>
+            <a:ext cx="464432" cy="328689"/>
+            <a:chOff x="3329061" y="3246341"/>
+            <a:chExt cx="464432" cy="328689"/>
+          </a:xfrm>
+        </p:grpSpPr>
+        <p:sp>
+          <p:nvSpPr>
+            <p:cNvPr id="71" name="Oval 70">
+              <a:extLst>
+                <a:ext uri="{FF2B5EF4-FFF2-40B4-BE49-F238E27FC236}">
+                  <a16:creationId xmlns:a16="http://schemas.microsoft.com/office/drawing/2014/main" id="{7AA420BB-2519-1943-992F-FDAF4A8ABE6A}"/>
+                </a:ext>
+              </a:extLst>
+            </p:cNvPr>
+            <p:cNvSpPr/>
+            <p:nvPr/>
+          </p:nvSpPr>
+          <p:spPr>
+            <a:xfrm>
+              <a:off x="3426966" y="3336447"/>
+              <a:ext cx="248856" cy="150351"/>
+            </a:xfrm>
+            <a:prstGeom prst="ellipse">
+              <a:avLst/>
+            </a:prstGeom>
+            <a:noFill/>
+            <a:ln w="25400">
+              <a:solidFill>
+                <a:schemeClr val="accent2"/>
+              </a:solidFill>
+            </a:ln>
+          </p:spPr>
+          <p:style>
+            <a:lnRef idx="2">
+              <a:schemeClr val="accent1">
+                <a:shade val="50000"/>
+              </a:schemeClr>
+            </a:lnRef>
+            <a:fillRef idx="1">
+              <a:schemeClr val="accent1"/>
+            </a:fillRef>
+            <a:effectRef idx="0">
+              <a:schemeClr val="accent1"/>
+            </a:effectRef>
+            <a:fontRef idx="minor">
+              <a:schemeClr val="lt1"/>
+            </a:fontRef>
+          </p:style>
+          <p:txBody>
+            <a:bodyPr rtlCol="0" anchor="ctr"/>
+            <a:lstStyle/>
+            <a:p>
+              <a:pPr algn="ctr"/>
+              <a:endParaRPr lang="en-GB"/>
+            </a:p>
+          </p:txBody>
+        </p:sp>
+        <p:sp>
+          <p:nvSpPr>
+            <p:cNvPr id="73" name="Freeform 72">
+              <a:extLst>
+                <a:ext uri="{FF2B5EF4-FFF2-40B4-BE49-F238E27FC236}">
+                  <a16:creationId xmlns:a16="http://schemas.microsoft.com/office/drawing/2014/main" id="{44D08B4C-25D0-654B-8DEB-7A360E87E793}"/>
+                </a:ext>
+              </a:extLst>
+            </p:cNvPr>
+            <p:cNvSpPr/>
+            <p:nvPr/>
+          </p:nvSpPr>
+          <p:spPr>
+            <a:xfrm>
+              <a:off x="3329061" y="3246341"/>
+              <a:ext cx="397411" cy="240457"/>
+            </a:xfrm>
+            <a:custGeom>
+              <a:avLst/>
+              <a:gdLst>
+                <a:gd name="connsiteX0" fmla="*/ 243405 w 397411"/>
+                <a:gd name="connsiteY0" fmla="*/ 240457 h 240457"/>
+                <a:gd name="connsiteX1" fmla="*/ 382064 w 397411"/>
+                <a:gd name="connsiteY1" fmla="*/ 187992 h 240457"/>
+                <a:gd name="connsiteX2" fmla="*/ 374569 w 397411"/>
+                <a:gd name="connsiteY2" fmla="*/ 79313 h 240457"/>
+                <a:gd name="connsiteX3" fmla="*/ 209678 w 397411"/>
+                <a:gd name="connsiteY3" fmla="*/ 615 h 240457"/>
+                <a:gd name="connsiteX4" fmla="*/ 3563 w 397411"/>
+                <a:gd name="connsiteY4" fmla="*/ 49333 h 240457"/>
+              </a:gdLst>
+              <a:ahLst/>
+              <a:cxnLst>
+                <a:cxn ang="0">
+                  <a:pos x="connsiteX0" y="connsiteY0"/>
+                </a:cxn>
+                <a:cxn ang="0">
+                  <a:pos x="connsiteX1" y="connsiteY1"/>
+                </a:cxn>
+                <a:cxn ang="0">
+                  <a:pos x="connsiteX2" y="connsiteY2"/>
+                </a:cxn>
+                <a:cxn ang="0">
+                  <a:pos x="connsiteX3" y="connsiteY3"/>
+                </a:cxn>
+                <a:cxn ang="0">
+                  <a:pos x="connsiteX4" y="connsiteY4"/>
+                </a:cxn>
+              </a:cxnLst>
+              <a:rect l="l" t="t" r="r" b="b"/>
+              <a:pathLst>
+                <a:path w="397411" h="240457">
+                  <a:moveTo>
+                    <a:pt x="243405" y="240457"/>
+                  </a:moveTo>
+                  <a:cubicBezTo>
+                    <a:pt x="301804" y="227653"/>
+                    <a:pt x="360203" y="214849"/>
+                    <a:pt x="382064" y="187992"/>
+                  </a:cubicBezTo>
+                  <a:cubicBezTo>
+                    <a:pt x="403925" y="161135"/>
+                    <a:pt x="403300" y="110542"/>
+                    <a:pt x="374569" y="79313"/>
+                  </a:cubicBezTo>
+                  <a:cubicBezTo>
+                    <a:pt x="345838" y="48083"/>
+                    <a:pt x="271512" y="5612"/>
+                    <a:pt x="209678" y="615"/>
+                  </a:cubicBezTo>
+                  <a:cubicBezTo>
+                    <a:pt x="147844" y="-4382"/>
+                    <a:pt x="-27042" y="21851"/>
+                    <a:pt x="3563" y="49333"/>
+                  </a:cubicBezTo>
+                </a:path>
+              </a:pathLst>
+            </a:custGeom>
+            <a:noFill/>
+            <a:ln w="25400">
+              <a:solidFill>
+                <a:schemeClr val="accent2"/>
+              </a:solidFill>
+            </a:ln>
+          </p:spPr>
+          <p:style>
+            <a:lnRef idx="2">
+              <a:schemeClr val="accent1">
+                <a:shade val="50000"/>
+              </a:schemeClr>
+            </a:lnRef>
+            <a:fillRef idx="1">
+              <a:schemeClr val="accent1"/>
+            </a:fillRef>
+            <a:effectRef idx="0">
+              <a:schemeClr val="accent1"/>
+            </a:effectRef>
+            <a:fontRef idx="minor">
+              <a:schemeClr val="lt1"/>
+            </a:fontRef>
+          </p:style>
+          <p:txBody>
+            <a:bodyPr rtlCol="0" anchor="ctr"/>
+            <a:lstStyle/>
+            <a:p>
+              <a:pPr algn="ctr"/>
+              <a:endParaRPr lang="en-GB"/>
+            </a:p>
+          </p:txBody>
+        </p:sp>
+        <p:sp>
+          <p:nvSpPr>
+            <p:cNvPr id="74" name="Freeform 73">
+              <a:extLst>
+                <a:ext uri="{FF2B5EF4-FFF2-40B4-BE49-F238E27FC236}">
+                  <a16:creationId xmlns:a16="http://schemas.microsoft.com/office/drawing/2014/main" id="{3D4DB260-8168-A843-9F86-A4CE1F027D55}"/>
+                </a:ext>
+              </a:extLst>
+            </p:cNvPr>
+            <p:cNvSpPr/>
+            <p:nvPr/>
+          </p:nvSpPr>
+          <p:spPr>
+            <a:xfrm rot="10800000">
+              <a:off x="3396082" y="3334573"/>
+              <a:ext cx="397411" cy="240457"/>
+            </a:xfrm>
+            <a:custGeom>
+              <a:avLst/>
+              <a:gdLst>
+                <a:gd name="connsiteX0" fmla="*/ 243405 w 397411"/>
+                <a:gd name="connsiteY0" fmla="*/ 240457 h 240457"/>
+                <a:gd name="connsiteX1" fmla="*/ 382064 w 397411"/>
+                <a:gd name="connsiteY1" fmla="*/ 187992 h 240457"/>
+                <a:gd name="connsiteX2" fmla="*/ 374569 w 397411"/>
+                <a:gd name="connsiteY2" fmla="*/ 79313 h 240457"/>
+                <a:gd name="connsiteX3" fmla="*/ 209678 w 397411"/>
+                <a:gd name="connsiteY3" fmla="*/ 615 h 240457"/>
+                <a:gd name="connsiteX4" fmla="*/ 3563 w 397411"/>
+                <a:gd name="connsiteY4" fmla="*/ 49333 h 240457"/>
+              </a:gdLst>
+              <a:ahLst/>
+              <a:cxnLst>
+                <a:cxn ang="0">
+                  <a:pos x="connsiteX0" y="connsiteY0"/>
+                </a:cxn>
+                <a:cxn ang="0">
+                  <a:pos x="connsiteX1" y="connsiteY1"/>
+                </a:cxn>
+                <a:cxn ang="0">
+                  <a:pos x="connsiteX2" y="connsiteY2"/>
+                </a:cxn>
+                <a:cxn ang="0">
+                  <a:pos x="connsiteX3" y="connsiteY3"/>
+                </a:cxn>
+                <a:cxn ang="0">
+                  <a:pos x="connsiteX4" y="connsiteY4"/>
+                </a:cxn>
+              </a:cxnLst>
+              <a:rect l="l" t="t" r="r" b="b"/>
+              <a:pathLst>
+                <a:path w="397411" h="240457">
+                  <a:moveTo>
+                    <a:pt x="243405" y="240457"/>
+                  </a:moveTo>
+                  <a:cubicBezTo>
+                    <a:pt x="301804" y="227653"/>
+                    <a:pt x="360203" y="214849"/>
+                    <a:pt x="382064" y="187992"/>
+                  </a:cubicBezTo>
+                  <a:cubicBezTo>
+                    <a:pt x="403925" y="161135"/>
+                    <a:pt x="403300" y="110542"/>
+                    <a:pt x="374569" y="79313"/>
+                  </a:cubicBezTo>
+                  <a:cubicBezTo>
+                    <a:pt x="345838" y="48083"/>
+                    <a:pt x="271512" y="5612"/>
+                    <a:pt x="209678" y="615"/>
+                  </a:cubicBezTo>
+                  <a:cubicBezTo>
+                    <a:pt x="147844" y="-4382"/>
+                    <a:pt x="-27042" y="21851"/>
+                    <a:pt x="3563" y="49333"/>
+                  </a:cubicBezTo>
+                </a:path>
+              </a:pathLst>
+            </a:custGeom>
+            <a:noFill/>
+            <a:ln w="25400">
+              <a:solidFill>
+                <a:schemeClr val="accent2"/>
+              </a:solidFill>
+            </a:ln>
+          </p:spPr>
+          <p:style>
+            <a:lnRef idx="2">
+              <a:schemeClr val="accent1">
+                <a:shade val="50000"/>
+              </a:schemeClr>
+            </a:lnRef>
+            <a:fillRef idx="1">
+              <a:schemeClr val="accent1"/>
+            </a:fillRef>
+            <a:effectRef idx="0">
+              <a:schemeClr val="accent1"/>
+            </a:effectRef>
+            <a:fontRef idx="minor">
+              <a:schemeClr val="lt1"/>
+            </a:fontRef>
+          </p:style>
+          <p:txBody>
+            <a:bodyPr rtlCol="0" anchor="ctr"/>
+            <a:lstStyle/>
+            <a:p>
+              <a:pPr algn="ctr"/>
+              <a:endParaRPr lang="en-GB"/>
+            </a:p>
+          </p:txBody>
+        </p:sp>
+      </p:grpSp>
+      <p:grpSp>
+        <p:nvGrpSpPr>
+          <p:cNvPr id="76" name="Group 75">
+            <a:extLst>
+              <a:ext uri="{FF2B5EF4-FFF2-40B4-BE49-F238E27FC236}">
+                <a16:creationId xmlns:a16="http://schemas.microsoft.com/office/drawing/2014/main" id="{1590CA4C-1545-9841-B994-FC0434FA61F7}"/>
+              </a:ext>
+            </a:extLst>
+          </p:cNvPr>
+          <p:cNvGrpSpPr/>
+          <p:nvPr/>
+        </p:nvGrpSpPr>
+        <p:grpSpPr>
+          <a:xfrm>
+            <a:off x="4078907" y="2592970"/>
+            <a:ext cx="464432" cy="328689"/>
+            <a:chOff x="3329061" y="3246341"/>
+            <a:chExt cx="464432" cy="328689"/>
+          </a:xfrm>
+        </p:grpSpPr>
+        <p:sp>
+          <p:nvSpPr>
+            <p:cNvPr id="77" name="Oval 76">
+              <a:extLst>
+                <a:ext uri="{FF2B5EF4-FFF2-40B4-BE49-F238E27FC236}">
+                  <a16:creationId xmlns:a16="http://schemas.microsoft.com/office/drawing/2014/main" id="{0DCB4441-5C14-6B4C-A633-12C27F4899E2}"/>
+                </a:ext>
+              </a:extLst>
+            </p:cNvPr>
+            <p:cNvSpPr/>
+            <p:nvPr/>
+          </p:nvSpPr>
+          <p:spPr>
+            <a:xfrm>
+              <a:off x="3426966" y="3336447"/>
+              <a:ext cx="248856" cy="150351"/>
+            </a:xfrm>
+            <a:prstGeom prst="ellipse">
+              <a:avLst/>
+            </a:prstGeom>
+            <a:noFill/>
+            <a:ln w="25400">
+              <a:solidFill>
+                <a:schemeClr val="accent2"/>
+              </a:solidFill>
+            </a:ln>
+          </p:spPr>
+          <p:style>
+            <a:lnRef idx="2">
+              <a:schemeClr val="accent1">
+                <a:shade val="50000"/>
+              </a:schemeClr>
+            </a:lnRef>
+            <a:fillRef idx="1">
+              <a:schemeClr val="accent1"/>
+            </a:fillRef>
+            <a:effectRef idx="0">
+              <a:schemeClr val="accent1"/>
+            </a:effectRef>
+            <a:fontRef idx="minor">
+              <a:schemeClr val="lt1"/>
+            </a:fontRef>
+          </p:style>
+          <p:txBody>
+            <a:bodyPr rtlCol="0" anchor="ctr"/>
+            <a:lstStyle/>
+            <a:p>
+              <a:pPr algn="ctr"/>
+              <a:endParaRPr lang="en-GB"/>
+            </a:p>
+          </p:txBody>
+        </p:sp>
+        <p:sp>
+          <p:nvSpPr>
+            <p:cNvPr id="78" name="Freeform 77">
+              <a:extLst>
+                <a:ext uri="{FF2B5EF4-FFF2-40B4-BE49-F238E27FC236}">
+                  <a16:creationId xmlns:a16="http://schemas.microsoft.com/office/drawing/2014/main" id="{AE367DEC-6482-1748-9977-24A5E66911AF}"/>
+                </a:ext>
+              </a:extLst>
+            </p:cNvPr>
+            <p:cNvSpPr/>
+            <p:nvPr/>
+          </p:nvSpPr>
+          <p:spPr>
+            <a:xfrm>
+              <a:off x="3329061" y="3246341"/>
+              <a:ext cx="397411" cy="240457"/>
+            </a:xfrm>
+            <a:custGeom>
+              <a:avLst/>
+              <a:gdLst>
+                <a:gd name="connsiteX0" fmla="*/ 243405 w 397411"/>
+                <a:gd name="connsiteY0" fmla="*/ 240457 h 240457"/>
+                <a:gd name="connsiteX1" fmla="*/ 382064 w 397411"/>
+                <a:gd name="connsiteY1" fmla="*/ 187992 h 240457"/>
+                <a:gd name="connsiteX2" fmla="*/ 374569 w 397411"/>
+                <a:gd name="connsiteY2" fmla="*/ 79313 h 240457"/>
+                <a:gd name="connsiteX3" fmla="*/ 209678 w 397411"/>
+                <a:gd name="connsiteY3" fmla="*/ 615 h 240457"/>
+                <a:gd name="connsiteX4" fmla="*/ 3563 w 397411"/>
+                <a:gd name="connsiteY4" fmla="*/ 49333 h 240457"/>
+              </a:gdLst>
+              <a:ahLst/>
+              <a:cxnLst>
+                <a:cxn ang="0">
+                  <a:pos x="connsiteX0" y="connsiteY0"/>
+                </a:cxn>
+                <a:cxn ang="0">
+                  <a:pos x="connsiteX1" y="connsiteY1"/>
+                </a:cxn>
+                <a:cxn ang="0">
+                  <a:pos x="connsiteX2" y="connsiteY2"/>
+                </a:cxn>
+                <a:cxn ang="0">
+                  <a:pos x="connsiteX3" y="connsiteY3"/>
+                </a:cxn>
+                <a:cxn ang="0">
+                  <a:pos x="connsiteX4" y="connsiteY4"/>
+                </a:cxn>
+              </a:cxnLst>
+              <a:rect l="l" t="t" r="r" b="b"/>
+              <a:pathLst>
+                <a:path w="397411" h="240457">
+                  <a:moveTo>
+                    <a:pt x="243405" y="240457"/>
+                  </a:moveTo>
+                  <a:cubicBezTo>
+                    <a:pt x="301804" y="227653"/>
+                    <a:pt x="360203" y="214849"/>
+                    <a:pt x="382064" y="187992"/>
+                  </a:cubicBezTo>
+                  <a:cubicBezTo>
+                    <a:pt x="403925" y="161135"/>
+                    <a:pt x="403300" y="110542"/>
+                    <a:pt x="374569" y="79313"/>
+                  </a:cubicBezTo>
+                  <a:cubicBezTo>
+                    <a:pt x="345838" y="48083"/>
+                    <a:pt x="271512" y="5612"/>
+                    <a:pt x="209678" y="615"/>
+                  </a:cubicBezTo>
+                  <a:cubicBezTo>
+                    <a:pt x="147844" y="-4382"/>
+                    <a:pt x="-27042" y="21851"/>
+                    <a:pt x="3563" y="49333"/>
+                  </a:cubicBezTo>
+                </a:path>
+              </a:pathLst>
+            </a:custGeom>
+            <a:noFill/>
+            <a:ln w="25400">
+              <a:solidFill>
+                <a:schemeClr val="accent2"/>
+              </a:solidFill>
+            </a:ln>
+          </p:spPr>
+          <p:style>
+            <a:lnRef idx="2">
+              <a:schemeClr val="accent1">
+                <a:shade val="50000"/>
+              </a:schemeClr>
+            </a:lnRef>
+            <a:fillRef idx="1">
+              <a:schemeClr val="accent1"/>
+            </a:fillRef>
+            <a:effectRef idx="0">
+              <a:schemeClr val="accent1"/>
+            </a:effectRef>
+            <a:fontRef idx="minor">
+              <a:schemeClr val="lt1"/>
+            </a:fontRef>
+          </p:style>
+          <p:txBody>
+            <a:bodyPr rtlCol="0" anchor="ctr"/>
+            <a:lstStyle/>
+            <a:p>
+              <a:pPr algn="ctr"/>
+              <a:endParaRPr lang="en-GB"/>
+            </a:p>
+          </p:txBody>
+        </p:sp>
+        <p:sp>
+          <p:nvSpPr>
+            <p:cNvPr id="79" name="Freeform 78">
+              <a:extLst>
+                <a:ext uri="{FF2B5EF4-FFF2-40B4-BE49-F238E27FC236}">
+                  <a16:creationId xmlns:a16="http://schemas.microsoft.com/office/drawing/2014/main" id="{4046AE40-4E2D-684D-8C06-81194DBFF123}"/>
+                </a:ext>
+              </a:extLst>
+            </p:cNvPr>
+            <p:cNvSpPr/>
+            <p:nvPr/>
+          </p:nvSpPr>
+          <p:spPr>
+            <a:xfrm rot="10800000">
+              <a:off x="3396082" y="3334573"/>
+              <a:ext cx="397411" cy="240457"/>
+            </a:xfrm>
+            <a:custGeom>
+              <a:avLst/>
+              <a:gdLst>
+                <a:gd name="connsiteX0" fmla="*/ 243405 w 397411"/>
+                <a:gd name="connsiteY0" fmla="*/ 240457 h 240457"/>
+                <a:gd name="connsiteX1" fmla="*/ 382064 w 397411"/>
+                <a:gd name="connsiteY1" fmla="*/ 187992 h 240457"/>
+                <a:gd name="connsiteX2" fmla="*/ 374569 w 397411"/>
+                <a:gd name="connsiteY2" fmla="*/ 79313 h 240457"/>
+                <a:gd name="connsiteX3" fmla="*/ 209678 w 397411"/>
+                <a:gd name="connsiteY3" fmla="*/ 615 h 240457"/>
+                <a:gd name="connsiteX4" fmla="*/ 3563 w 397411"/>
+                <a:gd name="connsiteY4" fmla="*/ 49333 h 240457"/>
+              </a:gdLst>
+              <a:ahLst/>
+              <a:cxnLst>
+                <a:cxn ang="0">
+                  <a:pos x="connsiteX0" y="connsiteY0"/>
+                </a:cxn>
+                <a:cxn ang="0">
+                  <a:pos x="connsiteX1" y="connsiteY1"/>
+                </a:cxn>
+                <a:cxn ang="0">
+                  <a:pos x="connsiteX2" y="connsiteY2"/>
+                </a:cxn>
+                <a:cxn ang="0">
+                  <a:pos x="connsiteX3" y="connsiteY3"/>
+                </a:cxn>
+                <a:cxn ang="0">
+                  <a:pos x="connsiteX4" y="connsiteY4"/>
+                </a:cxn>
+              </a:cxnLst>
+              <a:rect l="l" t="t" r="r" b="b"/>
+              <a:pathLst>
+                <a:path w="397411" h="240457">
+                  <a:moveTo>
+                    <a:pt x="243405" y="240457"/>
+                  </a:moveTo>
+                  <a:cubicBezTo>
+                    <a:pt x="301804" y="227653"/>
+                    <a:pt x="360203" y="214849"/>
+                    <a:pt x="382064" y="187992"/>
+                  </a:cubicBezTo>
+                  <a:cubicBezTo>
+                    <a:pt x="403925" y="161135"/>
+                    <a:pt x="403300" y="110542"/>
+                    <a:pt x="374569" y="79313"/>
+                  </a:cubicBezTo>
+                  <a:cubicBezTo>
+                    <a:pt x="345838" y="48083"/>
+                    <a:pt x="271512" y="5612"/>
+                    <a:pt x="209678" y="615"/>
+                  </a:cubicBezTo>
+                  <a:cubicBezTo>
+                    <a:pt x="147844" y="-4382"/>
+                    <a:pt x="-27042" y="21851"/>
+                    <a:pt x="3563" y="49333"/>
+                  </a:cubicBezTo>
+                </a:path>
+              </a:pathLst>
+            </a:custGeom>
+            <a:noFill/>
+            <a:ln w="25400">
+              <a:solidFill>
+                <a:schemeClr val="accent2"/>
+              </a:solidFill>
+            </a:ln>
+          </p:spPr>
+          <p:style>
+            <a:lnRef idx="2">
+              <a:schemeClr val="accent1">
+                <a:shade val="50000"/>
+              </a:schemeClr>
+            </a:lnRef>
+            <a:fillRef idx="1">
+              <a:schemeClr val="accent1"/>
+            </a:fillRef>
+            <a:effectRef idx="0">
+              <a:schemeClr val="accent1"/>
+            </a:effectRef>
+            <a:fontRef idx="minor">
+              <a:schemeClr val="lt1"/>
+            </a:fontRef>
+          </p:style>
+          <p:txBody>
+            <a:bodyPr rtlCol="0" anchor="ctr"/>
+            <a:lstStyle/>
+            <a:p>
+              <a:pPr algn="ctr"/>
+              <a:endParaRPr lang="en-GB"/>
+            </a:p>
+          </p:txBody>
+        </p:sp>
+      </p:grpSp>
+      <p:grpSp>
+        <p:nvGrpSpPr>
+          <p:cNvPr id="80" name="Group 79">
+            <a:extLst>
+              <a:ext uri="{FF2B5EF4-FFF2-40B4-BE49-F238E27FC236}">
+                <a16:creationId xmlns:a16="http://schemas.microsoft.com/office/drawing/2014/main" id="{90B31AEE-FC93-674B-8692-DFA7AB7C9966}"/>
+              </a:ext>
+            </a:extLst>
+          </p:cNvPr>
+          <p:cNvGrpSpPr/>
+          <p:nvPr/>
+        </p:nvGrpSpPr>
+        <p:grpSpPr>
+          <a:xfrm>
+            <a:off x="3686120" y="2793620"/>
+            <a:ext cx="464432" cy="328689"/>
+            <a:chOff x="3329061" y="3246341"/>
+            <a:chExt cx="464432" cy="328689"/>
+          </a:xfrm>
+        </p:grpSpPr>
+        <p:sp>
+          <p:nvSpPr>
+            <p:cNvPr id="81" name="Oval 80">
+              <a:extLst>
+                <a:ext uri="{FF2B5EF4-FFF2-40B4-BE49-F238E27FC236}">
+                  <a16:creationId xmlns:a16="http://schemas.microsoft.com/office/drawing/2014/main" id="{E3532C33-9A26-C44E-B040-A552042BC581}"/>
+                </a:ext>
+              </a:extLst>
+            </p:cNvPr>
+            <p:cNvSpPr/>
+            <p:nvPr/>
+          </p:nvSpPr>
+          <p:spPr>
+            <a:xfrm>
+              <a:off x="3426966" y="3336447"/>
+              <a:ext cx="248856" cy="150351"/>
+            </a:xfrm>
+            <a:prstGeom prst="ellipse">
+              <a:avLst/>
+            </a:prstGeom>
+            <a:noFill/>
+            <a:ln w="25400">
+              <a:solidFill>
+                <a:schemeClr val="accent2"/>
+              </a:solidFill>
+            </a:ln>
+          </p:spPr>
+          <p:style>
+            <a:lnRef idx="2">
+              <a:schemeClr val="accent1">
+                <a:shade val="50000"/>
+              </a:schemeClr>
+            </a:lnRef>
+            <a:fillRef idx="1">
+              <a:schemeClr val="accent1"/>
+            </a:fillRef>
+            <a:effectRef idx="0">
+              <a:schemeClr val="accent1"/>
+            </a:effectRef>
+            <a:fontRef idx="minor">
+              <a:schemeClr val="lt1"/>
+            </a:fontRef>
+          </p:style>
+          <p:txBody>
+            <a:bodyPr rtlCol="0" anchor="ctr"/>
+            <a:lstStyle/>
+            <a:p>
+              <a:pPr algn="ctr"/>
+              <a:endParaRPr lang="en-GB"/>
+            </a:p>
+          </p:txBody>
+        </p:sp>
+        <p:sp>
+          <p:nvSpPr>
+            <p:cNvPr id="82" name="Freeform 81">
+              <a:extLst>
+                <a:ext uri="{FF2B5EF4-FFF2-40B4-BE49-F238E27FC236}">
+                  <a16:creationId xmlns:a16="http://schemas.microsoft.com/office/drawing/2014/main" id="{5081B492-5326-B742-9D68-D3EDD53C1536}"/>
+                </a:ext>
+              </a:extLst>
+            </p:cNvPr>
+            <p:cNvSpPr/>
+            <p:nvPr/>
+          </p:nvSpPr>
+          <p:spPr>
+            <a:xfrm>
+              <a:off x="3329061" y="3246341"/>
+              <a:ext cx="397411" cy="240457"/>
+            </a:xfrm>
+            <a:custGeom>
+              <a:avLst/>
+              <a:gdLst>
+                <a:gd name="connsiteX0" fmla="*/ 243405 w 397411"/>
+                <a:gd name="connsiteY0" fmla="*/ 240457 h 240457"/>
+                <a:gd name="connsiteX1" fmla="*/ 382064 w 397411"/>
+                <a:gd name="connsiteY1" fmla="*/ 187992 h 240457"/>
+                <a:gd name="connsiteX2" fmla="*/ 374569 w 397411"/>
+                <a:gd name="connsiteY2" fmla="*/ 79313 h 240457"/>
+                <a:gd name="connsiteX3" fmla="*/ 209678 w 397411"/>
+                <a:gd name="connsiteY3" fmla="*/ 615 h 240457"/>
+                <a:gd name="connsiteX4" fmla="*/ 3563 w 397411"/>
+                <a:gd name="connsiteY4" fmla="*/ 49333 h 240457"/>
+              </a:gdLst>
+              <a:ahLst/>
+              <a:cxnLst>
+                <a:cxn ang="0">
+                  <a:pos x="connsiteX0" y="connsiteY0"/>
+                </a:cxn>
+                <a:cxn ang="0">
+                  <a:pos x="connsiteX1" y="connsiteY1"/>
+                </a:cxn>
+                <a:cxn ang="0">
+                  <a:pos x="connsiteX2" y="connsiteY2"/>
+                </a:cxn>
+                <a:cxn ang="0">
+                  <a:pos x="connsiteX3" y="connsiteY3"/>
+                </a:cxn>
+                <a:cxn ang="0">
+                  <a:pos x="connsiteX4" y="connsiteY4"/>
+                </a:cxn>
+              </a:cxnLst>
+              <a:rect l="l" t="t" r="r" b="b"/>
+              <a:pathLst>
+                <a:path w="397411" h="240457">
+                  <a:moveTo>
+                    <a:pt x="243405" y="240457"/>
+                  </a:moveTo>
+                  <a:cubicBezTo>
+                    <a:pt x="301804" y="227653"/>
+                    <a:pt x="360203" y="214849"/>
+                    <a:pt x="382064" y="187992"/>
+                  </a:cubicBezTo>
+                  <a:cubicBezTo>
+                    <a:pt x="403925" y="161135"/>
+                    <a:pt x="403300" y="110542"/>
+                    <a:pt x="374569" y="79313"/>
+                  </a:cubicBezTo>
+                  <a:cubicBezTo>
+                    <a:pt x="345838" y="48083"/>
+                    <a:pt x="271512" y="5612"/>
+                    <a:pt x="209678" y="615"/>
+                  </a:cubicBezTo>
+                  <a:cubicBezTo>
+                    <a:pt x="147844" y="-4382"/>
+                    <a:pt x="-27042" y="21851"/>
+                    <a:pt x="3563" y="49333"/>
+                  </a:cubicBezTo>
+                </a:path>
+              </a:pathLst>
+            </a:custGeom>
+            <a:noFill/>
+            <a:ln w="25400">
+              <a:solidFill>
+                <a:schemeClr val="accent2"/>
+              </a:solidFill>
+            </a:ln>
+          </p:spPr>
+          <p:style>
+            <a:lnRef idx="2">
+              <a:schemeClr val="accent1">
+                <a:shade val="50000"/>
+              </a:schemeClr>
+            </a:lnRef>
+            <a:fillRef idx="1">
+              <a:schemeClr val="accent1"/>
+            </a:fillRef>
+            <a:effectRef idx="0">
+              <a:schemeClr val="accent1"/>
+            </a:effectRef>
+            <a:fontRef idx="minor">
+              <a:schemeClr val="lt1"/>
+            </a:fontRef>
+          </p:style>
+          <p:txBody>
+            <a:bodyPr rtlCol="0" anchor="ctr"/>
+            <a:lstStyle/>
+            <a:p>
+              <a:pPr algn="ctr"/>
+              <a:endParaRPr lang="en-GB"/>
+            </a:p>
+          </p:txBody>
+        </p:sp>
+        <p:sp>
+          <p:nvSpPr>
+            <p:cNvPr id="84" name="Freeform 83">
+              <a:extLst>
+                <a:ext uri="{FF2B5EF4-FFF2-40B4-BE49-F238E27FC236}">
+                  <a16:creationId xmlns:a16="http://schemas.microsoft.com/office/drawing/2014/main" id="{83F17E2A-9C04-C94D-87FA-EB3EE2EFCE6F}"/>
+                </a:ext>
+              </a:extLst>
+            </p:cNvPr>
+            <p:cNvSpPr/>
+            <p:nvPr/>
+          </p:nvSpPr>
+          <p:spPr>
+            <a:xfrm rot="10800000">
+              <a:off x="3396082" y="3334573"/>
+              <a:ext cx="397411" cy="240457"/>
+            </a:xfrm>
+            <a:custGeom>
+              <a:avLst/>
+              <a:gdLst>
+                <a:gd name="connsiteX0" fmla="*/ 243405 w 397411"/>
+                <a:gd name="connsiteY0" fmla="*/ 240457 h 240457"/>
+                <a:gd name="connsiteX1" fmla="*/ 382064 w 397411"/>
+                <a:gd name="connsiteY1" fmla="*/ 187992 h 240457"/>
+                <a:gd name="connsiteX2" fmla="*/ 374569 w 397411"/>
+                <a:gd name="connsiteY2" fmla="*/ 79313 h 240457"/>
+                <a:gd name="connsiteX3" fmla="*/ 209678 w 397411"/>
+                <a:gd name="connsiteY3" fmla="*/ 615 h 240457"/>
+                <a:gd name="connsiteX4" fmla="*/ 3563 w 397411"/>
+                <a:gd name="connsiteY4" fmla="*/ 49333 h 240457"/>
+              </a:gdLst>
+              <a:ahLst/>
+              <a:cxnLst>
+                <a:cxn ang="0">
+                  <a:pos x="connsiteX0" y="connsiteY0"/>
+                </a:cxn>
+                <a:cxn ang="0">
+                  <a:pos x="connsiteX1" y="connsiteY1"/>
+                </a:cxn>
+                <a:cxn ang="0">
+                  <a:pos x="connsiteX2" y="connsiteY2"/>
+                </a:cxn>
+                <a:cxn ang="0">
+                  <a:pos x="connsiteX3" y="connsiteY3"/>
+                </a:cxn>
+                <a:cxn ang="0">
+                  <a:pos x="connsiteX4" y="connsiteY4"/>
+                </a:cxn>
+              </a:cxnLst>
+              <a:rect l="l" t="t" r="r" b="b"/>
+              <a:pathLst>
+                <a:path w="397411" h="240457">
+                  <a:moveTo>
+                    <a:pt x="243405" y="240457"/>
+                  </a:moveTo>
+                  <a:cubicBezTo>
+                    <a:pt x="301804" y="227653"/>
+                    <a:pt x="360203" y="214849"/>
+                    <a:pt x="382064" y="187992"/>
+                  </a:cubicBezTo>
+                  <a:cubicBezTo>
+                    <a:pt x="403925" y="161135"/>
+                    <a:pt x="403300" y="110542"/>
+                    <a:pt x="374569" y="79313"/>
+                  </a:cubicBezTo>
+                  <a:cubicBezTo>
+                    <a:pt x="345838" y="48083"/>
+                    <a:pt x="271512" y="5612"/>
+                    <a:pt x="209678" y="615"/>
+                  </a:cubicBezTo>
+                  <a:cubicBezTo>
+                    <a:pt x="147844" y="-4382"/>
+                    <a:pt x="-27042" y="21851"/>
+                    <a:pt x="3563" y="49333"/>
+                  </a:cubicBezTo>
+                </a:path>
+              </a:pathLst>
+            </a:custGeom>
+            <a:noFill/>
+            <a:ln w="25400">
+              <a:solidFill>
+                <a:schemeClr val="accent2"/>
+              </a:solidFill>
+            </a:ln>
+          </p:spPr>
+          <p:style>
+            <a:lnRef idx="2">
+              <a:schemeClr val="accent1">
+                <a:shade val="50000"/>
+              </a:schemeClr>
+            </a:lnRef>
+            <a:fillRef idx="1">
+              <a:schemeClr val="accent1"/>
+            </a:fillRef>
+            <a:effectRef idx="0">
+              <a:schemeClr val="accent1"/>
+            </a:effectRef>
+            <a:fontRef idx="minor">
+              <a:schemeClr val="lt1"/>
+            </a:fontRef>
+          </p:style>
+          <p:txBody>
+            <a:bodyPr rtlCol="0" anchor="ctr"/>
+            <a:lstStyle/>
+            <a:p>
+              <a:pPr algn="ctr"/>
+              <a:endParaRPr lang="en-GB"/>
+            </a:p>
+          </p:txBody>
+        </p:sp>
+      </p:grpSp>
+      <p:grpSp>
+        <p:nvGrpSpPr>
+          <p:cNvPr id="85" name="Group 84">
+            <a:extLst>
+              <a:ext uri="{FF2B5EF4-FFF2-40B4-BE49-F238E27FC236}">
+                <a16:creationId xmlns:a16="http://schemas.microsoft.com/office/drawing/2014/main" id="{1043391C-60F3-E24B-A2AE-DC5D426715A7}"/>
+              </a:ext>
+            </a:extLst>
+          </p:cNvPr>
+          <p:cNvGrpSpPr/>
+          <p:nvPr/>
+        </p:nvGrpSpPr>
+        <p:grpSpPr>
+          <a:xfrm>
+            <a:off x="3873877" y="2696921"/>
+            <a:ext cx="464432" cy="328689"/>
+            <a:chOff x="3329061" y="3246341"/>
+            <a:chExt cx="464432" cy="328689"/>
+          </a:xfrm>
+        </p:grpSpPr>
+        <p:sp>
+          <p:nvSpPr>
+            <p:cNvPr id="86" name="Oval 85">
+              <a:extLst>
+                <a:ext uri="{FF2B5EF4-FFF2-40B4-BE49-F238E27FC236}">
+                  <a16:creationId xmlns:a16="http://schemas.microsoft.com/office/drawing/2014/main" id="{F1E9B4DA-3AC2-1F44-AE58-7C75433E20DD}"/>
+                </a:ext>
+              </a:extLst>
+            </p:cNvPr>
+            <p:cNvSpPr/>
+            <p:nvPr/>
+          </p:nvSpPr>
+          <p:spPr>
+            <a:xfrm>
+              <a:off x="3426966" y="3336447"/>
+              <a:ext cx="248856" cy="150351"/>
+            </a:xfrm>
+            <a:prstGeom prst="ellipse">
+              <a:avLst/>
+            </a:prstGeom>
+            <a:noFill/>
+            <a:ln w="25400">
+              <a:solidFill>
+                <a:schemeClr val="accent2"/>
+              </a:solidFill>
+            </a:ln>
+          </p:spPr>
+          <p:style>
+            <a:lnRef idx="2">
+              <a:schemeClr val="accent1">
+                <a:shade val="50000"/>
+              </a:schemeClr>
+            </a:lnRef>
+            <a:fillRef idx="1">
+              <a:schemeClr val="accent1"/>
+            </a:fillRef>
+            <a:effectRef idx="0">
+              <a:schemeClr val="accent1"/>
+            </a:effectRef>
+            <a:fontRef idx="minor">
+              <a:schemeClr val="lt1"/>
+            </a:fontRef>
+          </p:style>
+          <p:txBody>
+            <a:bodyPr rtlCol="0" anchor="ctr"/>
+            <a:lstStyle/>
+            <a:p>
+              <a:pPr algn="ctr"/>
+              <a:endParaRPr lang="en-GB"/>
+            </a:p>
+          </p:txBody>
+        </p:sp>
+        <p:sp>
+          <p:nvSpPr>
+            <p:cNvPr id="87" name="Freeform 86">
+              <a:extLst>
+                <a:ext uri="{FF2B5EF4-FFF2-40B4-BE49-F238E27FC236}">
+                  <a16:creationId xmlns:a16="http://schemas.microsoft.com/office/drawing/2014/main" id="{8AF7654A-B5B9-B74D-B6F9-C0DC166A1D0B}"/>
+                </a:ext>
+              </a:extLst>
+            </p:cNvPr>
+            <p:cNvSpPr/>
+            <p:nvPr/>
+          </p:nvSpPr>
+          <p:spPr>
+            <a:xfrm>
+              <a:off x="3329061" y="3246341"/>
+              <a:ext cx="397411" cy="240457"/>
+            </a:xfrm>
+            <a:custGeom>
+              <a:avLst/>
+              <a:gdLst>
+                <a:gd name="connsiteX0" fmla="*/ 243405 w 397411"/>
+                <a:gd name="connsiteY0" fmla="*/ 240457 h 240457"/>
+                <a:gd name="connsiteX1" fmla="*/ 382064 w 397411"/>
+                <a:gd name="connsiteY1" fmla="*/ 187992 h 240457"/>
+                <a:gd name="connsiteX2" fmla="*/ 374569 w 397411"/>
+                <a:gd name="connsiteY2" fmla="*/ 79313 h 240457"/>
+                <a:gd name="connsiteX3" fmla="*/ 209678 w 397411"/>
+                <a:gd name="connsiteY3" fmla="*/ 615 h 240457"/>
+                <a:gd name="connsiteX4" fmla="*/ 3563 w 397411"/>
+                <a:gd name="connsiteY4" fmla="*/ 49333 h 240457"/>
+              </a:gdLst>
+              <a:ahLst/>
+              <a:cxnLst>
+                <a:cxn ang="0">
+                  <a:pos x="connsiteX0" y="connsiteY0"/>
+                </a:cxn>
+                <a:cxn ang="0">
+                  <a:pos x="connsiteX1" y="connsiteY1"/>
+                </a:cxn>
+                <a:cxn ang="0">
+                  <a:pos x="connsiteX2" y="connsiteY2"/>
+                </a:cxn>
+                <a:cxn ang="0">
+                  <a:pos x="connsiteX3" y="connsiteY3"/>
+                </a:cxn>
+                <a:cxn ang="0">
+                  <a:pos x="connsiteX4" y="connsiteY4"/>
+                </a:cxn>
+              </a:cxnLst>
+              <a:rect l="l" t="t" r="r" b="b"/>
+              <a:pathLst>
+                <a:path w="397411" h="240457">
+                  <a:moveTo>
+                    <a:pt x="243405" y="240457"/>
+                  </a:moveTo>
+                  <a:cubicBezTo>
+                    <a:pt x="301804" y="227653"/>
+                    <a:pt x="360203" y="214849"/>
+                    <a:pt x="382064" y="187992"/>
+                  </a:cubicBezTo>
+                  <a:cubicBezTo>
+                    <a:pt x="403925" y="161135"/>
+                    <a:pt x="403300" y="110542"/>
+                    <a:pt x="374569" y="79313"/>
+                  </a:cubicBezTo>
+                  <a:cubicBezTo>
+                    <a:pt x="345838" y="48083"/>
+                    <a:pt x="271512" y="5612"/>
+                    <a:pt x="209678" y="615"/>
+                  </a:cubicBezTo>
+                  <a:cubicBezTo>
+                    <a:pt x="147844" y="-4382"/>
+                    <a:pt x="-27042" y="21851"/>
+                    <a:pt x="3563" y="49333"/>
+                  </a:cubicBezTo>
+                </a:path>
+              </a:pathLst>
+            </a:custGeom>
+            <a:noFill/>
+            <a:ln w="25400">
+              <a:solidFill>
+                <a:schemeClr val="accent2"/>
+              </a:solidFill>
+            </a:ln>
+          </p:spPr>
+          <p:style>
+            <a:lnRef idx="2">
+              <a:schemeClr val="accent1">
+                <a:shade val="50000"/>
+              </a:schemeClr>
+            </a:lnRef>
+            <a:fillRef idx="1">
+              <a:schemeClr val="accent1"/>
+            </a:fillRef>
+            <a:effectRef idx="0">
+              <a:schemeClr val="accent1"/>
+            </a:effectRef>
+            <a:fontRef idx="minor">
+              <a:schemeClr val="lt1"/>
+            </a:fontRef>
+          </p:style>
+          <p:txBody>
+            <a:bodyPr rtlCol="0" anchor="ctr"/>
+            <a:lstStyle/>
+            <a:p>
+              <a:pPr algn="ctr"/>
+              <a:endParaRPr lang="en-GB"/>
+            </a:p>
+          </p:txBody>
+        </p:sp>
+        <p:sp>
+          <p:nvSpPr>
+            <p:cNvPr id="88" name="Freeform 87">
+              <a:extLst>
+                <a:ext uri="{FF2B5EF4-FFF2-40B4-BE49-F238E27FC236}">
+                  <a16:creationId xmlns:a16="http://schemas.microsoft.com/office/drawing/2014/main" id="{D1A47C8D-F8F6-CA44-8F5F-70272ADAB86C}"/>
+                </a:ext>
+              </a:extLst>
+            </p:cNvPr>
+            <p:cNvSpPr/>
+            <p:nvPr/>
+          </p:nvSpPr>
+          <p:spPr>
+            <a:xfrm rot="10800000">
+              <a:off x="3396082" y="3334573"/>
+              <a:ext cx="397411" cy="240457"/>
+            </a:xfrm>
+            <a:custGeom>
+              <a:avLst/>
+              <a:gdLst>
+                <a:gd name="connsiteX0" fmla="*/ 243405 w 397411"/>
+                <a:gd name="connsiteY0" fmla="*/ 240457 h 240457"/>
+                <a:gd name="connsiteX1" fmla="*/ 382064 w 397411"/>
+                <a:gd name="connsiteY1" fmla="*/ 187992 h 240457"/>
+                <a:gd name="connsiteX2" fmla="*/ 374569 w 397411"/>
+                <a:gd name="connsiteY2" fmla="*/ 79313 h 240457"/>
+                <a:gd name="connsiteX3" fmla="*/ 209678 w 397411"/>
+                <a:gd name="connsiteY3" fmla="*/ 615 h 240457"/>
+                <a:gd name="connsiteX4" fmla="*/ 3563 w 397411"/>
+                <a:gd name="connsiteY4" fmla="*/ 49333 h 240457"/>
+              </a:gdLst>
+              <a:ahLst/>
+              <a:cxnLst>
+                <a:cxn ang="0">
+                  <a:pos x="connsiteX0" y="connsiteY0"/>
+                </a:cxn>
+                <a:cxn ang="0">
+                  <a:pos x="connsiteX1" y="connsiteY1"/>
+                </a:cxn>
+                <a:cxn ang="0">
+                  <a:pos x="connsiteX2" y="connsiteY2"/>
+                </a:cxn>
+                <a:cxn ang="0">
+                  <a:pos x="connsiteX3" y="connsiteY3"/>
+                </a:cxn>
+                <a:cxn ang="0">
+                  <a:pos x="connsiteX4" y="connsiteY4"/>
+                </a:cxn>
+              </a:cxnLst>
+              <a:rect l="l" t="t" r="r" b="b"/>
+              <a:pathLst>
+                <a:path w="397411" h="240457">
+                  <a:moveTo>
+                    <a:pt x="243405" y="240457"/>
+                  </a:moveTo>
+                  <a:cubicBezTo>
+                    <a:pt x="301804" y="227653"/>
+                    <a:pt x="360203" y="214849"/>
+                    <a:pt x="382064" y="187992"/>
+                  </a:cubicBezTo>
+                  <a:cubicBezTo>
+                    <a:pt x="403925" y="161135"/>
+                    <a:pt x="403300" y="110542"/>
+                    <a:pt x="374569" y="79313"/>
+                  </a:cubicBezTo>
+                  <a:cubicBezTo>
+                    <a:pt x="345838" y="48083"/>
+                    <a:pt x="271512" y="5612"/>
+                    <a:pt x="209678" y="615"/>
+                  </a:cubicBezTo>
+                  <a:cubicBezTo>
+                    <a:pt x="147844" y="-4382"/>
+                    <a:pt x="-27042" y="21851"/>
+                    <a:pt x="3563" y="49333"/>
+                  </a:cubicBezTo>
+                </a:path>
+              </a:pathLst>
+            </a:custGeom>
+            <a:noFill/>
+            <a:ln w="25400">
+              <a:solidFill>
+                <a:schemeClr val="accent2"/>
+              </a:solidFill>
+            </a:ln>
+          </p:spPr>
+          <p:style>
+            <a:lnRef idx="2">
+              <a:schemeClr val="accent1">
+                <a:shade val="50000"/>
+              </a:schemeClr>
+            </a:lnRef>
+            <a:fillRef idx="1">
+              <a:schemeClr val="accent1"/>
+            </a:fillRef>
+            <a:effectRef idx="0">
+              <a:schemeClr val="accent1"/>
+            </a:effectRef>
+            <a:fontRef idx="minor">
+              <a:schemeClr val="lt1"/>
+            </a:fontRef>
+          </p:style>
+          <p:txBody>
+            <a:bodyPr rtlCol="0" anchor="ctr"/>
+            <a:lstStyle/>
+            <a:p>
+              <a:pPr algn="ctr"/>
+              <a:endParaRPr lang="en-GB"/>
+            </a:p>
+          </p:txBody>
+        </p:sp>
+      </p:grpSp>
+      <p:grpSp>
+        <p:nvGrpSpPr>
+          <p:cNvPr id="89" name="Group 88">
+            <a:extLst>
+              <a:ext uri="{FF2B5EF4-FFF2-40B4-BE49-F238E27FC236}">
+                <a16:creationId xmlns:a16="http://schemas.microsoft.com/office/drawing/2014/main" id="{7D9467BA-7997-7A42-953C-E2C7BCA01970}"/>
+              </a:ext>
+            </a:extLst>
+          </p:cNvPr>
+          <p:cNvGrpSpPr/>
+          <p:nvPr/>
+        </p:nvGrpSpPr>
+        <p:grpSpPr>
+          <a:xfrm>
+            <a:off x="4251435" y="2793621"/>
+            <a:ext cx="464432" cy="328689"/>
+            <a:chOff x="3329061" y="3246341"/>
+            <a:chExt cx="464432" cy="328689"/>
+          </a:xfrm>
+        </p:grpSpPr>
+        <p:sp>
+          <p:nvSpPr>
+            <p:cNvPr id="90" name="Oval 89">
+              <a:extLst>
+                <a:ext uri="{FF2B5EF4-FFF2-40B4-BE49-F238E27FC236}">
+                  <a16:creationId xmlns:a16="http://schemas.microsoft.com/office/drawing/2014/main" id="{2E5F8A85-3EE6-574F-82E6-74038B180F9C}"/>
+                </a:ext>
+              </a:extLst>
+            </p:cNvPr>
+            <p:cNvSpPr/>
+            <p:nvPr/>
+          </p:nvSpPr>
+          <p:spPr>
+            <a:xfrm>
+              <a:off x="3426966" y="3336447"/>
+              <a:ext cx="248856" cy="150351"/>
+            </a:xfrm>
+            <a:prstGeom prst="ellipse">
+              <a:avLst/>
+            </a:prstGeom>
+            <a:noFill/>
+            <a:ln w="25400">
+              <a:solidFill>
+                <a:schemeClr val="accent2"/>
+              </a:solidFill>
+            </a:ln>
+          </p:spPr>
+          <p:style>
+            <a:lnRef idx="2">
+              <a:schemeClr val="accent1">
+                <a:shade val="50000"/>
+              </a:schemeClr>
+            </a:lnRef>
+            <a:fillRef idx="1">
+              <a:schemeClr val="accent1"/>
+            </a:fillRef>
+            <a:effectRef idx="0">
+              <a:schemeClr val="accent1"/>
+            </a:effectRef>
+            <a:fontRef idx="minor">
+              <a:schemeClr val="lt1"/>
+            </a:fontRef>
+          </p:style>
+          <p:txBody>
+            <a:bodyPr rtlCol="0" anchor="ctr"/>
+            <a:lstStyle/>
+            <a:p>
+              <a:pPr algn="ctr"/>
+              <a:endParaRPr lang="en-GB"/>
+            </a:p>
+          </p:txBody>
+        </p:sp>
+        <p:sp>
+          <p:nvSpPr>
+            <p:cNvPr id="91" name="Freeform 90">
+              <a:extLst>
+                <a:ext uri="{FF2B5EF4-FFF2-40B4-BE49-F238E27FC236}">
+                  <a16:creationId xmlns:a16="http://schemas.microsoft.com/office/drawing/2014/main" id="{8E05CD9E-6A6C-634F-8596-544BC0A9D3E4}"/>
+                </a:ext>
+              </a:extLst>
+            </p:cNvPr>
+            <p:cNvSpPr/>
+            <p:nvPr/>
+          </p:nvSpPr>
+          <p:spPr>
+            <a:xfrm>
+              <a:off x="3329061" y="3246341"/>
+              <a:ext cx="397411" cy="240457"/>
+            </a:xfrm>
+            <a:custGeom>
+              <a:avLst/>
+              <a:gdLst>
+                <a:gd name="connsiteX0" fmla="*/ 243405 w 397411"/>
+                <a:gd name="connsiteY0" fmla="*/ 240457 h 240457"/>
+                <a:gd name="connsiteX1" fmla="*/ 382064 w 397411"/>
+                <a:gd name="connsiteY1" fmla="*/ 187992 h 240457"/>
+                <a:gd name="connsiteX2" fmla="*/ 374569 w 397411"/>
+                <a:gd name="connsiteY2" fmla="*/ 79313 h 240457"/>
+                <a:gd name="connsiteX3" fmla="*/ 209678 w 397411"/>
+                <a:gd name="connsiteY3" fmla="*/ 615 h 240457"/>
+                <a:gd name="connsiteX4" fmla="*/ 3563 w 397411"/>
+                <a:gd name="connsiteY4" fmla="*/ 49333 h 240457"/>
+              </a:gdLst>
+              <a:ahLst/>
+              <a:cxnLst>
+                <a:cxn ang="0">
+                  <a:pos x="connsiteX0" y="connsiteY0"/>
+                </a:cxn>
+                <a:cxn ang="0">
+                  <a:pos x="connsiteX1" y="connsiteY1"/>
+                </a:cxn>
+                <a:cxn ang="0">
+                  <a:pos x="connsiteX2" y="connsiteY2"/>
+                </a:cxn>
+                <a:cxn ang="0">
+                  <a:pos x="connsiteX3" y="connsiteY3"/>
+                </a:cxn>
+                <a:cxn ang="0">
+                  <a:pos x="connsiteX4" y="connsiteY4"/>
+                </a:cxn>
+              </a:cxnLst>
+              <a:rect l="l" t="t" r="r" b="b"/>
+              <a:pathLst>
+                <a:path w="397411" h="240457">
+                  <a:moveTo>
+                    <a:pt x="243405" y="240457"/>
+                  </a:moveTo>
+                  <a:cubicBezTo>
+                    <a:pt x="301804" y="227653"/>
+                    <a:pt x="360203" y="214849"/>
+                    <a:pt x="382064" y="187992"/>
+                  </a:cubicBezTo>
+                  <a:cubicBezTo>
+                    <a:pt x="403925" y="161135"/>
+                    <a:pt x="403300" y="110542"/>
+                    <a:pt x="374569" y="79313"/>
+                  </a:cubicBezTo>
+                  <a:cubicBezTo>
+                    <a:pt x="345838" y="48083"/>
+                    <a:pt x="271512" y="5612"/>
+                    <a:pt x="209678" y="615"/>
+                  </a:cubicBezTo>
+                  <a:cubicBezTo>
+                    <a:pt x="147844" y="-4382"/>
+                    <a:pt x="-27042" y="21851"/>
+                    <a:pt x="3563" y="49333"/>
+                  </a:cubicBezTo>
+                </a:path>
+              </a:pathLst>
+            </a:custGeom>
+            <a:noFill/>
+            <a:ln w="25400">
+              <a:solidFill>
+                <a:schemeClr val="accent2"/>
+              </a:solidFill>
+            </a:ln>
+          </p:spPr>
+          <p:style>
+            <a:lnRef idx="2">
+              <a:schemeClr val="accent1">
+                <a:shade val="50000"/>
+              </a:schemeClr>
+            </a:lnRef>
+            <a:fillRef idx="1">
+              <a:schemeClr val="accent1"/>
+            </a:fillRef>
+            <a:effectRef idx="0">
+              <a:schemeClr val="accent1"/>
+            </a:effectRef>
+            <a:fontRef idx="minor">
+              <a:schemeClr val="lt1"/>
+            </a:fontRef>
+          </p:style>
+          <p:txBody>
+            <a:bodyPr rtlCol="0" anchor="ctr"/>
+            <a:lstStyle/>
+            <a:p>
+              <a:pPr algn="ctr"/>
+              <a:endParaRPr lang="en-GB"/>
+            </a:p>
+          </p:txBody>
+        </p:sp>
+        <p:sp>
+          <p:nvSpPr>
+            <p:cNvPr id="92" name="Freeform 91">
+              <a:extLst>
+                <a:ext uri="{FF2B5EF4-FFF2-40B4-BE49-F238E27FC236}">
+                  <a16:creationId xmlns:a16="http://schemas.microsoft.com/office/drawing/2014/main" id="{24005948-26DA-1E4F-B519-6CF2F5C8B07F}"/>
+                </a:ext>
+              </a:extLst>
+            </p:cNvPr>
+            <p:cNvSpPr/>
+            <p:nvPr/>
+          </p:nvSpPr>
+          <p:spPr>
+            <a:xfrm rot="10800000">
+              <a:off x="3396082" y="3334573"/>
+              <a:ext cx="397411" cy="240457"/>
+            </a:xfrm>
+            <a:custGeom>
+              <a:avLst/>
+              <a:gdLst>
+                <a:gd name="connsiteX0" fmla="*/ 243405 w 397411"/>
+                <a:gd name="connsiteY0" fmla="*/ 240457 h 240457"/>
+                <a:gd name="connsiteX1" fmla="*/ 382064 w 397411"/>
+                <a:gd name="connsiteY1" fmla="*/ 187992 h 240457"/>
+                <a:gd name="connsiteX2" fmla="*/ 374569 w 397411"/>
+                <a:gd name="connsiteY2" fmla="*/ 79313 h 240457"/>
+                <a:gd name="connsiteX3" fmla="*/ 209678 w 397411"/>
+                <a:gd name="connsiteY3" fmla="*/ 615 h 240457"/>
+                <a:gd name="connsiteX4" fmla="*/ 3563 w 397411"/>
+                <a:gd name="connsiteY4" fmla="*/ 49333 h 240457"/>
+              </a:gdLst>
+              <a:ahLst/>
+              <a:cxnLst>
+                <a:cxn ang="0">
+                  <a:pos x="connsiteX0" y="connsiteY0"/>
+                </a:cxn>
+                <a:cxn ang="0">
+                  <a:pos x="connsiteX1" y="connsiteY1"/>
+                </a:cxn>
+                <a:cxn ang="0">
+                  <a:pos x="connsiteX2" y="connsiteY2"/>
+                </a:cxn>
+                <a:cxn ang="0">
+                  <a:pos x="connsiteX3" y="connsiteY3"/>
+                </a:cxn>
+                <a:cxn ang="0">
+                  <a:pos x="connsiteX4" y="connsiteY4"/>
+                </a:cxn>
+              </a:cxnLst>
+              <a:rect l="l" t="t" r="r" b="b"/>
+              <a:pathLst>
+                <a:path w="397411" h="240457">
+                  <a:moveTo>
+                    <a:pt x="243405" y="240457"/>
+                  </a:moveTo>
+                  <a:cubicBezTo>
+                    <a:pt x="301804" y="227653"/>
+                    <a:pt x="360203" y="214849"/>
+                    <a:pt x="382064" y="187992"/>
+                  </a:cubicBezTo>
+                  <a:cubicBezTo>
+                    <a:pt x="403925" y="161135"/>
+                    <a:pt x="403300" y="110542"/>
+                    <a:pt x="374569" y="79313"/>
+                  </a:cubicBezTo>
+                  <a:cubicBezTo>
+                    <a:pt x="345838" y="48083"/>
+                    <a:pt x="271512" y="5612"/>
+                    <a:pt x="209678" y="615"/>
+                  </a:cubicBezTo>
+                  <a:cubicBezTo>
+                    <a:pt x="147844" y="-4382"/>
+                    <a:pt x="-27042" y="21851"/>
+                    <a:pt x="3563" y="49333"/>
+                  </a:cubicBezTo>
+                </a:path>
+              </a:pathLst>
+            </a:custGeom>
+            <a:noFill/>
+            <a:ln w="25400">
+              <a:solidFill>
+                <a:schemeClr val="accent2"/>
+              </a:solidFill>
+            </a:ln>
+          </p:spPr>
+          <p:style>
+            <a:lnRef idx="2">
+              <a:schemeClr val="accent1">
+                <a:shade val="50000"/>
+              </a:schemeClr>
+            </a:lnRef>
+            <a:fillRef idx="1">
+              <a:schemeClr val="accent1"/>
+            </a:fillRef>
+            <a:effectRef idx="0">
+              <a:schemeClr val="accent1"/>
+            </a:effectRef>
+            <a:fontRef idx="minor">
+              <a:schemeClr val="lt1"/>
+            </a:fontRef>
+          </p:style>
+          <p:txBody>
+            <a:bodyPr rtlCol="0" anchor="ctr"/>
+            <a:lstStyle/>
+            <a:p>
+              <a:pPr algn="ctr"/>
+              <a:endParaRPr lang="en-GB"/>
+            </a:p>
+          </p:txBody>
+        </p:sp>
+      </p:grpSp>
+      <p:grpSp>
+        <p:nvGrpSpPr>
+          <p:cNvPr id="93" name="Group 92">
+            <a:extLst>
+              <a:ext uri="{FF2B5EF4-FFF2-40B4-BE49-F238E27FC236}">
+                <a16:creationId xmlns:a16="http://schemas.microsoft.com/office/drawing/2014/main" id="{62C7AD13-82B5-A64E-AF66-7E24FAE6B8C3}"/>
+              </a:ext>
+            </a:extLst>
+          </p:cNvPr>
+          <p:cNvGrpSpPr/>
+          <p:nvPr/>
+        </p:nvGrpSpPr>
+        <p:grpSpPr>
+          <a:xfrm>
+            <a:off x="3948622" y="2957964"/>
+            <a:ext cx="464432" cy="328689"/>
+            <a:chOff x="3329061" y="3246341"/>
+            <a:chExt cx="464432" cy="328689"/>
+          </a:xfrm>
+        </p:grpSpPr>
+        <p:sp>
+          <p:nvSpPr>
+            <p:cNvPr id="94" name="Oval 93">
+              <a:extLst>
+                <a:ext uri="{FF2B5EF4-FFF2-40B4-BE49-F238E27FC236}">
+                  <a16:creationId xmlns:a16="http://schemas.microsoft.com/office/drawing/2014/main" id="{D760D35D-7BCA-E647-A4AC-299C2E42A98A}"/>
+                </a:ext>
+              </a:extLst>
+            </p:cNvPr>
+            <p:cNvSpPr/>
+            <p:nvPr/>
+          </p:nvSpPr>
+          <p:spPr>
+            <a:xfrm>
+              <a:off x="3426966" y="3336447"/>
+              <a:ext cx="248856" cy="150351"/>
+            </a:xfrm>
+            <a:prstGeom prst="ellipse">
+              <a:avLst/>
+            </a:prstGeom>
+            <a:noFill/>
+            <a:ln w="25400">
+              <a:solidFill>
+                <a:schemeClr val="accent2"/>
+              </a:solidFill>
+            </a:ln>
+          </p:spPr>
+          <p:style>
+            <a:lnRef idx="2">
+              <a:schemeClr val="accent1">
+                <a:shade val="50000"/>
+              </a:schemeClr>
+            </a:lnRef>
+            <a:fillRef idx="1">
+              <a:schemeClr val="accent1"/>
+            </a:fillRef>
+            <a:effectRef idx="0">
+              <a:schemeClr val="accent1"/>
+            </a:effectRef>
+            <a:fontRef idx="minor">
+              <a:schemeClr val="lt1"/>
+            </a:fontRef>
+          </p:style>
+          <p:txBody>
+            <a:bodyPr rtlCol="0" anchor="ctr"/>
+            <a:lstStyle/>
+            <a:p>
+              <a:pPr algn="ctr"/>
+              <a:endParaRPr lang="en-GB"/>
+            </a:p>
+          </p:txBody>
+        </p:sp>
+        <p:sp>
+          <p:nvSpPr>
+            <p:cNvPr id="95" name="Freeform 94">
+              <a:extLst>
+                <a:ext uri="{FF2B5EF4-FFF2-40B4-BE49-F238E27FC236}">
+                  <a16:creationId xmlns:a16="http://schemas.microsoft.com/office/drawing/2014/main" id="{AD4ADECA-C404-BB48-B1B2-6F1672FFD3AA}"/>
+                </a:ext>
+              </a:extLst>
+            </p:cNvPr>
+            <p:cNvSpPr/>
+            <p:nvPr/>
+          </p:nvSpPr>
+          <p:spPr>
+            <a:xfrm>
+              <a:off x="3329061" y="3246341"/>
+              <a:ext cx="397411" cy="240457"/>
+            </a:xfrm>
+            <a:custGeom>
+              <a:avLst/>
+              <a:gdLst>
+                <a:gd name="connsiteX0" fmla="*/ 243405 w 397411"/>
+                <a:gd name="connsiteY0" fmla="*/ 240457 h 240457"/>
+                <a:gd name="connsiteX1" fmla="*/ 382064 w 397411"/>
+                <a:gd name="connsiteY1" fmla="*/ 187992 h 240457"/>
+                <a:gd name="connsiteX2" fmla="*/ 374569 w 397411"/>
+                <a:gd name="connsiteY2" fmla="*/ 79313 h 240457"/>
+                <a:gd name="connsiteX3" fmla="*/ 209678 w 397411"/>
+                <a:gd name="connsiteY3" fmla="*/ 615 h 240457"/>
+                <a:gd name="connsiteX4" fmla="*/ 3563 w 397411"/>
+                <a:gd name="connsiteY4" fmla="*/ 49333 h 240457"/>
+              </a:gdLst>
+              <a:ahLst/>
+              <a:cxnLst>
+                <a:cxn ang="0">
+                  <a:pos x="connsiteX0" y="connsiteY0"/>
+                </a:cxn>
+                <a:cxn ang="0">
+                  <a:pos x="connsiteX1" y="connsiteY1"/>
+                </a:cxn>
+                <a:cxn ang="0">
+                  <a:pos x="connsiteX2" y="connsiteY2"/>
+                </a:cxn>
+                <a:cxn ang="0">
+                  <a:pos x="connsiteX3" y="connsiteY3"/>
+                </a:cxn>
+                <a:cxn ang="0">
+                  <a:pos x="connsiteX4" y="connsiteY4"/>
+                </a:cxn>
+              </a:cxnLst>
+              <a:rect l="l" t="t" r="r" b="b"/>
+              <a:pathLst>
+                <a:path w="397411" h="240457">
+                  <a:moveTo>
+                    <a:pt x="243405" y="240457"/>
+                  </a:moveTo>
+                  <a:cubicBezTo>
+                    <a:pt x="301804" y="227653"/>
+                    <a:pt x="360203" y="214849"/>
+                    <a:pt x="382064" y="187992"/>
+                  </a:cubicBezTo>
+                  <a:cubicBezTo>
+                    <a:pt x="403925" y="161135"/>
+                    <a:pt x="403300" y="110542"/>
+                    <a:pt x="374569" y="79313"/>
+                  </a:cubicBezTo>
+                  <a:cubicBezTo>
+                    <a:pt x="345838" y="48083"/>
+                    <a:pt x="271512" y="5612"/>
+                    <a:pt x="209678" y="615"/>
+                  </a:cubicBezTo>
+                  <a:cubicBezTo>
+                    <a:pt x="147844" y="-4382"/>
+                    <a:pt x="-27042" y="21851"/>
+                    <a:pt x="3563" y="49333"/>
+                  </a:cubicBezTo>
+                </a:path>
+              </a:pathLst>
+            </a:custGeom>
+            <a:noFill/>
+            <a:ln w="25400">
+              <a:solidFill>
+                <a:schemeClr val="accent2"/>
+              </a:solidFill>
+            </a:ln>
+          </p:spPr>
+          <p:style>
+            <a:lnRef idx="2">
+              <a:schemeClr val="accent1">
+                <a:shade val="50000"/>
+              </a:schemeClr>
+            </a:lnRef>
+            <a:fillRef idx="1">
+              <a:schemeClr val="accent1"/>
+            </a:fillRef>
+            <a:effectRef idx="0">
+              <a:schemeClr val="accent1"/>
+            </a:effectRef>
+            <a:fontRef idx="minor">
+              <a:schemeClr val="lt1"/>
+            </a:fontRef>
+          </p:style>
+          <p:txBody>
+            <a:bodyPr rtlCol="0" anchor="ctr"/>
+            <a:lstStyle/>
+            <a:p>
+              <a:pPr algn="ctr"/>
+              <a:endParaRPr lang="en-GB"/>
+            </a:p>
+          </p:txBody>
+        </p:sp>
+        <p:sp>
+          <p:nvSpPr>
+            <p:cNvPr id="96" name="Freeform 95">
+              <a:extLst>
+                <a:ext uri="{FF2B5EF4-FFF2-40B4-BE49-F238E27FC236}">
+                  <a16:creationId xmlns:a16="http://schemas.microsoft.com/office/drawing/2014/main" id="{5F67DB08-6D26-BA4D-80CD-CF3DE943D4DC}"/>
+                </a:ext>
+              </a:extLst>
+            </p:cNvPr>
+            <p:cNvSpPr/>
+            <p:nvPr/>
+          </p:nvSpPr>
+          <p:spPr>
+            <a:xfrm rot="10800000">
+              <a:off x="3396082" y="3334573"/>
+              <a:ext cx="397411" cy="240457"/>
+            </a:xfrm>
+            <a:custGeom>
+              <a:avLst/>
+              <a:gdLst>
+                <a:gd name="connsiteX0" fmla="*/ 243405 w 397411"/>
+                <a:gd name="connsiteY0" fmla="*/ 240457 h 240457"/>
+                <a:gd name="connsiteX1" fmla="*/ 382064 w 397411"/>
+                <a:gd name="connsiteY1" fmla="*/ 187992 h 240457"/>
+                <a:gd name="connsiteX2" fmla="*/ 374569 w 397411"/>
+                <a:gd name="connsiteY2" fmla="*/ 79313 h 240457"/>
+                <a:gd name="connsiteX3" fmla="*/ 209678 w 397411"/>
+                <a:gd name="connsiteY3" fmla="*/ 615 h 240457"/>
+                <a:gd name="connsiteX4" fmla="*/ 3563 w 397411"/>
+                <a:gd name="connsiteY4" fmla="*/ 49333 h 240457"/>
+              </a:gdLst>
+              <a:ahLst/>
+              <a:cxnLst>
+                <a:cxn ang="0">
+                  <a:pos x="connsiteX0" y="connsiteY0"/>
+                </a:cxn>
+                <a:cxn ang="0">
+                  <a:pos x="connsiteX1" y="connsiteY1"/>
+                </a:cxn>
+                <a:cxn ang="0">
+                  <a:pos x="connsiteX2" y="connsiteY2"/>
+                </a:cxn>
+                <a:cxn ang="0">
+                  <a:pos x="connsiteX3" y="connsiteY3"/>
+                </a:cxn>
+                <a:cxn ang="0">
+                  <a:pos x="connsiteX4" y="connsiteY4"/>
+                </a:cxn>
+              </a:cxnLst>
+              <a:rect l="l" t="t" r="r" b="b"/>
+              <a:pathLst>
+                <a:path w="397411" h="240457">
+                  <a:moveTo>
+                    <a:pt x="243405" y="240457"/>
+                  </a:moveTo>
+                  <a:cubicBezTo>
+                    <a:pt x="301804" y="227653"/>
+                    <a:pt x="360203" y="214849"/>
+                    <a:pt x="382064" y="187992"/>
+                  </a:cubicBezTo>
+                  <a:cubicBezTo>
+                    <a:pt x="403925" y="161135"/>
+                    <a:pt x="403300" y="110542"/>
+                    <a:pt x="374569" y="79313"/>
+                  </a:cubicBezTo>
+                  <a:cubicBezTo>
+                    <a:pt x="345838" y="48083"/>
+                    <a:pt x="271512" y="5612"/>
+                    <a:pt x="209678" y="615"/>
+                  </a:cubicBezTo>
+                  <a:cubicBezTo>
+                    <a:pt x="147844" y="-4382"/>
+                    <a:pt x="-27042" y="21851"/>
+                    <a:pt x="3563" y="49333"/>
+                  </a:cubicBezTo>
+                </a:path>
+              </a:pathLst>
+            </a:custGeom>
+            <a:noFill/>
+            <a:ln w="25400">
+              <a:solidFill>
+                <a:schemeClr val="accent2"/>
+              </a:solidFill>
+            </a:ln>
+          </p:spPr>
+          <p:style>
+            <a:lnRef idx="2">
+              <a:schemeClr val="accent1">
+                <a:shade val="50000"/>
+              </a:schemeClr>
+            </a:lnRef>
+            <a:fillRef idx="1">
+              <a:schemeClr val="accent1"/>
+            </a:fillRef>
+            <a:effectRef idx="0">
+              <a:schemeClr val="accent1"/>
+            </a:effectRef>
+            <a:fontRef idx="minor">
+              <a:schemeClr val="lt1"/>
+            </a:fontRef>
+          </p:style>
+          <p:txBody>
+            <a:bodyPr rtlCol="0" anchor="ctr"/>
+            <a:lstStyle/>
+            <a:p>
+              <a:pPr algn="ctr"/>
+              <a:endParaRPr lang="en-GB"/>
+            </a:p>
+          </p:txBody>
+        </p:sp>
+      </p:grpSp>
     </p:spTree>
     <p:extLst>
       <p:ext uri="{BB962C8B-B14F-4D97-AF65-F5344CB8AC3E}">
